--- a/Interim_Project_Presentation_GroupC.pptx
+++ b/Interim_Project_Presentation_GroupC.pptx
@@ -11,20 +11,22 @@
     <p:sldMasterId id="2147483777" r:id="rId7"/>
   </p:sldMasterIdLst>
   <p:notesMasterIdLst>
-    <p:notesMasterId r:id="rId16"/>
+    <p:notesMasterId r:id="rId18"/>
   </p:notesMasterIdLst>
   <p:handoutMasterIdLst>
-    <p:handoutMasterId r:id="rId17"/>
+    <p:handoutMasterId r:id="rId19"/>
   </p:handoutMasterIdLst>
   <p:sldIdLst>
     <p:sldId id="257" r:id="rId8"/>
     <p:sldId id="351" r:id="rId9"/>
     <p:sldId id="348" r:id="rId10"/>
-    <p:sldId id="350" r:id="rId11"/>
-    <p:sldId id="349" r:id="rId12"/>
-    <p:sldId id="353" r:id="rId13"/>
-    <p:sldId id="354" r:id="rId14"/>
-    <p:sldId id="355" r:id="rId15"/>
+    <p:sldId id="358" r:id="rId11"/>
+    <p:sldId id="350" r:id="rId12"/>
+    <p:sldId id="349" r:id="rId13"/>
+    <p:sldId id="353" r:id="rId14"/>
+    <p:sldId id="354" r:id="rId15"/>
+    <p:sldId id="356" r:id="rId16"/>
+    <p:sldId id="355" r:id="rId17"/>
   </p:sldIdLst>
   <p:sldSz cx="9144000" cy="5143500" type="screen16x9"/>
   <p:notesSz cx="6858000" cy="9144000"/>
@@ -4349,34 +4351,158 @@
           <a:bodyPr/>
           <a:lstStyle/>
           <a:p>
-            <a:pPr marL="0" marR="0" lvl="0" indent="0" algn="l" defTabSz="914400" rtl="0" eaLnBrk="1" fontAlgn="auto" latinLnBrk="0" hangingPunct="1">
-              <a:lnSpc>
-                <a:spcPct val="100000"/>
-              </a:lnSpc>
-              <a:spcBef>
-                <a:spcPts val="0"/>
-              </a:spcBef>
-              <a:spcAft>
-                <a:spcPts val="0"/>
-              </a:spcAft>
-              <a:buClrTx/>
-              <a:buSzTx/>
-              <a:buFontTx/>
-              <a:buNone/>
-              <a:tabLst/>
-              <a:defRPr/>
-            </a:pPr>
-            <a:r>
-              <a:rPr lang="en-US" sz="1200" dirty="0">
-                <a:effectLst/>
-                <a:latin typeface="Arial" panose="020B0604020202020204" pitchFamily="34" charset="0"/>
-                <a:ea typeface="Calibri" panose="020F0502020204030204" pitchFamily="34" charset="0"/>
-              </a:rPr>
-              <a:t>It is a team of 14 people, which have different projects mainly focused on colon cancer. </a:t>
-            </a:r>
-          </a:p>
-          <a:p>
-            <a:endParaRPr lang="en-GB" dirty="0"/>
+            <a:r>
+              <a:rPr lang="de-CH" dirty="0" err="1"/>
+              <a:t>Filtering</a:t>
+            </a:r>
+            <a:r>
+              <a:rPr lang="de-CH" dirty="0"/>
+              <a:t>: </a:t>
+            </a:r>
+            <a:r>
+              <a:rPr lang="de-CH" dirty="0" err="1"/>
+              <a:t>removes</a:t>
+            </a:r>
+            <a:r>
+              <a:rPr lang="de-CH" dirty="0"/>
+              <a:t> </a:t>
+            </a:r>
+            <a:r>
+              <a:rPr lang="de-CH" dirty="0" err="1"/>
+              <a:t>stopwords</a:t>
+            </a:r>
+            <a:r>
+              <a:rPr lang="de-CH" dirty="0"/>
+              <a:t> -&gt; not </a:t>
+            </a:r>
+            <a:r>
+              <a:rPr lang="de-CH" dirty="0" err="1"/>
+              <a:t>filtered</a:t>
+            </a:r>
+            <a:r>
+              <a:rPr lang="de-CH" dirty="0"/>
+              <a:t>, </a:t>
+            </a:r>
+            <a:r>
+              <a:rPr lang="de-CH" dirty="0" err="1"/>
+              <a:t>some</a:t>
+            </a:r>
+            <a:r>
+              <a:rPr lang="de-CH" dirty="0"/>
+              <a:t> </a:t>
+            </a:r>
+            <a:r>
+              <a:rPr lang="de-CH" dirty="0" err="1"/>
+              <a:t>variants</a:t>
+            </a:r>
+            <a:r>
+              <a:rPr lang="de-CH" dirty="0"/>
+              <a:t> of </a:t>
+            </a:r>
+            <a:r>
+              <a:rPr lang="de-CH" dirty="0" err="1"/>
+              <a:t>stopwords</a:t>
+            </a:r>
+            <a:r>
+              <a:rPr lang="de-CH" dirty="0"/>
+              <a:t> still </a:t>
+            </a:r>
+            <a:r>
+              <a:rPr lang="de-CH" dirty="0" err="1"/>
+              <a:t>there</a:t>
+            </a:r>
+            <a:endParaRPr lang="de-CH" dirty="0"/>
+          </a:p>
+          <a:p>
+            <a:r>
+              <a:rPr lang="de-CH" dirty="0" err="1"/>
+              <a:t>Normalization</a:t>
+            </a:r>
+            <a:r>
+              <a:rPr lang="de-CH" dirty="0"/>
+              <a:t>: all to </a:t>
+            </a:r>
+            <a:r>
+              <a:rPr lang="de-CH" dirty="0" err="1"/>
+              <a:t>lowercase</a:t>
+            </a:r>
+            <a:r>
+              <a:rPr lang="de-CH" dirty="0"/>
+              <a:t>, </a:t>
+            </a:r>
+            <a:r>
+              <a:rPr lang="de-CH" dirty="0" err="1"/>
+              <a:t>lemmatization</a:t>
+            </a:r>
+            <a:r>
+              <a:rPr lang="de-CH" dirty="0"/>
+              <a:t> -&gt; </a:t>
+            </a:r>
+            <a:r>
+              <a:rPr lang="de-CH" dirty="0" err="1"/>
+              <a:t>some</a:t>
+            </a:r>
+            <a:r>
+              <a:rPr lang="de-CH" dirty="0"/>
+              <a:t> </a:t>
+            </a:r>
+            <a:r>
+              <a:rPr lang="de-CH" dirty="0" err="1"/>
+              <a:t>words</a:t>
+            </a:r>
+            <a:r>
+              <a:rPr lang="de-CH" dirty="0"/>
+              <a:t> get </a:t>
+            </a:r>
+            <a:r>
+              <a:rPr lang="de-CH" dirty="0" err="1"/>
+              <a:t>lemmatized</a:t>
+            </a:r>
+            <a:r>
+              <a:rPr lang="de-CH" dirty="0"/>
+              <a:t> to </a:t>
+            </a:r>
+            <a:r>
+              <a:rPr lang="de-CH" dirty="0" err="1"/>
+              <a:t>something</a:t>
+            </a:r>
+            <a:r>
+              <a:rPr lang="de-CH" dirty="0"/>
+              <a:t> non-</a:t>
+            </a:r>
+            <a:r>
+              <a:rPr lang="de-CH" dirty="0" err="1"/>
+              <a:t>meaningful</a:t>
+            </a:r>
+            <a:r>
+              <a:rPr lang="de-CH" dirty="0"/>
+              <a:t> (</a:t>
+            </a:r>
+            <a:r>
+              <a:rPr lang="de-CH" dirty="0" err="1"/>
+              <a:t>eg</a:t>
+            </a:r>
+            <a:r>
+              <a:rPr lang="de-CH" dirty="0"/>
+              <a:t> was -&gt; wa </a:t>
+            </a:r>
+            <a:r>
+              <a:rPr lang="de-CH" dirty="0" err="1"/>
+              <a:t>instead</a:t>
+            </a:r>
+            <a:r>
+              <a:rPr lang="de-CH" dirty="0"/>
+              <a:t> of </a:t>
+            </a:r>
+            <a:r>
+              <a:rPr lang="de-CH" dirty="0" err="1"/>
+              <a:t>be</a:t>
+            </a:r>
+            <a:r>
+              <a:rPr lang="de-CH" dirty="0"/>
+              <a:t>)</a:t>
+            </a:r>
+            <a:endParaRPr lang="en-US" dirty="0"/>
           </a:p>
         </p:txBody>
       </p:sp>
@@ -4416,7 +4542,395 @@
           <a:p>
             <a:fld id="{B2B24C57-7758-4EF8-8A0E-FE171C8C1817}" type="slidenum">
               <a:rPr lang="de-CH" smtClean="0"/>
+              <a:t>3</a:t>
+            </a:fld>
+            <a:endParaRPr lang="de-CH" dirty="0"/>
+          </a:p>
+        </p:txBody>
+      </p:sp>
+    </p:spTree>
+    <p:extLst>
+      <p:ext uri="{BB962C8B-B14F-4D97-AF65-F5344CB8AC3E}">
+        <p14:creationId xmlns:p14="http://schemas.microsoft.com/office/powerpoint/2010/main" val="2223489488"/>
+      </p:ext>
+    </p:extLst>
+  </p:cSld>
+  <p:clrMapOvr>
+    <a:masterClrMapping/>
+  </p:clrMapOvr>
+</p:notes>
+</file>
+
+<file path=ppt/notesSlides/notesSlide3.xml><?xml version="1.0" encoding="utf-8"?>
+<p:notes xmlns:a="http://schemas.openxmlformats.org/drawingml/2006/main" xmlns:r="http://schemas.openxmlformats.org/officeDocument/2006/relationships" xmlns:p="http://schemas.openxmlformats.org/presentationml/2006/main">
+  <p:cSld>
+    <p:spTree>
+      <p:nvGrpSpPr>
+        <p:cNvPr id="1" name=""/>
+        <p:cNvGrpSpPr/>
+        <p:nvPr/>
+      </p:nvGrpSpPr>
+      <p:grpSpPr>
+        <a:xfrm>
+          <a:off x="0" y="0"/>
+          <a:ext cx="0" cy="0"/>
+          <a:chOff x="0" y="0"/>
+          <a:chExt cx="0" cy="0"/>
+        </a:xfrm>
+      </p:grpSpPr>
+      <p:sp>
+        <p:nvSpPr>
+          <p:cNvPr id="2" name="Folienbildplatzhalter 1"/>
+          <p:cNvSpPr>
+            <a:spLocks noGrp="1" noRot="1" noChangeAspect="1"/>
+          </p:cNvSpPr>
+          <p:nvPr>
+            <p:ph type="sldImg"/>
+          </p:nvPr>
+        </p:nvSpPr>
+        <p:spPr/>
+      </p:sp>
+      <p:sp>
+        <p:nvSpPr>
+          <p:cNvPr id="3" name="Notizenplatzhalter 2"/>
+          <p:cNvSpPr>
+            <a:spLocks noGrp="1"/>
+          </p:cNvSpPr>
+          <p:nvPr>
+            <p:ph type="body" idx="1"/>
+          </p:nvPr>
+        </p:nvSpPr>
+        <p:spPr/>
+        <p:txBody>
+          <a:bodyPr/>
+          <a:lstStyle/>
+          <a:p>
+            <a:r>
+              <a:rPr lang="de-CH" dirty="0"/>
+              <a:t>Most </a:t>
+            </a:r>
+            <a:r>
+              <a:rPr lang="de-CH" dirty="0" err="1"/>
+              <a:t>common</a:t>
+            </a:r>
+            <a:r>
+              <a:rPr lang="de-CH" dirty="0"/>
+              <a:t> </a:t>
+            </a:r>
+            <a:r>
+              <a:rPr lang="de-CH" dirty="0" err="1"/>
+              <a:t>words</a:t>
+            </a:r>
+            <a:r>
+              <a:rPr lang="de-CH" dirty="0"/>
+              <a:t> </a:t>
+            </a:r>
+            <a:r>
+              <a:rPr lang="de-CH" dirty="0" err="1"/>
+              <a:t>are</a:t>
+            </a:r>
+            <a:r>
+              <a:rPr lang="de-CH" dirty="0"/>
+              <a:t> same in all </a:t>
+            </a:r>
+            <a:r>
+              <a:rPr lang="de-CH" dirty="0" err="1"/>
+              <a:t>classes</a:t>
+            </a:r>
+            <a:r>
+              <a:rPr lang="de-CH" dirty="0"/>
+              <a:t> -&gt; </a:t>
+            </a:r>
+            <a:r>
+              <a:rPr lang="de-CH" dirty="0" err="1"/>
+              <a:t>medical</a:t>
+            </a:r>
+            <a:r>
+              <a:rPr lang="de-CH" dirty="0"/>
+              <a:t> </a:t>
+            </a:r>
+            <a:r>
+              <a:rPr lang="de-CH" dirty="0" err="1"/>
+              <a:t>data</a:t>
+            </a:r>
+            <a:r>
+              <a:rPr lang="de-CH" dirty="0"/>
+              <a:t>; </a:t>
+            </a:r>
+            <a:r>
+              <a:rPr lang="de-CH" dirty="0" err="1"/>
+              <a:t>patient</a:t>
+            </a:r>
+            <a:r>
+              <a:rPr lang="de-CH" dirty="0"/>
+              <a:t> </a:t>
+            </a:r>
+            <a:r>
+              <a:rPr lang="de-CH" dirty="0" err="1"/>
+              <a:t>is</a:t>
+            </a:r>
+            <a:r>
+              <a:rPr lang="de-CH" dirty="0"/>
+              <a:t> </a:t>
+            </a:r>
+            <a:r>
+              <a:rPr lang="de-CH" dirty="0" err="1"/>
+              <a:t>second</a:t>
+            </a:r>
+            <a:r>
+              <a:rPr lang="de-CH" dirty="0"/>
+              <a:t> </a:t>
+            </a:r>
+            <a:r>
+              <a:rPr lang="de-CH" dirty="0" err="1"/>
+              <a:t>most</a:t>
+            </a:r>
+            <a:r>
+              <a:rPr lang="de-CH" dirty="0"/>
+              <a:t> </a:t>
+            </a:r>
+            <a:r>
+              <a:rPr lang="de-CH" dirty="0" err="1"/>
+              <a:t>common</a:t>
+            </a:r>
+            <a:r>
+              <a:rPr lang="de-CH" dirty="0"/>
+              <a:t> </a:t>
+            </a:r>
+            <a:r>
+              <a:rPr lang="de-CH" dirty="0" err="1"/>
+              <a:t>word</a:t>
+            </a:r>
+            <a:endParaRPr lang="de-CH" dirty="0"/>
+          </a:p>
+          <a:p>
+            <a:r>
+              <a:rPr lang="de-CH" dirty="0"/>
+              <a:t>More </a:t>
+            </a:r>
+            <a:r>
+              <a:rPr lang="de-CH" dirty="0" err="1"/>
+              <a:t>specific</a:t>
+            </a:r>
+            <a:r>
+              <a:rPr lang="de-CH" dirty="0"/>
+              <a:t>, such </a:t>
+            </a:r>
+            <a:r>
+              <a:rPr lang="de-CH" dirty="0" err="1"/>
+              <a:t>as</a:t>
+            </a:r>
+            <a:r>
+              <a:rPr lang="de-CH" dirty="0"/>
+              <a:t> </a:t>
+            </a:r>
+            <a:r>
+              <a:rPr lang="de-CH" dirty="0" err="1"/>
+              <a:t>skin</a:t>
+            </a:r>
+            <a:r>
+              <a:rPr lang="de-CH" dirty="0"/>
+              <a:t>, </a:t>
+            </a:r>
+            <a:r>
+              <a:rPr lang="de-CH" dirty="0" err="1"/>
+              <a:t>abdomen</a:t>
+            </a:r>
+            <a:r>
+              <a:rPr lang="de-CH" dirty="0"/>
+              <a:t> -&gt; not all </a:t>
+            </a:r>
+            <a:r>
+              <a:rPr lang="de-CH" dirty="0" err="1"/>
+              <a:t>texts</a:t>
+            </a:r>
+            <a:r>
+              <a:rPr lang="de-CH" dirty="0"/>
+              <a:t> same </a:t>
+            </a:r>
+            <a:r>
+              <a:rPr lang="de-CH" dirty="0" err="1"/>
+              <a:t>medical</a:t>
+            </a:r>
+            <a:r>
+              <a:rPr lang="de-CH" dirty="0"/>
+              <a:t> </a:t>
+            </a:r>
+            <a:r>
+              <a:rPr lang="de-CH" dirty="0" err="1"/>
+              <a:t>topic</a:t>
+            </a:r>
+            <a:endParaRPr lang="en-US" dirty="0"/>
+          </a:p>
+        </p:txBody>
+      </p:sp>
+      <p:sp>
+        <p:nvSpPr>
+          <p:cNvPr id="4" name="Fußzeilenplatzhalter 3"/>
+          <p:cNvSpPr>
+            <a:spLocks noGrp="1"/>
+          </p:cNvSpPr>
+          <p:nvPr>
+            <p:ph type="ftr" sz="quarter" idx="4"/>
+          </p:nvPr>
+        </p:nvSpPr>
+        <p:spPr/>
+        <p:txBody>
+          <a:bodyPr/>
+          <a:lstStyle/>
+          <a:p>
+            <a:endParaRPr lang="de-CH" dirty="0"/>
+          </a:p>
+        </p:txBody>
+      </p:sp>
+      <p:sp>
+        <p:nvSpPr>
+          <p:cNvPr id="5" name="Foliennummernplatzhalter 4"/>
+          <p:cNvSpPr>
+            <a:spLocks noGrp="1"/>
+          </p:cNvSpPr>
+          <p:nvPr>
+            <p:ph type="sldNum" sz="quarter" idx="5"/>
+          </p:nvPr>
+        </p:nvSpPr>
+        <p:spPr/>
+        <p:txBody>
+          <a:bodyPr/>
+          <a:lstStyle/>
+          <a:p>
+            <a:fld id="{B2B24C57-7758-4EF8-8A0E-FE171C8C1817}" type="slidenum">
+              <a:rPr lang="de-CH" smtClean="0"/>
               <a:t>4</a:t>
+            </a:fld>
+            <a:endParaRPr lang="de-CH" dirty="0"/>
+          </a:p>
+        </p:txBody>
+      </p:sp>
+    </p:spTree>
+    <p:extLst>
+      <p:ext uri="{BB962C8B-B14F-4D97-AF65-F5344CB8AC3E}">
+        <p14:creationId xmlns:p14="http://schemas.microsoft.com/office/powerpoint/2010/main" val="2133863303"/>
+      </p:ext>
+    </p:extLst>
+  </p:cSld>
+  <p:clrMapOvr>
+    <a:masterClrMapping/>
+  </p:clrMapOvr>
+</p:notes>
+</file>
+
+<file path=ppt/notesSlides/notesSlide4.xml><?xml version="1.0" encoding="utf-8"?>
+<p:notes xmlns:a="http://schemas.openxmlformats.org/drawingml/2006/main" xmlns:r="http://schemas.openxmlformats.org/officeDocument/2006/relationships" xmlns:p="http://schemas.openxmlformats.org/presentationml/2006/main">
+  <p:cSld>
+    <p:spTree>
+      <p:nvGrpSpPr>
+        <p:cNvPr id="1" name=""/>
+        <p:cNvGrpSpPr/>
+        <p:nvPr/>
+      </p:nvGrpSpPr>
+      <p:grpSpPr>
+        <a:xfrm>
+          <a:off x="0" y="0"/>
+          <a:ext cx="0" cy="0"/>
+          <a:chOff x="0" y="0"/>
+          <a:chExt cx="0" cy="0"/>
+        </a:xfrm>
+      </p:grpSpPr>
+      <p:sp>
+        <p:nvSpPr>
+          <p:cNvPr id="2" name="Folienbildplatzhalter 1"/>
+          <p:cNvSpPr>
+            <a:spLocks noGrp="1" noRot="1" noChangeAspect="1"/>
+          </p:cNvSpPr>
+          <p:nvPr>
+            <p:ph type="sldImg"/>
+          </p:nvPr>
+        </p:nvSpPr>
+        <p:spPr/>
+      </p:sp>
+      <p:sp>
+        <p:nvSpPr>
+          <p:cNvPr id="3" name="Notizenplatzhalter 2"/>
+          <p:cNvSpPr>
+            <a:spLocks noGrp="1"/>
+          </p:cNvSpPr>
+          <p:nvPr>
+            <p:ph type="body" idx="1"/>
+          </p:nvPr>
+        </p:nvSpPr>
+        <p:spPr/>
+        <p:txBody>
+          <a:bodyPr/>
+          <a:lstStyle/>
+          <a:p>
+            <a:pPr marL="0" marR="0" lvl="0" indent="0" algn="l" defTabSz="914400" rtl="0" eaLnBrk="1" fontAlgn="auto" latinLnBrk="0" hangingPunct="1">
+              <a:lnSpc>
+                <a:spcPct val="100000"/>
+              </a:lnSpc>
+              <a:spcBef>
+                <a:spcPts val="0"/>
+              </a:spcBef>
+              <a:spcAft>
+                <a:spcPts val="0"/>
+              </a:spcAft>
+              <a:buClrTx/>
+              <a:buSzTx/>
+              <a:buFontTx/>
+              <a:buNone/>
+              <a:tabLst/>
+              <a:defRPr/>
+            </a:pPr>
+            <a:r>
+              <a:rPr lang="en-US" sz="1200" dirty="0">
+                <a:effectLst/>
+                <a:latin typeface="Arial" panose="020B0604020202020204" pitchFamily="34" charset="0"/>
+                <a:ea typeface="Calibri" panose="020F0502020204030204" pitchFamily="34" charset="0"/>
+              </a:rPr>
+              <a:t>It is a team of 14 people, which have different projects mainly focused on colon cancer. </a:t>
+            </a:r>
+          </a:p>
+          <a:p>
+            <a:endParaRPr lang="en-GB" dirty="0"/>
+          </a:p>
+        </p:txBody>
+      </p:sp>
+      <p:sp>
+        <p:nvSpPr>
+          <p:cNvPr id="4" name="Fußzeilenplatzhalter 3"/>
+          <p:cNvSpPr>
+            <a:spLocks noGrp="1"/>
+          </p:cNvSpPr>
+          <p:nvPr>
+            <p:ph type="ftr" sz="quarter" idx="4"/>
+          </p:nvPr>
+        </p:nvSpPr>
+        <p:spPr/>
+        <p:txBody>
+          <a:bodyPr/>
+          <a:lstStyle/>
+          <a:p>
+            <a:endParaRPr lang="de-CH" dirty="0"/>
+          </a:p>
+        </p:txBody>
+      </p:sp>
+      <p:sp>
+        <p:nvSpPr>
+          <p:cNvPr id="5" name="Foliennummernplatzhalter 4"/>
+          <p:cNvSpPr>
+            <a:spLocks noGrp="1"/>
+          </p:cNvSpPr>
+          <p:nvPr>
+            <p:ph type="sldNum" sz="quarter" idx="5"/>
+          </p:nvPr>
+        </p:nvSpPr>
+        <p:spPr/>
+        <p:txBody>
+          <a:bodyPr/>
+          <a:lstStyle/>
+          <a:p>
+            <a:fld id="{B2B24C57-7758-4EF8-8A0E-FE171C8C1817}" type="slidenum">
+              <a:rPr lang="de-CH" smtClean="0"/>
+              <a:t>5</a:t>
             </a:fld>
             <a:endParaRPr lang="de-CH" dirty="0"/>
           </a:p>
@@ -4426,6 +4940,608 @@
     <p:extLst>
       <p:ext uri="{BB962C8B-B14F-4D97-AF65-F5344CB8AC3E}">
         <p14:creationId xmlns:p14="http://schemas.microsoft.com/office/powerpoint/2010/main" val="2125875278"/>
+      </p:ext>
+    </p:extLst>
+  </p:cSld>
+  <p:clrMapOvr>
+    <a:masterClrMapping/>
+  </p:clrMapOvr>
+</p:notes>
+</file>
+
+<file path=ppt/notesSlides/notesSlide5.xml><?xml version="1.0" encoding="utf-8"?>
+<p:notes xmlns:a="http://schemas.openxmlformats.org/drawingml/2006/main" xmlns:r="http://schemas.openxmlformats.org/officeDocument/2006/relationships" xmlns:p="http://schemas.openxmlformats.org/presentationml/2006/main">
+  <p:cSld>
+    <p:spTree>
+      <p:nvGrpSpPr>
+        <p:cNvPr id="1" name=""/>
+        <p:cNvGrpSpPr/>
+        <p:nvPr/>
+      </p:nvGrpSpPr>
+      <p:grpSpPr>
+        <a:xfrm>
+          <a:off x="0" y="0"/>
+          <a:ext cx="0" cy="0"/>
+          <a:chOff x="0" y="0"/>
+          <a:chExt cx="0" cy="0"/>
+        </a:xfrm>
+      </p:grpSpPr>
+      <p:sp>
+        <p:nvSpPr>
+          <p:cNvPr id="2" name="Folienbildplatzhalter 1"/>
+          <p:cNvSpPr>
+            <a:spLocks noGrp="1" noRot="1" noChangeAspect="1"/>
+          </p:cNvSpPr>
+          <p:nvPr>
+            <p:ph type="sldImg"/>
+          </p:nvPr>
+        </p:nvSpPr>
+        <p:spPr/>
+      </p:sp>
+      <p:sp>
+        <p:nvSpPr>
+          <p:cNvPr id="3" name="Notizenplatzhalter 2"/>
+          <p:cNvSpPr>
+            <a:spLocks noGrp="1"/>
+          </p:cNvSpPr>
+          <p:nvPr>
+            <p:ph type="body" idx="1"/>
+          </p:nvPr>
+        </p:nvSpPr>
+        <p:spPr/>
+        <p:txBody>
+          <a:bodyPr/>
+          <a:lstStyle/>
+          <a:p>
+            <a:endParaRPr lang="en-US" dirty="0"/>
+          </a:p>
+        </p:txBody>
+      </p:sp>
+      <p:sp>
+        <p:nvSpPr>
+          <p:cNvPr id="4" name="Fußzeilenplatzhalter 3"/>
+          <p:cNvSpPr>
+            <a:spLocks noGrp="1"/>
+          </p:cNvSpPr>
+          <p:nvPr>
+            <p:ph type="ftr" sz="quarter" idx="4"/>
+          </p:nvPr>
+        </p:nvSpPr>
+        <p:spPr/>
+        <p:txBody>
+          <a:bodyPr/>
+          <a:lstStyle/>
+          <a:p>
+            <a:endParaRPr lang="de-CH" dirty="0"/>
+          </a:p>
+        </p:txBody>
+      </p:sp>
+      <p:sp>
+        <p:nvSpPr>
+          <p:cNvPr id="5" name="Foliennummernplatzhalter 4"/>
+          <p:cNvSpPr>
+            <a:spLocks noGrp="1"/>
+          </p:cNvSpPr>
+          <p:nvPr>
+            <p:ph type="sldNum" sz="quarter" idx="5"/>
+          </p:nvPr>
+        </p:nvSpPr>
+        <p:spPr/>
+        <p:txBody>
+          <a:bodyPr/>
+          <a:lstStyle/>
+          <a:p>
+            <a:fld id="{B2B24C57-7758-4EF8-8A0E-FE171C8C1817}" type="slidenum">
+              <a:rPr lang="de-CH" smtClean="0"/>
+              <a:t>6</a:t>
+            </a:fld>
+            <a:endParaRPr lang="de-CH" dirty="0"/>
+          </a:p>
+        </p:txBody>
+      </p:sp>
+    </p:spTree>
+    <p:extLst>
+      <p:ext uri="{BB962C8B-B14F-4D97-AF65-F5344CB8AC3E}">
+        <p14:creationId xmlns:p14="http://schemas.microsoft.com/office/powerpoint/2010/main" val="2716357668"/>
+      </p:ext>
+    </p:extLst>
+  </p:cSld>
+  <p:clrMapOvr>
+    <a:masterClrMapping/>
+  </p:clrMapOvr>
+</p:notes>
+</file>
+
+<file path=ppt/notesSlides/notesSlide6.xml><?xml version="1.0" encoding="utf-8"?>
+<p:notes xmlns:a="http://schemas.openxmlformats.org/drawingml/2006/main" xmlns:r="http://schemas.openxmlformats.org/officeDocument/2006/relationships" xmlns:p="http://schemas.openxmlformats.org/presentationml/2006/main">
+  <p:cSld>
+    <p:spTree>
+      <p:nvGrpSpPr>
+        <p:cNvPr id="1" name=""/>
+        <p:cNvGrpSpPr/>
+        <p:nvPr/>
+      </p:nvGrpSpPr>
+      <p:grpSpPr>
+        <a:xfrm>
+          <a:off x="0" y="0"/>
+          <a:ext cx="0" cy="0"/>
+          <a:chOff x="0" y="0"/>
+          <a:chExt cx="0" cy="0"/>
+        </a:xfrm>
+      </p:grpSpPr>
+      <p:sp>
+        <p:nvSpPr>
+          <p:cNvPr id="2" name="Folienbildplatzhalter 1"/>
+          <p:cNvSpPr>
+            <a:spLocks noGrp="1" noRot="1" noChangeAspect="1"/>
+          </p:cNvSpPr>
+          <p:nvPr>
+            <p:ph type="sldImg"/>
+          </p:nvPr>
+        </p:nvSpPr>
+        <p:spPr/>
+      </p:sp>
+      <p:sp>
+        <p:nvSpPr>
+          <p:cNvPr id="3" name="Notizenplatzhalter 2"/>
+          <p:cNvSpPr>
+            <a:spLocks noGrp="1"/>
+          </p:cNvSpPr>
+          <p:nvPr>
+            <p:ph type="body" idx="1"/>
+          </p:nvPr>
+        </p:nvSpPr>
+        <p:spPr/>
+        <p:txBody>
+          <a:bodyPr/>
+          <a:lstStyle/>
+          <a:p>
+            <a:pPr marL="0" marR="0" lvl="0" indent="0" algn="l" defTabSz="914400" rtl="0" eaLnBrk="1" fontAlgn="auto" latinLnBrk="0" hangingPunct="1">
+              <a:lnSpc>
+                <a:spcPct val="100000"/>
+              </a:lnSpc>
+              <a:spcBef>
+                <a:spcPts val="0"/>
+              </a:spcBef>
+              <a:spcAft>
+                <a:spcPts val="0"/>
+              </a:spcAft>
+              <a:buClrTx/>
+              <a:buSzTx/>
+              <a:buFontTx/>
+              <a:buNone/>
+              <a:tabLst/>
+              <a:defRPr/>
+            </a:pPr>
+            <a:r>
+              <a:rPr lang="en-US" dirty="0"/>
+              <a:t>Wrong classifications</a:t>
+            </a:r>
+          </a:p>
+          <a:p>
+            <a:pPr marL="0" marR="0" lvl="0" indent="0" algn="l" defTabSz="914400" rtl="0" eaLnBrk="1" fontAlgn="auto" latinLnBrk="0" hangingPunct="1">
+              <a:lnSpc>
+                <a:spcPct val="100000"/>
+              </a:lnSpc>
+              <a:spcBef>
+                <a:spcPts val="0"/>
+              </a:spcBef>
+              <a:spcAft>
+                <a:spcPts val="0"/>
+              </a:spcAft>
+              <a:buClrTx/>
+              <a:buSzTx/>
+              <a:buFontTx/>
+              <a:buNone/>
+              <a:tabLst/>
+              <a:defRPr/>
+            </a:pPr>
+            <a:r>
+              <a:rPr lang="en-US" dirty="0"/>
+              <a:t>Also: concurrent classification between 2 models (</a:t>
+            </a:r>
+            <a:r>
+              <a:rPr lang="en-US" dirty="0" err="1"/>
+              <a:t>eg</a:t>
+            </a:r>
+            <a:r>
+              <a:rPr lang="en-US" dirty="0"/>
+              <a:t> 2 -&gt; cardinal /dosage)</a:t>
+            </a:r>
+          </a:p>
+        </p:txBody>
+      </p:sp>
+      <p:sp>
+        <p:nvSpPr>
+          <p:cNvPr id="4" name="Fußzeilenplatzhalter 3"/>
+          <p:cNvSpPr>
+            <a:spLocks noGrp="1"/>
+          </p:cNvSpPr>
+          <p:nvPr>
+            <p:ph type="ftr" sz="quarter" idx="4"/>
+          </p:nvPr>
+        </p:nvSpPr>
+        <p:spPr/>
+        <p:txBody>
+          <a:bodyPr/>
+          <a:lstStyle/>
+          <a:p>
+            <a:endParaRPr lang="de-CH" dirty="0"/>
+          </a:p>
+        </p:txBody>
+      </p:sp>
+      <p:sp>
+        <p:nvSpPr>
+          <p:cNvPr id="5" name="Foliennummernplatzhalter 4"/>
+          <p:cNvSpPr>
+            <a:spLocks noGrp="1"/>
+          </p:cNvSpPr>
+          <p:nvPr>
+            <p:ph type="sldNum" sz="quarter" idx="5"/>
+          </p:nvPr>
+        </p:nvSpPr>
+        <p:spPr/>
+        <p:txBody>
+          <a:bodyPr/>
+          <a:lstStyle/>
+          <a:p>
+            <a:fld id="{B2B24C57-7758-4EF8-8A0E-FE171C8C1817}" type="slidenum">
+              <a:rPr lang="de-CH" smtClean="0"/>
+              <a:t>8</a:t>
+            </a:fld>
+            <a:endParaRPr lang="de-CH" dirty="0"/>
+          </a:p>
+        </p:txBody>
+      </p:sp>
+    </p:spTree>
+    <p:extLst>
+      <p:ext uri="{BB962C8B-B14F-4D97-AF65-F5344CB8AC3E}">
+        <p14:creationId xmlns:p14="http://schemas.microsoft.com/office/powerpoint/2010/main" val="3190851069"/>
+      </p:ext>
+    </p:extLst>
+  </p:cSld>
+  <p:clrMapOvr>
+    <a:masterClrMapping/>
+  </p:clrMapOvr>
+</p:notes>
+</file>
+
+<file path=ppt/notesSlides/notesSlide7.xml><?xml version="1.0" encoding="utf-8"?>
+<p:notes xmlns:a="http://schemas.openxmlformats.org/drawingml/2006/main" xmlns:r="http://schemas.openxmlformats.org/officeDocument/2006/relationships" xmlns:p="http://schemas.openxmlformats.org/presentationml/2006/main">
+  <p:cSld>
+    <p:spTree>
+      <p:nvGrpSpPr>
+        <p:cNvPr id="1" name=""/>
+        <p:cNvGrpSpPr/>
+        <p:nvPr/>
+      </p:nvGrpSpPr>
+      <p:grpSpPr>
+        <a:xfrm>
+          <a:off x="0" y="0"/>
+          <a:ext cx="0" cy="0"/>
+          <a:chOff x="0" y="0"/>
+          <a:chExt cx="0" cy="0"/>
+        </a:xfrm>
+      </p:grpSpPr>
+      <p:sp>
+        <p:nvSpPr>
+          <p:cNvPr id="2" name="Folienbildplatzhalter 1"/>
+          <p:cNvSpPr>
+            <a:spLocks noGrp="1" noRot="1" noChangeAspect="1"/>
+          </p:cNvSpPr>
+          <p:nvPr>
+            <p:ph type="sldImg"/>
+          </p:nvPr>
+        </p:nvSpPr>
+        <p:spPr/>
+      </p:sp>
+      <p:sp>
+        <p:nvSpPr>
+          <p:cNvPr id="3" name="Notizenplatzhalter 2"/>
+          <p:cNvSpPr>
+            <a:spLocks noGrp="1"/>
+          </p:cNvSpPr>
+          <p:nvPr>
+            <p:ph type="body" idx="1"/>
+          </p:nvPr>
+        </p:nvSpPr>
+        <p:spPr/>
+        <p:txBody>
+          <a:bodyPr/>
+          <a:lstStyle/>
+          <a:p>
+            <a:endParaRPr lang="en-US" dirty="0"/>
+          </a:p>
+        </p:txBody>
+      </p:sp>
+      <p:sp>
+        <p:nvSpPr>
+          <p:cNvPr id="4" name="Fußzeilenplatzhalter 3"/>
+          <p:cNvSpPr>
+            <a:spLocks noGrp="1"/>
+          </p:cNvSpPr>
+          <p:nvPr>
+            <p:ph type="ftr" sz="quarter" idx="4"/>
+          </p:nvPr>
+        </p:nvSpPr>
+        <p:spPr/>
+        <p:txBody>
+          <a:bodyPr/>
+          <a:lstStyle/>
+          <a:p>
+            <a:endParaRPr lang="de-CH" dirty="0"/>
+          </a:p>
+        </p:txBody>
+      </p:sp>
+      <p:sp>
+        <p:nvSpPr>
+          <p:cNvPr id="5" name="Foliennummernplatzhalter 4"/>
+          <p:cNvSpPr>
+            <a:spLocks noGrp="1"/>
+          </p:cNvSpPr>
+          <p:nvPr>
+            <p:ph type="sldNum" sz="quarter" idx="5"/>
+          </p:nvPr>
+        </p:nvSpPr>
+        <p:spPr/>
+        <p:txBody>
+          <a:bodyPr/>
+          <a:lstStyle/>
+          <a:p>
+            <a:fld id="{B2B24C57-7758-4EF8-8A0E-FE171C8C1817}" type="slidenum">
+              <a:rPr lang="de-CH" smtClean="0"/>
+              <a:t>9</a:t>
+            </a:fld>
+            <a:endParaRPr lang="de-CH" dirty="0"/>
+          </a:p>
+        </p:txBody>
+      </p:sp>
+    </p:spTree>
+    <p:extLst>
+      <p:ext uri="{BB962C8B-B14F-4D97-AF65-F5344CB8AC3E}">
+        <p14:creationId xmlns:p14="http://schemas.microsoft.com/office/powerpoint/2010/main" val="2444938660"/>
+      </p:ext>
+    </p:extLst>
+  </p:cSld>
+  <p:clrMapOvr>
+    <a:masterClrMapping/>
+  </p:clrMapOvr>
+</p:notes>
+</file>
+
+<file path=ppt/notesSlides/notesSlide8.xml><?xml version="1.0" encoding="utf-8"?>
+<p:notes xmlns:a="http://schemas.openxmlformats.org/drawingml/2006/main" xmlns:r="http://schemas.openxmlformats.org/officeDocument/2006/relationships" xmlns:p="http://schemas.openxmlformats.org/presentationml/2006/main">
+  <p:cSld>
+    <p:spTree>
+      <p:nvGrpSpPr>
+        <p:cNvPr id="1" name=""/>
+        <p:cNvGrpSpPr/>
+        <p:nvPr/>
+      </p:nvGrpSpPr>
+      <p:grpSpPr>
+        <a:xfrm>
+          <a:off x="0" y="0"/>
+          <a:ext cx="0" cy="0"/>
+          <a:chOff x="0" y="0"/>
+          <a:chExt cx="0" cy="0"/>
+        </a:xfrm>
+      </p:grpSpPr>
+      <p:sp>
+        <p:nvSpPr>
+          <p:cNvPr id="2" name="Folienbildplatzhalter 1"/>
+          <p:cNvSpPr>
+            <a:spLocks noGrp="1" noRot="1" noChangeAspect="1"/>
+          </p:cNvSpPr>
+          <p:nvPr>
+            <p:ph type="sldImg"/>
+          </p:nvPr>
+        </p:nvSpPr>
+        <p:spPr/>
+      </p:sp>
+      <p:sp>
+        <p:nvSpPr>
+          <p:cNvPr id="3" name="Notizenplatzhalter 2"/>
+          <p:cNvSpPr>
+            <a:spLocks noGrp="1"/>
+          </p:cNvSpPr>
+          <p:nvPr>
+            <p:ph type="body" idx="1"/>
+          </p:nvPr>
+        </p:nvSpPr>
+        <p:spPr/>
+        <p:txBody>
+          <a:bodyPr/>
+          <a:lstStyle/>
+          <a:p>
+            <a:r>
+              <a:rPr lang="de-CH" dirty="0"/>
+              <a:t>Skip </a:t>
+            </a:r>
+            <a:r>
+              <a:rPr lang="de-CH" dirty="0" err="1"/>
+              <a:t>if</a:t>
+            </a:r>
+            <a:r>
+              <a:rPr lang="de-CH" dirty="0"/>
+              <a:t> </a:t>
+            </a:r>
+            <a:r>
+              <a:rPr lang="de-CH" dirty="0" err="1"/>
+              <a:t>overtime</a:t>
+            </a:r>
+            <a:endParaRPr lang="de-CH" dirty="0"/>
+          </a:p>
+          <a:p>
+            <a:r>
+              <a:rPr lang="en-US" b="0" dirty="0">
+                <a:solidFill>
+                  <a:srgbClr val="CCCCCC"/>
+                </a:solidFill>
+                <a:effectLst/>
+                <a:latin typeface="Consolas" panose="020B0609020204030204" pitchFamily="49" charset="0"/>
+              </a:rPr>
+              <a:t>improve the understanding of texts </a:t>
+            </a:r>
+          </a:p>
+          <a:p>
+            <a:r>
+              <a:rPr lang="en-US" b="0" dirty="0">
+                <a:solidFill>
+                  <a:srgbClr val="CCCCCC"/>
+                </a:solidFill>
+                <a:effectLst/>
+                <a:latin typeface="Consolas" panose="020B0609020204030204" pitchFamily="49" charset="0"/>
+              </a:rPr>
+              <a:t>enable more advanced processing of text. </a:t>
+            </a:r>
+          </a:p>
+          <a:p>
+            <a:br>
+              <a:rPr lang="en-US" b="0" dirty="0">
+                <a:solidFill>
+                  <a:srgbClr val="CCCCCC"/>
+                </a:solidFill>
+                <a:effectLst/>
+                <a:latin typeface="Consolas" panose="020B0609020204030204" pitchFamily="49" charset="0"/>
+              </a:rPr>
+            </a:br>
+            <a:r>
+              <a:rPr lang="en-US" b="0" dirty="0">
+                <a:solidFill>
+                  <a:srgbClr val="CCCCCC"/>
+                </a:solidFill>
+                <a:effectLst/>
+                <a:latin typeface="Consolas" panose="020B0609020204030204" pitchFamily="49" charset="0"/>
+              </a:rPr>
+              <a:t>1. **Information Extraction**: NER can identify and classify entities, such as people, organizations, locations, dates, and more. This information is crucial for extracting structured data from unstructured text (legal documents, forms, news).</a:t>
+            </a:r>
+          </a:p>
+          <a:p>
+            <a:br>
+              <a:rPr lang="en-US" b="0" dirty="0">
+                <a:solidFill>
+                  <a:srgbClr val="CCCCCC"/>
+                </a:solidFill>
+                <a:effectLst/>
+                <a:latin typeface="Consolas" panose="020B0609020204030204" pitchFamily="49" charset="0"/>
+              </a:rPr>
+            </a:br>
+            <a:r>
+              <a:rPr lang="en-US" b="0" dirty="0">
+                <a:solidFill>
+                  <a:srgbClr val="CCCCCC"/>
+                </a:solidFill>
+                <a:effectLst/>
+                <a:latin typeface="Consolas" panose="020B0609020204030204" pitchFamily="49" charset="0"/>
+              </a:rPr>
+              <a:t>2. **Sentiment Analysis**: identifying that a positive sentiment is expressed towards a particular brand or product in customer reviews can be valuable for businesses.</a:t>
+            </a:r>
+          </a:p>
+          <a:p>
+            <a:br>
+              <a:rPr lang="en-US" b="0" dirty="0">
+                <a:solidFill>
+                  <a:srgbClr val="CCCCCC"/>
+                </a:solidFill>
+                <a:effectLst/>
+                <a:latin typeface="Consolas" panose="020B0609020204030204" pitchFamily="49" charset="0"/>
+              </a:rPr>
+            </a:br>
+            <a:r>
+              <a:rPr lang="en-US" b="0" dirty="0">
+                <a:solidFill>
+                  <a:srgbClr val="CCCCCC"/>
+                </a:solidFill>
+                <a:effectLst/>
+                <a:latin typeface="Consolas" panose="020B0609020204030204" pitchFamily="49" charset="0"/>
+              </a:rPr>
+              <a:t>3. **Question Answering**: NER can assist in locating entities within a text that are relevant to user queries.</a:t>
+            </a:r>
+          </a:p>
+          <a:p>
+            <a:br>
+              <a:rPr lang="en-US" b="0" dirty="0">
+                <a:solidFill>
+                  <a:srgbClr val="CCCCCC"/>
+                </a:solidFill>
+                <a:effectLst/>
+                <a:latin typeface="Consolas" panose="020B0609020204030204" pitchFamily="49" charset="0"/>
+              </a:rPr>
+            </a:br>
+            <a:r>
+              <a:rPr lang="en-US" b="0" dirty="0">
+                <a:solidFill>
+                  <a:srgbClr val="CCCCCC"/>
+                </a:solidFill>
+                <a:effectLst/>
+                <a:latin typeface="Consolas" panose="020B0609020204030204" pitchFamily="49" charset="0"/>
+              </a:rPr>
+              <a:t>4. **Machine Translation**: NER can help identify and preserve the entities during the translation process, ensuring that names, places, and other important entities remain consistent across languages.</a:t>
+            </a:r>
+          </a:p>
+          <a:p>
+            <a:r>
+              <a:rPr lang="en-US" b="0" dirty="0">
+                <a:solidFill>
+                  <a:srgbClr val="CCCCCC"/>
+                </a:solidFill>
+                <a:effectLst/>
+                <a:latin typeface="Consolas" panose="020B0609020204030204" pitchFamily="49" charset="0"/>
+              </a:rPr>
+              <a:t> NER can help identify sensitive information, such as personal names, addresses, or credit card numbers, and facilitate data protection measures.</a:t>
+            </a:r>
+          </a:p>
+          <a:p>
+            <a:endParaRPr lang="en-US" dirty="0"/>
+          </a:p>
+        </p:txBody>
+      </p:sp>
+      <p:sp>
+        <p:nvSpPr>
+          <p:cNvPr id="4" name="Fußzeilenplatzhalter 3"/>
+          <p:cNvSpPr>
+            <a:spLocks noGrp="1"/>
+          </p:cNvSpPr>
+          <p:nvPr>
+            <p:ph type="ftr" sz="quarter" idx="4"/>
+          </p:nvPr>
+        </p:nvSpPr>
+        <p:spPr/>
+        <p:txBody>
+          <a:bodyPr/>
+          <a:lstStyle/>
+          <a:p>
+            <a:endParaRPr lang="de-CH" dirty="0"/>
+          </a:p>
+        </p:txBody>
+      </p:sp>
+      <p:sp>
+        <p:nvSpPr>
+          <p:cNvPr id="5" name="Foliennummernplatzhalter 4"/>
+          <p:cNvSpPr>
+            <a:spLocks noGrp="1"/>
+          </p:cNvSpPr>
+          <p:nvPr>
+            <p:ph type="sldNum" sz="quarter" idx="5"/>
+          </p:nvPr>
+        </p:nvSpPr>
+        <p:spPr/>
+        <p:txBody>
+          <a:bodyPr/>
+          <a:lstStyle/>
+          <a:p>
+            <a:fld id="{B2B24C57-7758-4EF8-8A0E-FE171C8C1817}" type="slidenum">
+              <a:rPr lang="de-CH" smtClean="0"/>
+              <a:t>10</a:t>
+            </a:fld>
+            <a:endParaRPr lang="de-CH" dirty="0"/>
+          </a:p>
+        </p:txBody>
+      </p:sp>
+    </p:spTree>
+    <p:extLst>
+      <p:ext uri="{BB962C8B-B14F-4D97-AF65-F5344CB8AC3E}">
+        <p14:creationId xmlns:p14="http://schemas.microsoft.com/office/powerpoint/2010/main" val="1757469066"/>
       </p:ext>
     </p:extLst>
   </p:cSld>
@@ -19499,411 +20615,7 @@
 </p:sld>
 </file>
 
-<file path=ppt/slides/slide2.xml><?xml version="1.0" encoding="utf-8"?>
-<p:sld xmlns:a="http://schemas.openxmlformats.org/drawingml/2006/main" xmlns:r="http://schemas.openxmlformats.org/officeDocument/2006/relationships" xmlns:p="http://schemas.openxmlformats.org/presentationml/2006/main">
-  <p:cSld>
-    <p:spTree>
-      <p:nvGrpSpPr>
-        <p:cNvPr id="1" name=""/>
-        <p:cNvGrpSpPr/>
-        <p:nvPr/>
-      </p:nvGrpSpPr>
-      <p:grpSpPr>
-        <a:xfrm>
-          <a:off x="0" y="0"/>
-          <a:ext cx="0" cy="0"/>
-          <a:chOff x="0" y="0"/>
-          <a:chExt cx="0" cy="0"/>
-        </a:xfrm>
-      </p:grpSpPr>
-      <p:sp>
-        <p:nvSpPr>
-          <p:cNvPr id="2" name="Inhaltsplatzhalter 1">
-            <a:extLst>
-              <a:ext uri="{FF2B5EF4-FFF2-40B4-BE49-F238E27FC236}">
-                <a16:creationId xmlns:a16="http://schemas.microsoft.com/office/drawing/2014/main" id="{347559E5-88A9-7114-3CF2-22840C9512E3}"/>
-              </a:ext>
-            </a:extLst>
-          </p:cNvPr>
-          <p:cNvSpPr>
-            <a:spLocks noGrp="1"/>
-          </p:cNvSpPr>
-          <p:nvPr>
-            <p:ph sz="half" idx="1"/>
-          </p:nvPr>
-        </p:nvSpPr>
-        <p:spPr/>
-        <p:txBody>
-          <a:bodyPr/>
-          <a:lstStyle/>
-          <a:p>
-            <a:endParaRPr lang="en-GB"/>
-          </a:p>
-        </p:txBody>
-      </p:sp>
-      <p:sp>
-        <p:nvSpPr>
-          <p:cNvPr id="3" name="Textplatzhalter 2">
-            <a:extLst>
-              <a:ext uri="{FF2B5EF4-FFF2-40B4-BE49-F238E27FC236}">
-                <a16:creationId xmlns:a16="http://schemas.microsoft.com/office/drawing/2014/main" id="{0F31BD77-9129-AFD5-427C-860E0BF92F00}"/>
-              </a:ext>
-            </a:extLst>
-          </p:cNvPr>
-          <p:cNvSpPr>
-            <a:spLocks noGrp="1"/>
-          </p:cNvSpPr>
-          <p:nvPr>
-            <p:ph type="body" idx="11"/>
-          </p:nvPr>
-        </p:nvSpPr>
-        <p:spPr/>
-        <p:txBody>
-          <a:bodyPr/>
-          <a:lstStyle/>
-          <a:p>
-            <a:endParaRPr lang="en-GB"/>
-          </a:p>
-        </p:txBody>
-      </p:sp>
-      <p:sp>
-        <p:nvSpPr>
-          <p:cNvPr id="4" name="Titel 3">
-            <a:extLst>
-              <a:ext uri="{FF2B5EF4-FFF2-40B4-BE49-F238E27FC236}">
-                <a16:creationId xmlns:a16="http://schemas.microsoft.com/office/drawing/2014/main" id="{695F92CF-A460-955B-BE6A-033972C8D7EF}"/>
-              </a:ext>
-            </a:extLst>
-          </p:cNvPr>
-          <p:cNvSpPr>
-            <a:spLocks noGrp="1"/>
-          </p:cNvSpPr>
-          <p:nvPr>
-            <p:ph type="title"/>
-          </p:nvPr>
-        </p:nvSpPr>
-        <p:spPr/>
-        <p:txBody>
-          <a:bodyPr/>
-          <a:lstStyle/>
-          <a:p>
-            <a:r>
-              <a:rPr lang="en-US" dirty="0"/>
-              <a:t>Task 1: Data Exploration and Processing</a:t>
-            </a:r>
-          </a:p>
-        </p:txBody>
-      </p:sp>
-    </p:spTree>
-    <p:extLst>
-      <p:ext uri="{BB962C8B-B14F-4D97-AF65-F5344CB8AC3E}">
-        <p14:creationId xmlns:p14="http://schemas.microsoft.com/office/powerpoint/2010/main" val="4252364833"/>
-      </p:ext>
-    </p:extLst>
-  </p:cSld>
-  <p:clrMapOvr>
-    <a:masterClrMapping/>
-  </p:clrMapOvr>
-</p:sld>
-</file>
-
-<file path=ppt/slides/slide3.xml><?xml version="1.0" encoding="utf-8"?>
-<p:sld xmlns:a="http://schemas.openxmlformats.org/drawingml/2006/main" xmlns:r="http://schemas.openxmlformats.org/officeDocument/2006/relationships" xmlns:p="http://schemas.openxmlformats.org/presentationml/2006/main">
-  <p:cSld>
-    <p:spTree>
-      <p:nvGrpSpPr>
-        <p:cNvPr id="1" name=""/>
-        <p:cNvGrpSpPr/>
-        <p:nvPr/>
-      </p:nvGrpSpPr>
-      <p:grpSpPr>
-        <a:xfrm>
-          <a:off x="0" y="0"/>
-          <a:ext cx="0" cy="0"/>
-          <a:chOff x="0" y="0"/>
-          <a:chExt cx="0" cy="0"/>
-        </a:xfrm>
-      </p:grpSpPr>
-      <p:sp>
-        <p:nvSpPr>
-          <p:cNvPr id="3" name="Textplatzhalter 2">
-            <a:extLst>
-              <a:ext uri="{FF2B5EF4-FFF2-40B4-BE49-F238E27FC236}">
-                <a16:creationId xmlns:a16="http://schemas.microsoft.com/office/drawing/2014/main" id="{5A5FD406-7D3F-E861-7EFE-AACE8D68986F}"/>
-              </a:ext>
-            </a:extLst>
-          </p:cNvPr>
-          <p:cNvSpPr>
-            <a:spLocks noGrp="1"/>
-          </p:cNvSpPr>
-          <p:nvPr>
-            <p:ph type="body" sz="quarter" idx="12"/>
-          </p:nvPr>
-        </p:nvSpPr>
-        <p:spPr>
-          <a:xfrm>
-            <a:off x="540000" y="2190750"/>
-            <a:ext cx="6192240" cy="2610000"/>
-          </a:xfrm>
-        </p:spPr>
-        <p:txBody>
-          <a:bodyPr/>
-          <a:lstStyle/>
-          <a:p>
-            <a:pPr marL="342900" indent="-342900">
-              <a:buFont typeface="Arial" panose="020B0604020202020204" pitchFamily="34" charset="0"/>
-              <a:buChar char="•"/>
-            </a:pPr>
-            <a:r>
-              <a:rPr lang="en-US" dirty="0"/>
-              <a:t>Results</a:t>
-            </a:r>
-          </a:p>
-          <a:p>
-            <a:pPr marL="342900" indent="-342900">
-              <a:buFont typeface="Arial" panose="020B0604020202020204" pitchFamily="34" charset="0"/>
-              <a:buChar char="•"/>
-            </a:pPr>
-            <a:endParaRPr lang="en-US" dirty="0"/>
-          </a:p>
-          <a:p>
-            <a:pPr marL="342900" indent="-342900">
-              <a:buFont typeface="Arial" panose="020B0604020202020204" pitchFamily="34" charset="0"/>
-              <a:buChar char="•"/>
-            </a:pPr>
-            <a:endParaRPr lang="en-US" dirty="0"/>
-          </a:p>
-          <a:p>
-            <a:pPr marL="342900" indent="-342900">
-              <a:buFont typeface="Arial" panose="020B0604020202020204" pitchFamily="34" charset="0"/>
-              <a:buChar char="•"/>
-            </a:pPr>
-            <a:endParaRPr lang="en-US" dirty="0"/>
-          </a:p>
-          <a:p>
-            <a:pPr marL="342900" indent="-342900">
-              <a:buFont typeface="Arial" panose="020B0604020202020204" pitchFamily="34" charset="0"/>
-              <a:buChar char="•"/>
-            </a:pPr>
-            <a:endParaRPr lang="en-US" dirty="0"/>
-          </a:p>
-        </p:txBody>
-      </p:sp>
-      <p:sp>
-        <p:nvSpPr>
-          <p:cNvPr id="4" name="Textplatzhalter 3">
-            <a:extLst>
-              <a:ext uri="{FF2B5EF4-FFF2-40B4-BE49-F238E27FC236}">
-                <a16:creationId xmlns:a16="http://schemas.microsoft.com/office/drawing/2014/main" id="{4C317A2C-B579-4B3C-4F12-768999CBF274}"/>
-              </a:ext>
-            </a:extLst>
-          </p:cNvPr>
-          <p:cNvSpPr>
-            <a:spLocks noGrp="1"/>
-          </p:cNvSpPr>
-          <p:nvPr>
-            <p:ph type="body" sz="quarter" idx="14"/>
-          </p:nvPr>
-        </p:nvSpPr>
-        <p:spPr/>
-        <p:txBody>
-          <a:bodyPr/>
-          <a:lstStyle/>
-          <a:p>
-            <a:pPr marL="342900" indent="-342900">
-              <a:buFont typeface="Arial" panose="020B0604020202020204" pitchFamily="34" charset="0"/>
-              <a:buChar char="•"/>
-            </a:pPr>
-            <a:endParaRPr lang="de-CH" dirty="0"/>
-          </a:p>
-          <a:p>
-            <a:pPr marL="342900" indent="-342900">
-              <a:buFont typeface="Arial" panose="020B0604020202020204" pitchFamily="34" charset="0"/>
-              <a:buChar char="•"/>
-            </a:pPr>
-            <a:endParaRPr lang="de-CH" dirty="0"/>
-          </a:p>
-        </p:txBody>
-      </p:sp>
-      <p:sp>
-        <p:nvSpPr>
-          <p:cNvPr id="5" name="Textplatzhalter 4">
-            <a:extLst>
-              <a:ext uri="{FF2B5EF4-FFF2-40B4-BE49-F238E27FC236}">
-                <a16:creationId xmlns:a16="http://schemas.microsoft.com/office/drawing/2014/main" id="{69996356-855D-BEA7-9042-E31DBB1F84C4}"/>
-              </a:ext>
-            </a:extLst>
-          </p:cNvPr>
-          <p:cNvSpPr>
-            <a:spLocks noGrp="1"/>
-          </p:cNvSpPr>
-          <p:nvPr>
-            <p:ph type="body" sz="quarter" idx="20"/>
-          </p:nvPr>
-        </p:nvSpPr>
-        <p:spPr/>
-        <p:txBody>
-          <a:bodyPr/>
-          <a:lstStyle/>
-          <a:p>
-            <a:r>
-              <a:rPr lang="en-GB" dirty="0"/>
-              <a:t>Task 1</a:t>
-            </a:r>
-            <a:endParaRPr lang="de-CH" dirty="0"/>
-          </a:p>
-        </p:txBody>
-      </p:sp>
-      <p:sp>
-        <p:nvSpPr>
-          <p:cNvPr id="6" name="Titel 5">
-            <a:extLst>
-              <a:ext uri="{FF2B5EF4-FFF2-40B4-BE49-F238E27FC236}">
-                <a16:creationId xmlns:a16="http://schemas.microsoft.com/office/drawing/2014/main" id="{78FFCA5B-4105-6527-22ED-1C63D41F0290}"/>
-              </a:ext>
-            </a:extLst>
-          </p:cNvPr>
-          <p:cNvSpPr>
-            <a:spLocks noGrp="1"/>
-          </p:cNvSpPr>
-          <p:nvPr>
-            <p:ph type="title"/>
-          </p:nvPr>
-        </p:nvSpPr>
-        <p:spPr/>
-        <p:txBody>
-          <a:bodyPr/>
-          <a:lstStyle/>
-          <a:p>
-            <a:r>
-              <a:rPr lang="de-CH" dirty="0"/>
-              <a:t>Task 1</a:t>
-            </a:r>
-          </a:p>
-        </p:txBody>
-      </p:sp>
-    </p:spTree>
-    <p:extLst>
-      <p:ext uri="{BB962C8B-B14F-4D97-AF65-F5344CB8AC3E}">
-        <p14:creationId xmlns:p14="http://schemas.microsoft.com/office/powerpoint/2010/main" val="1969766"/>
-      </p:ext>
-    </p:extLst>
-  </p:cSld>
-  <p:clrMapOvr>
-    <a:masterClrMapping/>
-  </p:clrMapOvr>
-</p:sld>
-</file>
-
-<file path=ppt/slides/slide4.xml><?xml version="1.0" encoding="utf-8"?>
-<p:sld xmlns:a="http://schemas.openxmlformats.org/drawingml/2006/main" xmlns:r="http://schemas.openxmlformats.org/officeDocument/2006/relationships" xmlns:p="http://schemas.openxmlformats.org/presentationml/2006/main">
-  <p:cSld>
-    <p:spTree>
-      <p:nvGrpSpPr>
-        <p:cNvPr id="1" name=""/>
-        <p:cNvGrpSpPr/>
-        <p:nvPr/>
-      </p:nvGrpSpPr>
-      <p:grpSpPr>
-        <a:xfrm>
-          <a:off x="0" y="0"/>
-          <a:ext cx="0" cy="0"/>
-          <a:chOff x="0" y="0"/>
-          <a:chExt cx="0" cy="0"/>
-        </a:xfrm>
-      </p:grpSpPr>
-      <p:sp>
-        <p:nvSpPr>
-          <p:cNvPr id="2" name="Inhaltsplatzhalter 1">
-            <a:extLst>
-              <a:ext uri="{FF2B5EF4-FFF2-40B4-BE49-F238E27FC236}">
-                <a16:creationId xmlns:a16="http://schemas.microsoft.com/office/drawing/2014/main" id="{347559E5-88A9-7114-3CF2-22840C9512E3}"/>
-              </a:ext>
-            </a:extLst>
-          </p:cNvPr>
-          <p:cNvSpPr>
-            <a:spLocks noGrp="1"/>
-          </p:cNvSpPr>
-          <p:nvPr>
-            <p:ph sz="half" idx="1"/>
-          </p:nvPr>
-        </p:nvSpPr>
-        <p:spPr/>
-        <p:txBody>
-          <a:bodyPr/>
-          <a:lstStyle/>
-          <a:p>
-            <a:endParaRPr lang="en-GB"/>
-          </a:p>
-        </p:txBody>
-      </p:sp>
-      <p:sp>
-        <p:nvSpPr>
-          <p:cNvPr id="3" name="Textplatzhalter 2">
-            <a:extLst>
-              <a:ext uri="{FF2B5EF4-FFF2-40B4-BE49-F238E27FC236}">
-                <a16:creationId xmlns:a16="http://schemas.microsoft.com/office/drawing/2014/main" id="{0F31BD77-9129-AFD5-427C-860E0BF92F00}"/>
-              </a:ext>
-            </a:extLst>
-          </p:cNvPr>
-          <p:cNvSpPr>
-            <a:spLocks noGrp="1"/>
-          </p:cNvSpPr>
-          <p:nvPr>
-            <p:ph type="body" idx="11"/>
-          </p:nvPr>
-        </p:nvSpPr>
-        <p:spPr/>
-        <p:txBody>
-          <a:bodyPr/>
-          <a:lstStyle/>
-          <a:p>
-            <a:endParaRPr lang="en-GB"/>
-          </a:p>
-        </p:txBody>
-      </p:sp>
-      <p:sp>
-        <p:nvSpPr>
-          <p:cNvPr id="4" name="Titel 3">
-            <a:extLst>
-              <a:ext uri="{FF2B5EF4-FFF2-40B4-BE49-F238E27FC236}">
-                <a16:creationId xmlns:a16="http://schemas.microsoft.com/office/drawing/2014/main" id="{695F92CF-A460-955B-BE6A-033972C8D7EF}"/>
-              </a:ext>
-            </a:extLst>
-          </p:cNvPr>
-          <p:cNvSpPr>
-            <a:spLocks noGrp="1"/>
-          </p:cNvSpPr>
-          <p:nvPr>
-            <p:ph type="title"/>
-          </p:nvPr>
-        </p:nvSpPr>
-        <p:spPr/>
-        <p:txBody>
-          <a:bodyPr/>
-          <a:lstStyle/>
-          <a:p>
-            <a:r>
-              <a:rPr lang="en-US" dirty="0"/>
-              <a:t>Task 2: NER</a:t>
-            </a:r>
-          </a:p>
-        </p:txBody>
-      </p:sp>
-    </p:spTree>
-    <p:extLst>
-      <p:ext uri="{BB962C8B-B14F-4D97-AF65-F5344CB8AC3E}">
-        <p14:creationId xmlns:p14="http://schemas.microsoft.com/office/powerpoint/2010/main" val="3710458073"/>
-      </p:ext>
-    </p:extLst>
-  </p:cSld>
-  <p:clrMapOvr>
-    <a:masterClrMapping/>
-  </p:clrMapOvr>
-</p:sld>
-</file>
-
-<file path=ppt/slides/slide5.xml><?xml version="1.0" encoding="utf-8"?>
+<file path=ppt/slides/slide10.xml><?xml version="1.0" encoding="utf-8"?>
 <p:sld xmlns:a="http://schemas.openxmlformats.org/drawingml/2006/main" xmlns:r="http://schemas.openxmlformats.org/officeDocument/2006/relationships" xmlns:p="http://schemas.openxmlformats.org/presentationml/2006/main">
   <p:cSld>
     <p:spTree>
@@ -19943,7 +20655,7 @@
           </a:xfrm>
         </p:spPr>
         <p:txBody>
-          <a:bodyPr numCol="2"/>
+          <a:bodyPr numCol="1"/>
           <a:lstStyle/>
           <a:p>
             <a:pPr marL="342900" indent="-342900">
@@ -19951,8 +20663,8 @@
               <a:buChar char="•"/>
             </a:pPr>
             <a:r>
-              <a:rPr lang="en-US" dirty="0"/>
-              <a:t>Healthcare profession</a:t>
+              <a:rPr lang="en-GB" dirty="0"/>
+              <a:t>Information Extraction </a:t>
             </a:r>
           </a:p>
           <a:p>
@@ -19961,8 +20673,8 @@
               <a:buChar char="•"/>
             </a:pPr>
             <a:r>
-              <a:rPr lang="en-US" dirty="0"/>
-              <a:t>Administrative event </a:t>
+              <a:rPr lang="en-GB" dirty="0"/>
+              <a:t>Sentiment Analysis </a:t>
             </a:r>
           </a:p>
           <a:p>
@@ -19971,8 +20683,8 @@
               <a:buChar char="•"/>
             </a:pPr>
             <a:r>
-              <a:rPr lang="en-US" dirty="0"/>
-              <a:t>Care environment</a:t>
+              <a:rPr lang="en-GB" dirty="0"/>
+              <a:t>Question Answering</a:t>
             </a:r>
           </a:p>
           <a:p>
@@ -19981,204 +20693,10 @@
               <a:buChar char="•"/>
             </a:pPr>
             <a:r>
-              <a:rPr lang="en-US" dirty="0"/>
-              <a:t>Demographic</a:t>
-            </a:r>
-          </a:p>
-          <a:p>
-            <a:pPr marL="342900" indent="-342900">
-              <a:buFont typeface="Arial" panose="020B0604020202020204" pitchFamily="34" charset="0"/>
-              <a:buChar char="•"/>
-            </a:pPr>
-            <a:r>
-              <a:rPr lang="en-US" dirty="0"/>
-              <a:t>Anatomy</a:t>
-            </a:r>
-          </a:p>
-          <a:p>
-            <a:pPr marL="342900" indent="-342900">
-              <a:buFont typeface="Arial" panose="020B0604020202020204" pitchFamily="34" charset="0"/>
-              <a:buChar char="•"/>
-            </a:pPr>
-            <a:r>
-              <a:rPr lang="en-US" dirty="0"/>
-              <a:t>Diseases</a:t>
-            </a:r>
-          </a:p>
-          <a:p>
-            <a:pPr marL="342900" indent="-342900">
-              <a:buFont typeface="Arial" panose="020B0604020202020204" pitchFamily="34" charset="0"/>
-              <a:buChar char="•"/>
-            </a:pPr>
-            <a:r>
-              <a:rPr lang="en-US" dirty="0"/>
-              <a:t>Symptom</a:t>
-            </a:r>
-          </a:p>
-          <a:p>
-            <a:pPr marL="342900" indent="-342900">
-              <a:buFont typeface="Arial" panose="020B0604020202020204" pitchFamily="34" charset="0"/>
-              <a:buChar char="•"/>
-            </a:pPr>
-            <a:r>
-              <a:rPr lang="en-US" dirty="0"/>
-              <a:t>Examination</a:t>
-            </a:r>
-          </a:p>
-          <a:p>
-            <a:pPr marL="342900" indent="-342900">
-              <a:buFont typeface="Arial" panose="020B0604020202020204" pitchFamily="34" charset="0"/>
-              <a:buChar char="•"/>
-            </a:pPr>
+              <a:rPr lang="en-GB" dirty="0"/>
+              <a:t>Machine Translation </a:t>
+            </a:r>
             <a:endParaRPr lang="en-US" dirty="0"/>
-          </a:p>
-          <a:p>
-            <a:pPr marL="342900" indent="-342900">
-              <a:buFont typeface="Arial" panose="020B0604020202020204" pitchFamily="34" charset="0"/>
-              <a:buChar char="•"/>
-            </a:pPr>
-            <a:endParaRPr lang="en-US" dirty="0"/>
-          </a:p>
-          <a:p>
-            <a:pPr marL="342900" indent="-342900">
-              <a:buFont typeface="Arial" panose="020B0604020202020204" pitchFamily="34" charset="0"/>
-              <a:buChar char="•"/>
-            </a:pPr>
-            <a:endParaRPr lang="en-US" dirty="0"/>
-          </a:p>
-          <a:p>
-            <a:pPr marL="342900" indent="-342900">
-              <a:buFont typeface="Arial" panose="020B0604020202020204" pitchFamily="34" charset="0"/>
-              <a:buChar char="•"/>
-            </a:pPr>
-            <a:r>
-              <a:rPr lang="en-US" dirty="0"/>
-              <a:t>Measurement unit</a:t>
-            </a:r>
-          </a:p>
-          <a:p>
-            <a:pPr marL="342900" indent="-342900">
-              <a:buFont typeface="Arial" panose="020B0604020202020204" pitchFamily="34" charset="0"/>
-              <a:buChar char="•"/>
-            </a:pPr>
-            <a:r>
-              <a:rPr lang="en-US" dirty="0"/>
-              <a:t>Measurement value</a:t>
-            </a:r>
-          </a:p>
-          <a:p>
-            <a:pPr marL="342900" indent="-342900">
-              <a:buFont typeface="Arial" panose="020B0604020202020204" pitchFamily="34" charset="0"/>
-              <a:buChar char="•"/>
-            </a:pPr>
-            <a:r>
-              <a:rPr lang="en-US" dirty="0"/>
-              <a:t>Treatment</a:t>
-            </a:r>
-          </a:p>
-          <a:p>
-            <a:pPr marL="342900" indent="-342900">
-              <a:buFont typeface="Arial" panose="020B0604020202020204" pitchFamily="34" charset="0"/>
-              <a:buChar char="•"/>
-            </a:pPr>
-            <a:r>
-              <a:rPr lang="en-US" dirty="0"/>
-              <a:t>Medication</a:t>
-            </a:r>
-          </a:p>
-          <a:p>
-            <a:pPr marL="342900" indent="-342900">
-              <a:buFont typeface="Arial" panose="020B0604020202020204" pitchFamily="34" charset="0"/>
-              <a:buChar char="•"/>
-            </a:pPr>
-            <a:r>
-              <a:rPr lang="en-US" dirty="0"/>
-              <a:t>Medication Dosage</a:t>
-            </a:r>
-          </a:p>
-          <a:p>
-            <a:pPr marL="342900" indent="-342900">
-              <a:buFont typeface="Arial" panose="020B0604020202020204" pitchFamily="34" charset="0"/>
-              <a:buChar char="•"/>
-            </a:pPr>
-            <a:r>
-              <a:rPr lang="en-US" dirty="0"/>
-              <a:t>Medication form (e.g. tablet)</a:t>
-            </a:r>
-          </a:p>
-          <a:p>
-            <a:pPr marL="342900" indent="-342900">
-              <a:buFont typeface="Arial" panose="020B0604020202020204" pitchFamily="34" charset="0"/>
-              <a:buChar char="•"/>
-            </a:pPr>
-            <a:r>
-              <a:rPr lang="en-US" dirty="0"/>
-              <a:t>Medication route</a:t>
-            </a:r>
-          </a:p>
-          <a:p>
-            <a:pPr marL="342900" indent="-342900">
-              <a:buFont typeface="Arial" panose="020B0604020202020204" pitchFamily="34" charset="0"/>
-              <a:buChar char="•"/>
-            </a:pPr>
-            <a:endParaRPr lang="en-US" dirty="0"/>
-          </a:p>
-          <a:p>
-            <a:pPr marL="342900" indent="-342900">
-              <a:buFont typeface="Arial" panose="020B0604020202020204" pitchFamily="34" charset="0"/>
-              <a:buChar char="•"/>
-            </a:pPr>
-            <a:endParaRPr lang="en-US" dirty="0"/>
-          </a:p>
-          <a:p>
-            <a:pPr marL="342900" indent="-342900">
-              <a:buFont typeface="Arial" panose="020B0604020202020204" pitchFamily="34" charset="0"/>
-              <a:buChar char="•"/>
-            </a:pPr>
-            <a:endParaRPr lang="en-US" dirty="0"/>
-          </a:p>
-          <a:p>
-            <a:pPr marL="342900" indent="-342900">
-              <a:buFont typeface="Arial" panose="020B0604020202020204" pitchFamily="34" charset="0"/>
-              <a:buChar char="•"/>
-            </a:pPr>
-            <a:endParaRPr lang="en-US" dirty="0"/>
-          </a:p>
-        </p:txBody>
-      </p:sp>
-      <p:sp>
-        <p:nvSpPr>
-          <p:cNvPr id="4" name="Textplatzhalter 3">
-            <a:extLst>
-              <a:ext uri="{FF2B5EF4-FFF2-40B4-BE49-F238E27FC236}">
-                <a16:creationId xmlns:a16="http://schemas.microsoft.com/office/drawing/2014/main" id="{4C317A2C-B579-4B3C-4F12-768999CBF274}"/>
-              </a:ext>
-            </a:extLst>
-          </p:cNvPr>
-          <p:cNvSpPr>
-            <a:spLocks noGrp="1"/>
-          </p:cNvSpPr>
-          <p:nvPr>
-            <p:ph type="body" sz="quarter" idx="14"/>
-          </p:nvPr>
-        </p:nvSpPr>
-        <p:spPr/>
-        <p:txBody>
-          <a:bodyPr/>
-          <a:lstStyle/>
-          <a:p>
-            <a:pPr marL="342900" indent="-342900">
-              <a:buFont typeface="Arial" panose="020B0604020202020204" pitchFamily="34" charset="0"/>
-              <a:buChar char="•"/>
-            </a:pPr>
-            <a:endParaRPr lang="de-CH" dirty="0"/>
-          </a:p>
-          <a:p>
-            <a:pPr marL="342900" indent="-342900">
-              <a:buFont typeface="Arial" panose="020B0604020202020204" pitchFamily="34" charset="0"/>
-              <a:buChar char="•"/>
-            </a:pPr>
-            <a:endParaRPr lang="de-CH" dirty="0"/>
           </a:p>
         </p:txBody>
       </p:sp>
@@ -20227,35 +20745,546 @@
             <p:ph type="title"/>
           </p:nvPr>
         </p:nvSpPr>
-        <p:spPr/>
+        <p:spPr>
+          <a:xfrm>
+            <a:off x="540000" y="680400"/>
+            <a:ext cx="7020000" cy="410369"/>
+          </a:xfrm>
+        </p:spPr>
         <p:txBody>
           <a:bodyPr/>
           <a:lstStyle/>
           <a:p>
             <a:r>
               <a:rPr lang="de-CH" dirty="0"/>
-              <a:t>Potential </a:t>
-            </a:r>
-            <a:r>
-              <a:rPr lang="de-CH" dirty="0" err="1"/>
-              <a:t>new</a:t>
-            </a:r>
-            <a:r>
-              <a:rPr lang="de-CH" dirty="0"/>
-              <a:t> NER </a:t>
-            </a:r>
-            <a:r>
-              <a:rPr lang="de-CH" dirty="0" err="1"/>
-              <a:t>Types</a:t>
-            </a:r>
-            <a:endParaRPr lang="de-CH" dirty="0"/>
+              <a:t>NER Use Cases</a:t>
+            </a:r>
           </a:p>
         </p:txBody>
       </p:sp>
     </p:spTree>
     <p:extLst>
       <p:ext uri="{BB962C8B-B14F-4D97-AF65-F5344CB8AC3E}">
-        <p14:creationId xmlns:p14="http://schemas.microsoft.com/office/powerpoint/2010/main" val="388255730"/>
+        <p14:creationId xmlns:p14="http://schemas.microsoft.com/office/powerpoint/2010/main" val="3317007330"/>
+      </p:ext>
+    </p:extLst>
+  </p:cSld>
+  <p:clrMapOvr>
+    <a:masterClrMapping/>
+  </p:clrMapOvr>
+</p:sld>
+</file>
+
+<file path=ppt/slides/slide2.xml><?xml version="1.0" encoding="utf-8"?>
+<p:sld xmlns:a="http://schemas.openxmlformats.org/drawingml/2006/main" xmlns:r="http://schemas.openxmlformats.org/officeDocument/2006/relationships" xmlns:p="http://schemas.openxmlformats.org/presentationml/2006/main">
+  <p:cSld>
+    <p:spTree>
+      <p:nvGrpSpPr>
+        <p:cNvPr id="1" name=""/>
+        <p:cNvGrpSpPr/>
+        <p:nvPr/>
+      </p:nvGrpSpPr>
+      <p:grpSpPr>
+        <a:xfrm>
+          <a:off x="0" y="0"/>
+          <a:ext cx="0" cy="0"/>
+          <a:chOff x="0" y="0"/>
+          <a:chExt cx="0" cy="0"/>
+        </a:xfrm>
+      </p:grpSpPr>
+      <p:sp>
+        <p:nvSpPr>
+          <p:cNvPr id="2" name="Inhaltsplatzhalter 1">
+            <a:extLst>
+              <a:ext uri="{FF2B5EF4-FFF2-40B4-BE49-F238E27FC236}">
+                <a16:creationId xmlns:a16="http://schemas.microsoft.com/office/drawing/2014/main" id="{347559E5-88A9-7114-3CF2-22840C9512E3}"/>
+              </a:ext>
+            </a:extLst>
+          </p:cNvPr>
+          <p:cNvSpPr>
+            <a:spLocks noGrp="1"/>
+          </p:cNvSpPr>
+          <p:nvPr>
+            <p:ph sz="half" idx="1"/>
+          </p:nvPr>
+        </p:nvSpPr>
+        <p:spPr/>
+        <p:txBody>
+          <a:bodyPr/>
+          <a:lstStyle/>
+          <a:p>
+            <a:endParaRPr lang="en-GB"/>
+          </a:p>
+        </p:txBody>
+      </p:sp>
+      <p:sp>
+        <p:nvSpPr>
+          <p:cNvPr id="3" name="Textplatzhalter 2">
+            <a:extLst>
+              <a:ext uri="{FF2B5EF4-FFF2-40B4-BE49-F238E27FC236}">
+                <a16:creationId xmlns:a16="http://schemas.microsoft.com/office/drawing/2014/main" id="{0F31BD77-9129-AFD5-427C-860E0BF92F00}"/>
+              </a:ext>
+            </a:extLst>
+          </p:cNvPr>
+          <p:cNvSpPr>
+            <a:spLocks noGrp="1"/>
+          </p:cNvSpPr>
+          <p:nvPr>
+            <p:ph type="body" idx="11"/>
+          </p:nvPr>
+        </p:nvSpPr>
+        <p:spPr/>
+        <p:txBody>
+          <a:bodyPr/>
+          <a:lstStyle/>
+          <a:p>
+            <a:endParaRPr lang="en-GB"/>
+          </a:p>
+        </p:txBody>
+      </p:sp>
+      <p:sp>
+        <p:nvSpPr>
+          <p:cNvPr id="4" name="Titel 3">
+            <a:extLst>
+              <a:ext uri="{FF2B5EF4-FFF2-40B4-BE49-F238E27FC236}">
+                <a16:creationId xmlns:a16="http://schemas.microsoft.com/office/drawing/2014/main" id="{695F92CF-A460-955B-BE6A-033972C8D7EF}"/>
+              </a:ext>
+            </a:extLst>
+          </p:cNvPr>
+          <p:cNvSpPr>
+            <a:spLocks noGrp="1"/>
+          </p:cNvSpPr>
+          <p:nvPr>
+            <p:ph type="title"/>
+          </p:nvPr>
+        </p:nvSpPr>
+        <p:spPr/>
+        <p:txBody>
+          <a:bodyPr/>
+          <a:lstStyle/>
+          <a:p>
+            <a:r>
+              <a:rPr lang="en-US" dirty="0"/>
+              <a:t>Task 1: Data Exploration and Processing</a:t>
+            </a:r>
+          </a:p>
+        </p:txBody>
+      </p:sp>
+    </p:spTree>
+    <p:extLst>
+      <p:ext uri="{BB962C8B-B14F-4D97-AF65-F5344CB8AC3E}">
+        <p14:creationId xmlns:p14="http://schemas.microsoft.com/office/powerpoint/2010/main" val="4252364833"/>
+      </p:ext>
+    </p:extLst>
+  </p:cSld>
+  <p:clrMapOvr>
+    <a:masterClrMapping/>
+  </p:clrMapOvr>
+</p:sld>
+</file>
+
+<file path=ppt/slides/slide3.xml><?xml version="1.0" encoding="utf-8"?>
+<p:sld xmlns:a="http://schemas.openxmlformats.org/drawingml/2006/main" xmlns:r="http://schemas.openxmlformats.org/officeDocument/2006/relationships" xmlns:p="http://schemas.openxmlformats.org/presentationml/2006/main">
+  <p:cSld>
+    <p:spTree>
+      <p:nvGrpSpPr>
+        <p:cNvPr id="1" name=""/>
+        <p:cNvGrpSpPr/>
+        <p:nvPr/>
+      </p:nvGrpSpPr>
+      <p:grpSpPr>
+        <a:xfrm>
+          <a:off x="0" y="0"/>
+          <a:ext cx="0" cy="0"/>
+          <a:chOff x="0" y="0"/>
+          <a:chExt cx="0" cy="0"/>
+        </a:xfrm>
+      </p:grpSpPr>
+      <p:sp>
+        <p:nvSpPr>
+          <p:cNvPr id="5" name="Textplatzhalter 4">
+            <a:extLst>
+              <a:ext uri="{FF2B5EF4-FFF2-40B4-BE49-F238E27FC236}">
+                <a16:creationId xmlns:a16="http://schemas.microsoft.com/office/drawing/2014/main" id="{69996356-855D-BEA7-9042-E31DBB1F84C4}"/>
+              </a:ext>
+            </a:extLst>
+          </p:cNvPr>
+          <p:cNvSpPr>
+            <a:spLocks noGrp="1"/>
+          </p:cNvSpPr>
+          <p:nvPr>
+            <p:ph type="body" sz="quarter" idx="20"/>
+          </p:nvPr>
+        </p:nvSpPr>
+        <p:spPr/>
+        <p:txBody>
+          <a:bodyPr/>
+          <a:lstStyle/>
+          <a:p>
+            <a:r>
+              <a:rPr lang="en-GB" dirty="0"/>
+              <a:t>Task 1</a:t>
+            </a:r>
+            <a:endParaRPr lang="de-CH" dirty="0"/>
+          </a:p>
+        </p:txBody>
+      </p:sp>
+      <p:sp>
+        <p:nvSpPr>
+          <p:cNvPr id="6" name="Titel 5">
+            <a:extLst>
+              <a:ext uri="{FF2B5EF4-FFF2-40B4-BE49-F238E27FC236}">
+                <a16:creationId xmlns:a16="http://schemas.microsoft.com/office/drawing/2014/main" id="{78FFCA5B-4105-6527-22ED-1C63D41F0290}"/>
+              </a:ext>
+            </a:extLst>
+          </p:cNvPr>
+          <p:cNvSpPr>
+            <a:spLocks noGrp="1"/>
+          </p:cNvSpPr>
+          <p:nvPr>
+            <p:ph type="title"/>
+          </p:nvPr>
+        </p:nvSpPr>
+        <p:spPr/>
+        <p:txBody>
+          <a:bodyPr/>
+          <a:lstStyle/>
+          <a:p>
+            <a:r>
+              <a:rPr lang="de-CH" dirty="0"/>
+              <a:t>Processing Pipeline</a:t>
+            </a:r>
+          </a:p>
+        </p:txBody>
+      </p:sp>
+      <p:pic>
+        <p:nvPicPr>
+          <p:cNvPr id="9" name="Grafik 8">
+            <a:extLst>
+              <a:ext uri="{FF2B5EF4-FFF2-40B4-BE49-F238E27FC236}">
+                <a16:creationId xmlns:a16="http://schemas.microsoft.com/office/drawing/2014/main" id="{5D5784DE-EDE6-70AB-6676-FA74367895CF}"/>
+              </a:ext>
+            </a:extLst>
+          </p:cNvPr>
+          <p:cNvPicPr>
+            <a:picLocks noChangeAspect="1"/>
+          </p:cNvPicPr>
+          <p:nvPr/>
+        </p:nvPicPr>
+        <p:blipFill>
+          <a:blip r:embed="rId3"/>
+          <a:stretch>
+            <a:fillRect/>
+          </a:stretch>
+        </p:blipFill>
+        <p:spPr>
+          <a:xfrm>
+            <a:off x="5947074" y="1453533"/>
+            <a:ext cx="2817417" cy="2610000"/>
+          </a:xfrm>
+          <a:prstGeom prst="rect">
+            <a:avLst/>
+          </a:prstGeom>
+        </p:spPr>
+      </p:pic>
+      <p:pic>
+        <p:nvPicPr>
+          <p:cNvPr id="11" name="Grafik 10">
+            <a:extLst>
+              <a:ext uri="{FF2B5EF4-FFF2-40B4-BE49-F238E27FC236}">
+                <a16:creationId xmlns:a16="http://schemas.microsoft.com/office/drawing/2014/main" id="{09A48636-771F-3D7E-C459-4FD5F5E8311C}"/>
+              </a:ext>
+            </a:extLst>
+          </p:cNvPr>
+          <p:cNvPicPr>
+            <a:picLocks noChangeAspect="1"/>
+          </p:cNvPicPr>
+          <p:nvPr/>
+        </p:nvPicPr>
+        <p:blipFill>
+          <a:blip r:embed="rId4"/>
+          <a:stretch>
+            <a:fillRect/>
+          </a:stretch>
+        </p:blipFill>
+        <p:spPr>
+          <a:xfrm>
+            <a:off x="3084119" y="1453533"/>
+            <a:ext cx="2905889" cy="2610000"/>
+          </a:xfrm>
+          <a:prstGeom prst="rect">
+            <a:avLst/>
+          </a:prstGeom>
+        </p:spPr>
+      </p:pic>
+      <p:pic>
+        <p:nvPicPr>
+          <p:cNvPr id="13" name="Grafik 12">
+            <a:extLst>
+              <a:ext uri="{FF2B5EF4-FFF2-40B4-BE49-F238E27FC236}">
+                <a16:creationId xmlns:a16="http://schemas.microsoft.com/office/drawing/2014/main" id="{B25A389E-844E-1559-9287-17260B682570}"/>
+              </a:ext>
+            </a:extLst>
+          </p:cNvPr>
+          <p:cNvPicPr>
+            <a:picLocks noChangeAspect="1"/>
+          </p:cNvPicPr>
+          <p:nvPr/>
+        </p:nvPicPr>
+        <p:blipFill>
+          <a:blip r:embed="rId5"/>
+          <a:stretch>
+            <a:fillRect/>
+          </a:stretch>
+        </p:blipFill>
+        <p:spPr>
+          <a:xfrm>
+            <a:off x="150000" y="1453533"/>
+            <a:ext cx="2987350" cy="2610000"/>
+          </a:xfrm>
+          <a:prstGeom prst="rect">
+            <a:avLst/>
+          </a:prstGeom>
+        </p:spPr>
+      </p:pic>
+    </p:spTree>
+    <p:extLst>
+      <p:ext uri="{BB962C8B-B14F-4D97-AF65-F5344CB8AC3E}">
+        <p14:creationId xmlns:p14="http://schemas.microsoft.com/office/powerpoint/2010/main" val="1969766"/>
+      </p:ext>
+    </p:extLst>
+  </p:cSld>
+  <p:clrMapOvr>
+    <a:masterClrMapping/>
+  </p:clrMapOvr>
+</p:sld>
+</file>
+
+<file path=ppt/slides/slide4.xml><?xml version="1.0" encoding="utf-8"?>
+<p:sld xmlns:a="http://schemas.openxmlformats.org/drawingml/2006/main" xmlns:r="http://schemas.openxmlformats.org/officeDocument/2006/relationships" xmlns:p="http://schemas.openxmlformats.org/presentationml/2006/main">
+  <p:cSld>
+    <p:spTree>
+      <p:nvGrpSpPr>
+        <p:cNvPr id="1" name=""/>
+        <p:cNvGrpSpPr/>
+        <p:nvPr/>
+      </p:nvGrpSpPr>
+      <p:grpSpPr>
+        <a:xfrm>
+          <a:off x="0" y="0"/>
+          <a:ext cx="0" cy="0"/>
+          <a:chOff x="0" y="0"/>
+          <a:chExt cx="0" cy="0"/>
+        </a:xfrm>
+      </p:grpSpPr>
+      <p:sp>
+        <p:nvSpPr>
+          <p:cNvPr id="5" name="Textplatzhalter 4">
+            <a:extLst>
+              <a:ext uri="{FF2B5EF4-FFF2-40B4-BE49-F238E27FC236}">
+                <a16:creationId xmlns:a16="http://schemas.microsoft.com/office/drawing/2014/main" id="{69996356-855D-BEA7-9042-E31DBB1F84C4}"/>
+              </a:ext>
+            </a:extLst>
+          </p:cNvPr>
+          <p:cNvSpPr>
+            <a:spLocks noGrp="1"/>
+          </p:cNvSpPr>
+          <p:nvPr>
+            <p:ph type="body" sz="quarter" idx="20"/>
+          </p:nvPr>
+        </p:nvSpPr>
+        <p:spPr/>
+        <p:txBody>
+          <a:bodyPr/>
+          <a:lstStyle/>
+          <a:p>
+            <a:r>
+              <a:rPr lang="en-GB" dirty="0"/>
+              <a:t>Task 1</a:t>
+            </a:r>
+            <a:endParaRPr lang="de-CH" dirty="0"/>
+          </a:p>
+        </p:txBody>
+      </p:sp>
+      <p:sp>
+        <p:nvSpPr>
+          <p:cNvPr id="6" name="Titel 5">
+            <a:extLst>
+              <a:ext uri="{FF2B5EF4-FFF2-40B4-BE49-F238E27FC236}">
+                <a16:creationId xmlns:a16="http://schemas.microsoft.com/office/drawing/2014/main" id="{78FFCA5B-4105-6527-22ED-1C63D41F0290}"/>
+              </a:ext>
+            </a:extLst>
+          </p:cNvPr>
+          <p:cNvSpPr>
+            <a:spLocks noGrp="1"/>
+          </p:cNvSpPr>
+          <p:nvPr>
+            <p:ph type="title"/>
+          </p:nvPr>
+        </p:nvSpPr>
+        <p:spPr/>
+        <p:txBody>
+          <a:bodyPr/>
+          <a:lstStyle/>
+          <a:p>
+            <a:r>
+              <a:rPr lang="de-CH" dirty="0" err="1"/>
+              <a:t>Differences</a:t>
+            </a:r>
+            <a:r>
+              <a:rPr lang="de-CH" dirty="0"/>
+              <a:t> per </a:t>
+            </a:r>
+            <a:r>
+              <a:rPr lang="de-CH" dirty="0" err="1"/>
+              <a:t>class</a:t>
+            </a:r>
+            <a:endParaRPr lang="de-CH" dirty="0"/>
+          </a:p>
+        </p:txBody>
+      </p:sp>
+      <p:pic>
+        <p:nvPicPr>
+          <p:cNvPr id="3" name="Grafik 2">
+            <a:extLst>
+              <a:ext uri="{FF2B5EF4-FFF2-40B4-BE49-F238E27FC236}">
+                <a16:creationId xmlns:a16="http://schemas.microsoft.com/office/drawing/2014/main" id="{A78C27BF-62BD-B3F8-C7AF-2D16C6AD74F7}"/>
+              </a:ext>
+            </a:extLst>
+          </p:cNvPr>
+          <p:cNvPicPr>
+            <a:picLocks noChangeAspect="1"/>
+          </p:cNvPicPr>
+          <p:nvPr/>
+        </p:nvPicPr>
+        <p:blipFill>
+          <a:blip r:embed="rId3"/>
+          <a:stretch>
+            <a:fillRect/>
+          </a:stretch>
+        </p:blipFill>
+        <p:spPr>
+          <a:xfrm>
+            <a:off x="540000" y="1296778"/>
+            <a:ext cx="7186239" cy="3565922"/>
+          </a:xfrm>
+          <a:prstGeom prst="rect">
+            <a:avLst/>
+          </a:prstGeom>
+        </p:spPr>
+      </p:pic>
+    </p:spTree>
+    <p:extLst>
+      <p:ext uri="{BB962C8B-B14F-4D97-AF65-F5344CB8AC3E}">
+        <p14:creationId xmlns:p14="http://schemas.microsoft.com/office/powerpoint/2010/main" val="3585707066"/>
+      </p:ext>
+    </p:extLst>
+  </p:cSld>
+  <p:clrMapOvr>
+    <a:masterClrMapping/>
+  </p:clrMapOvr>
+</p:sld>
+</file>
+
+<file path=ppt/slides/slide5.xml><?xml version="1.0" encoding="utf-8"?>
+<p:sld xmlns:a="http://schemas.openxmlformats.org/drawingml/2006/main" xmlns:r="http://schemas.openxmlformats.org/officeDocument/2006/relationships" xmlns:p="http://schemas.openxmlformats.org/presentationml/2006/main">
+  <p:cSld>
+    <p:spTree>
+      <p:nvGrpSpPr>
+        <p:cNvPr id="1" name=""/>
+        <p:cNvGrpSpPr/>
+        <p:nvPr/>
+      </p:nvGrpSpPr>
+      <p:grpSpPr>
+        <a:xfrm>
+          <a:off x="0" y="0"/>
+          <a:ext cx="0" cy="0"/>
+          <a:chOff x="0" y="0"/>
+          <a:chExt cx="0" cy="0"/>
+        </a:xfrm>
+      </p:grpSpPr>
+      <p:sp>
+        <p:nvSpPr>
+          <p:cNvPr id="2" name="Inhaltsplatzhalter 1">
+            <a:extLst>
+              <a:ext uri="{FF2B5EF4-FFF2-40B4-BE49-F238E27FC236}">
+                <a16:creationId xmlns:a16="http://schemas.microsoft.com/office/drawing/2014/main" id="{347559E5-88A9-7114-3CF2-22840C9512E3}"/>
+              </a:ext>
+            </a:extLst>
+          </p:cNvPr>
+          <p:cNvSpPr>
+            <a:spLocks noGrp="1"/>
+          </p:cNvSpPr>
+          <p:nvPr>
+            <p:ph sz="half" idx="1"/>
+          </p:nvPr>
+        </p:nvSpPr>
+        <p:spPr/>
+        <p:txBody>
+          <a:bodyPr/>
+          <a:lstStyle/>
+          <a:p>
+            <a:endParaRPr lang="en-GB"/>
+          </a:p>
+        </p:txBody>
+      </p:sp>
+      <p:sp>
+        <p:nvSpPr>
+          <p:cNvPr id="3" name="Textplatzhalter 2">
+            <a:extLst>
+              <a:ext uri="{FF2B5EF4-FFF2-40B4-BE49-F238E27FC236}">
+                <a16:creationId xmlns:a16="http://schemas.microsoft.com/office/drawing/2014/main" id="{0F31BD77-9129-AFD5-427C-860E0BF92F00}"/>
+              </a:ext>
+            </a:extLst>
+          </p:cNvPr>
+          <p:cNvSpPr>
+            <a:spLocks noGrp="1"/>
+          </p:cNvSpPr>
+          <p:nvPr>
+            <p:ph type="body" idx="11"/>
+          </p:nvPr>
+        </p:nvSpPr>
+        <p:spPr/>
+        <p:txBody>
+          <a:bodyPr/>
+          <a:lstStyle/>
+          <a:p>
+            <a:endParaRPr lang="en-GB"/>
+          </a:p>
+        </p:txBody>
+      </p:sp>
+      <p:sp>
+        <p:nvSpPr>
+          <p:cNvPr id="4" name="Titel 3">
+            <a:extLst>
+              <a:ext uri="{FF2B5EF4-FFF2-40B4-BE49-F238E27FC236}">
+                <a16:creationId xmlns:a16="http://schemas.microsoft.com/office/drawing/2014/main" id="{695F92CF-A460-955B-BE6A-033972C8D7EF}"/>
+              </a:ext>
+            </a:extLst>
+          </p:cNvPr>
+          <p:cNvSpPr>
+            <a:spLocks noGrp="1"/>
+          </p:cNvSpPr>
+          <p:nvPr>
+            <p:ph type="title"/>
+          </p:nvPr>
+        </p:nvSpPr>
+        <p:spPr/>
+        <p:txBody>
+          <a:bodyPr/>
+          <a:lstStyle/>
+          <a:p>
+            <a:r>
+              <a:rPr lang="en-US" dirty="0"/>
+              <a:t>Task 2: NER</a:t>
+            </a:r>
+          </a:p>
+        </p:txBody>
+      </p:sp>
+    </p:spTree>
+    <p:extLst>
+      <p:ext uri="{BB962C8B-B14F-4D97-AF65-F5344CB8AC3E}">
+        <p14:creationId xmlns:p14="http://schemas.microsoft.com/office/powerpoint/2010/main" val="3710458073"/>
       </p:ext>
     </p:extLst>
   </p:cSld>
@@ -20314,7 +21343,7 @@
             </a:pPr>
             <a:r>
               <a:rPr lang="en-US" dirty="0"/>
-              <a:t>DOSAGE</a:t>
+              <a:t>Healthcare profession</a:t>
             </a:r>
           </a:p>
           <a:p>
@@ -20324,7 +21353,7 @@
             </a:pPr>
             <a:r>
               <a:rPr lang="en-US" dirty="0"/>
-              <a:t>DRUG</a:t>
+              <a:t>Administrative event </a:t>
             </a:r>
           </a:p>
           <a:p>
@@ -20334,7 +21363,7 @@
             </a:pPr>
             <a:r>
               <a:rPr lang="en-US" dirty="0"/>
-              <a:t>DURATION</a:t>
+              <a:t>Care environment</a:t>
             </a:r>
           </a:p>
           <a:p>
@@ -20344,7 +21373,7 @@
             </a:pPr>
             <a:r>
               <a:rPr lang="en-US" dirty="0"/>
-              <a:t>FORM</a:t>
+              <a:t>Demographic</a:t>
             </a:r>
           </a:p>
           <a:p>
@@ -20354,7 +21383,7 @@
             </a:pPr>
             <a:r>
               <a:rPr lang="en-US" dirty="0"/>
-              <a:t>FREQUENCY</a:t>
+              <a:t>Anatomy</a:t>
             </a:r>
           </a:p>
           <a:p>
@@ -20364,7 +21393,7 @@
             </a:pPr>
             <a:r>
               <a:rPr lang="en-US" dirty="0"/>
-              <a:t>ROUTE</a:t>
+              <a:t>Diseases</a:t>
             </a:r>
           </a:p>
           <a:p>
@@ -20374,8 +21403,137 @@
             </a:pPr>
             <a:r>
               <a:rPr lang="en-US" dirty="0"/>
-              <a:t>STRENGTH</a:t>
-            </a:r>
+              <a:t>Symptom</a:t>
+            </a:r>
+          </a:p>
+          <a:p>
+            <a:pPr marL="342900" indent="-342900">
+              <a:buFont typeface="Arial" panose="020B0604020202020204" pitchFamily="34" charset="0"/>
+              <a:buChar char="•"/>
+            </a:pPr>
+            <a:r>
+              <a:rPr lang="en-US" dirty="0"/>
+              <a:t>Examination</a:t>
+            </a:r>
+          </a:p>
+          <a:p>
+            <a:pPr marL="342900" indent="-342900">
+              <a:buFont typeface="Arial" panose="020B0604020202020204" pitchFamily="34" charset="0"/>
+              <a:buChar char="•"/>
+            </a:pPr>
+            <a:endParaRPr lang="en-US" dirty="0"/>
+          </a:p>
+          <a:p>
+            <a:pPr marL="342900" indent="-342900">
+              <a:buFont typeface="Arial" panose="020B0604020202020204" pitchFamily="34" charset="0"/>
+              <a:buChar char="•"/>
+            </a:pPr>
+            <a:endParaRPr lang="en-US" dirty="0"/>
+          </a:p>
+          <a:p>
+            <a:pPr marL="342900" indent="-342900">
+              <a:buFont typeface="Arial" panose="020B0604020202020204" pitchFamily="34" charset="0"/>
+              <a:buChar char="•"/>
+            </a:pPr>
+            <a:endParaRPr lang="en-US" dirty="0"/>
+          </a:p>
+          <a:p>
+            <a:pPr marL="342900" indent="-342900">
+              <a:buFont typeface="Arial" panose="020B0604020202020204" pitchFamily="34" charset="0"/>
+              <a:buChar char="•"/>
+            </a:pPr>
+            <a:r>
+              <a:rPr lang="en-US" dirty="0"/>
+              <a:t>Measurement unit</a:t>
+            </a:r>
+          </a:p>
+          <a:p>
+            <a:pPr marL="342900" indent="-342900">
+              <a:buFont typeface="Arial" panose="020B0604020202020204" pitchFamily="34" charset="0"/>
+              <a:buChar char="•"/>
+            </a:pPr>
+            <a:r>
+              <a:rPr lang="en-US" dirty="0"/>
+              <a:t>Measurement value</a:t>
+            </a:r>
+          </a:p>
+          <a:p>
+            <a:pPr marL="342900" indent="-342900">
+              <a:buFont typeface="Arial" panose="020B0604020202020204" pitchFamily="34" charset="0"/>
+              <a:buChar char="•"/>
+            </a:pPr>
+            <a:r>
+              <a:rPr lang="en-US" dirty="0"/>
+              <a:t>Treatment</a:t>
+            </a:r>
+          </a:p>
+          <a:p>
+            <a:pPr marL="342900" indent="-342900">
+              <a:buFont typeface="Arial" panose="020B0604020202020204" pitchFamily="34" charset="0"/>
+              <a:buChar char="•"/>
+            </a:pPr>
+            <a:r>
+              <a:rPr lang="en-US" dirty="0"/>
+              <a:t>Medication</a:t>
+            </a:r>
+          </a:p>
+          <a:p>
+            <a:pPr marL="342900" indent="-342900">
+              <a:buFont typeface="Arial" panose="020B0604020202020204" pitchFamily="34" charset="0"/>
+              <a:buChar char="•"/>
+            </a:pPr>
+            <a:r>
+              <a:rPr lang="en-US" dirty="0"/>
+              <a:t>Medication Dosage</a:t>
+            </a:r>
+          </a:p>
+          <a:p>
+            <a:pPr marL="342900" indent="-342900">
+              <a:buFont typeface="Arial" panose="020B0604020202020204" pitchFamily="34" charset="0"/>
+              <a:buChar char="•"/>
+            </a:pPr>
+            <a:r>
+              <a:rPr lang="en-US" dirty="0"/>
+              <a:t>Medication form (e.g. tablet)</a:t>
+            </a:r>
+          </a:p>
+          <a:p>
+            <a:pPr marL="342900" indent="-342900">
+              <a:buFont typeface="Arial" panose="020B0604020202020204" pitchFamily="34" charset="0"/>
+              <a:buChar char="•"/>
+            </a:pPr>
+            <a:r>
+              <a:rPr lang="en-US" dirty="0"/>
+              <a:t>Medication route</a:t>
+            </a:r>
+          </a:p>
+          <a:p>
+            <a:pPr marL="342900" indent="-342900">
+              <a:buFont typeface="Arial" panose="020B0604020202020204" pitchFamily="34" charset="0"/>
+              <a:buChar char="•"/>
+            </a:pPr>
+            <a:endParaRPr lang="en-US" dirty="0"/>
+          </a:p>
+          <a:p>
+            <a:pPr marL="342900" indent="-342900">
+              <a:buFont typeface="Arial" panose="020B0604020202020204" pitchFamily="34" charset="0"/>
+              <a:buChar char="•"/>
+            </a:pPr>
+            <a:endParaRPr lang="en-US" dirty="0"/>
+          </a:p>
+          <a:p>
+            <a:pPr marL="342900" indent="-342900">
+              <a:buFont typeface="Arial" panose="020B0604020202020204" pitchFamily="34" charset="0"/>
+              <a:buChar char="•"/>
+            </a:pPr>
+            <a:endParaRPr lang="en-US" dirty="0"/>
+          </a:p>
+          <a:p>
+            <a:pPr marL="342900" indent="-342900">
+              <a:buFont typeface="Arial" panose="020B0604020202020204" pitchFamily="34" charset="0"/>
+              <a:buChar char="•"/>
+            </a:pPr>
+            <a:endParaRPr lang="en-US" dirty="0"/>
           </a:p>
         </p:txBody>
       </p:sp>
@@ -20460,47 +21618,26 @@
             <p:ph type="title"/>
           </p:nvPr>
         </p:nvSpPr>
-        <p:spPr>
-          <a:xfrm>
-            <a:off x="540000" y="680400"/>
-            <a:ext cx="7020000" cy="820738"/>
-          </a:xfrm>
-        </p:spPr>
+        <p:spPr/>
         <p:txBody>
           <a:bodyPr/>
           <a:lstStyle/>
           <a:p>
             <a:r>
               <a:rPr lang="de-CH" dirty="0"/>
-              <a:t>Med7: NLP </a:t>
+              <a:t>Potential </a:t>
             </a:r>
             <a:r>
               <a:rPr lang="de-CH" dirty="0" err="1"/>
-              <a:t>model</a:t>
+              <a:t>new</a:t>
             </a:r>
             <a:r>
               <a:rPr lang="de-CH" dirty="0"/>
-              <a:t> </a:t>
+              <a:t> NER </a:t>
             </a:r>
             <a:r>
               <a:rPr lang="de-CH" dirty="0" err="1"/>
-              <a:t>for</a:t>
-            </a:r>
-            <a:r>
-              <a:rPr lang="de-CH" dirty="0"/>
-              <a:t> electronic </a:t>
-            </a:r>
-            <a:r>
-              <a:rPr lang="de-CH" dirty="0" err="1"/>
-              <a:t>health</a:t>
-            </a:r>
-            <a:r>
-              <a:rPr lang="de-CH" dirty="0"/>
-              <a:t> </a:t>
-            </a:r>
-            <a:r>
-              <a:rPr lang="de-CH" dirty="0" err="1"/>
-              <a:t>records</a:t>
+              <a:t>Types</a:t>
             </a:r>
             <a:endParaRPr lang="de-CH" dirty="0"/>
           </a:p>
@@ -20509,7 +21646,7 @@
     </p:spTree>
     <p:extLst>
       <p:ext uri="{BB962C8B-B14F-4D97-AF65-F5344CB8AC3E}">
-        <p14:creationId xmlns:p14="http://schemas.microsoft.com/office/powerpoint/2010/main" val="3231376469"/>
+        <p14:creationId xmlns:p14="http://schemas.microsoft.com/office/powerpoint/2010/main" val="388255730"/>
       </p:ext>
     </p:extLst>
   </p:cSld>
@@ -20559,7 +21696,7 @@
           </a:xfrm>
         </p:spPr>
         <p:txBody>
-          <a:bodyPr numCol="1"/>
+          <a:bodyPr numCol="2"/>
           <a:lstStyle/>
           <a:p>
             <a:pPr marL="342900" indent="-342900">
@@ -20568,14 +21705,7 @@
             </a:pPr>
             <a:r>
               <a:rPr lang="en-US" dirty="0"/>
-              <a:t>Manual by comparing NE with ground truth</a:t>
-            </a:r>
-          </a:p>
-          <a:p>
-            <a:pPr marL="1028683" lvl="1" indent="-342900"/>
-            <a:r>
-              <a:rPr lang="en-US" dirty="0"/>
-              <a:t>Wrong classifications: e.g. ('mm', 'PERSON’), ('anesthesia', 'GPE')</a:t>
+              <a:t>DOSAGE</a:t>
             </a:r>
           </a:p>
           <a:p>
@@ -20585,28 +21715,7 @@
             </a:pPr>
             <a:r>
               <a:rPr lang="en-US" dirty="0"/>
-              <a:t>Automatic evaluation using precision, recall and F1-score</a:t>
-            </a:r>
-          </a:p>
-          <a:p>
-            <a:pPr marL="1028683" lvl="1" indent="-342900"/>
-            <a:r>
-              <a:rPr lang="en-US" dirty="0"/>
-              <a:t>Precision: 0.37 (+/-) 0.17</a:t>
-            </a:r>
-          </a:p>
-          <a:p>
-            <a:pPr marL="1028683" lvl="1" indent="-342900"/>
-            <a:r>
-              <a:rPr lang="en-US" dirty="0"/>
-              <a:t>Recall: 0.33 (+/-) 0.21</a:t>
-            </a:r>
-          </a:p>
-          <a:p>
-            <a:pPr marL="1028683" lvl="1" indent="-342900"/>
-            <a:r>
-              <a:rPr lang="en-US" dirty="0"/>
-              <a:t>F1-Score: 0.3 (+/-) 0.09</a:t>
+              <a:t>DRUG</a:t>
             </a:r>
           </a:p>
           <a:p>
@@ -20616,21 +21725,7 @@
             </a:pPr>
             <a:r>
               <a:rPr lang="en-US" dirty="0"/>
-              <a:t>Conclusion</a:t>
-            </a:r>
-          </a:p>
-          <a:p>
-            <a:pPr marL="1028683" lvl="1" indent="-342900"/>
-            <a:r>
-              <a:rPr lang="en-US" dirty="0"/>
-              <a:t>Training with large annotated corpus</a:t>
-            </a:r>
-          </a:p>
-          <a:p>
-            <a:pPr marL="1028683" lvl="1" indent="-342900"/>
-            <a:r>
-              <a:rPr lang="en-US" dirty="0"/>
-              <a:t>Difficulty with manually annotating data </a:t>
+              <a:t>DURATION</a:t>
             </a:r>
           </a:p>
           <a:p>
@@ -20638,11 +21733,76 @@
               <a:buFont typeface="Arial" panose="020B0604020202020204" pitchFamily="34" charset="0"/>
               <a:buChar char="•"/>
             </a:pPr>
-            <a:endParaRPr lang="en-US" dirty="0"/>
-          </a:p>
-          <a:p>
-            <a:pPr marL="1028683" lvl="1" indent="-342900"/>
-            <a:endParaRPr lang="en-US" dirty="0"/>
+            <a:r>
+              <a:rPr lang="en-US" dirty="0"/>
+              <a:t>FORM</a:t>
+            </a:r>
+          </a:p>
+          <a:p>
+            <a:pPr marL="342900" indent="-342900">
+              <a:buFont typeface="Arial" panose="020B0604020202020204" pitchFamily="34" charset="0"/>
+              <a:buChar char="•"/>
+            </a:pPr>
+            <a:r>
+              <a:rPr lang="en-US" dirty="0"/>
+              <a:t>FREQUENCY</a:t>
+            </a:r>
+          </a:p>
+          <a:p>
+            <a:pPr marL="342900" indent="-342900">
+              <a:buFont typeface="Arial" panose="020B0604020202020204" pitchFamily="34" charset="0"/>
+              <a:buChar char="•"/>
+            </a:pPr>
+            <a:r>
+              <a:rPr lang="en-US" dirty="0"/>
+              <a:t>ROUTE</a:t>
+            </a:r>
+          </a:p>
+          <a:p>
+            <a:pPr marL="342900" indent="-342900">
+              <a:buFont typeface="Arial" panose="020B0604020202020204" pitchFamily="34" charset="0"/>
+              <a:buChar char="•"/>
+            </a:pPr>
+            <a:r>
+              <a:rPr lang="en-US" dirty="0"/>
+              <a:t>STRENGTH</a:t>
+            </a:r>
+          </a:p>
+        </p:txBody>
+      </p:sp>
+      <p:sp>
+        <p:nvSpPr>
+          <p:cNvPr id="4" name="Textplatzhalter 3">
+            <a:extLst>
+              <a:ext uri="{FF2B5EF4-FFF2-40B4-BE49-F238E27FC236}">
+                <a16:creationId xmlns:a16="http://schemas.microsoft.com/office/drawing/2014/main" id="{4C317A2C-B579-4B3C-4F12-768999CBF274}"/>
+              </a:ext>
+            </a:extLst>
+          </p:cNvPr>
+          <p:cNvSpPr>
+            <a:spLocks noGrp="1"/>
+          </p:cNvSpPr>
+          <p:nvPr>
+            <p:ph type="body" sz="quarter" idx="14"/>
+          </p:nvPr>
+        </p:nvSpPr>
+        <p:spPr/>
+        <p:txBody>
+          <a:bodyPr/>
+          <a:lstStyle/>
+          <a:p>
+            <a:pPr marL="342900" indent="-342900">
+              <a:buFont typeface="Arial" panose="020B0604020202020204" pitchFamily="34" charset="0"/>
+              <a:buChar char="•"/>
+            </a:pPr>
+            <a:endParaRPr lang="de-CH" dirty="0"/>
+          </a:p>
+          <a:p>
+            <a:pPr marL="342900" indent="-342900">
+              <a:buFont typeface="Arial" panose="020B0604020202020204" pitchFamily="34" charset="0"/>
+              <a:buChar char="•"/>
+            </a:pPr>
+            <a:endParaRPr lang="de-CH" dirty="0"/>
           </a:p>
         </p:txBody>
       </p:sp>
@@ -20694,7 +21854,7 @@
         <p:spPr>
           <a:xfrm>
             <a:off x="540000" y="680400"/>
-            <a:ext cx="7020000" cy="410369"/>
+            <a:ext cx="7020000" cy="820738"/>
           </a:xfrm>
         </p:spPr>
         <p:txBody>
@@ -20703,15 +21863,44 @@
           <a:p>
             <a:r>
               <a:rPr lang="de-CH" dirty="0"/>
-              <a:t>Evaluation</a:t>
-            </a:r>
+              <a:t>Med7: NLP </a:t>
+            </a:r>
+            <a:r>
+              <a:rPr lang="de-CH" dirty="0" err="1"/>
+              <a:t>model</a:t>
+            </a:r>
+            <a:r>
+              <a:rPr lang="de-CH" dirty="0"/>
+              <a:t> </a:t>
+            </a:r>
+            <a:r>
+              <a:rPr lang="de-CH" dirty="0" err="1"/>
+              <a:t>for</a:t>
+            </a:r>
+            <a:r>
+              <a:rPr lang="de-CH" dirty="0"/>
+              <a:t> electronic </a:t>
+            </a:r>
+            <a:r>
+              <a:rPr lang="de-CH" dirty="0" err="1"/>
+              <a:t>health</a:t>
+            </a:r>
+            <a:r>
+              <a:rPr lang="de-CH" dirty="0"/>
+              <a:t> </a:t>
+            </a:r>
+            <a:r>
+              <a:rPr lang="de-CH" dirty="0" err="1"/>
+              <a:t>records</a:t>
+            </a:r>
+            <a:endParaRPr lang="de-CH" dirty="0"/>
           </a:p>
         </p:txBody>
       </p:sp>
     </p:spTree>
     <p:extLst>
       <p:ext uri="{BB962C8B-B14F-4D97-AF65-F5344CB8AC3E}">
-        <p14:creationId xmlns:p14="http://schemas.microsoft.com/office/powerpoint/2010/main" val="1455095133"/>
+        <p14:creationId xmlns:p14="http://schemas.microsoft.com/office/powerpoint/2010/main" val="3231376469"/>
       </p:ext>
     </p:extLst>
   </p:cSld>
@@ -20769,8 +21958,8 @@
               <a:buChar char="•"/>
             </a:pPr>
             <a:r>
-              <a:rPr lang="en-GB" dirty="0"/>
-              <a:t>Information Extraction </a:t>
+              <a:rPr lang="en-US" dirty="0"/>
+              <a:t>Manual by comparing NE with ground truth</a:t>
             </a:r>
           </a:p>
           <a:p>
@@ -20778,30 +21967,10 @@
               <a:buFont typeface="Arial" panose="020B0604020202020204" pitchFamily="34" charset="0"/>
               <a:buChar char="•"/>
             </a:pPr>
-            <a:r>
-              <a:rPr lang="en-GB" dirty="0"/>
-              <a:t>Sentiment Analysis </a:t>
-            </a:r>
-          </a:p>
-          <a:p>
-            <a:pPr marL="342900" indent="-342900">
-              <a:buFont typeface="Arial" panose="020B0604020202020204" pitchFamily="34" charset="0"/>
-              <a:buChar char="•"/>
-            </a:pPr>
-            <a:r>
-              <a:rPr lang="en-GB" dirty="0"/>
-              <a:t>Question Answering</a:t>
-            </a:r>
-          </a:p>
-          <a:p>
-            <a:pPr marL="342900" indent="-342900">
-              <a:buFont typeface="Arial" panose="020B0604020202020204" pitchFamily="34" charset="0"/>
-              <a:buChar char="•"/>
-            </a:pPr>
-            <a:r>
-              <a:rPr lang="en-GB" dirty="0"/>
-              <a:t>Machine Translation </a:t>
-            </a:r>
+            <a:endParaRPr lang="en-US" dirty="0"/>
+          </a:p>
+          <a:p>
+            <a:pPr marL="1028683" lvl="1" indent="-342900"/>
             <a:endParaRPr lang="en-US" dirty="0"/>
           </a:p>
         </p:txBody>
@@ -20863,7 +22032,262 @@
           <a:p>
             <a:r>
               <a:rPr lang="de-CH" dirty="0"/>
-              <a:t>NER Use Cases</a:t>
+              <a:t>Evaluation</a:t>
+            </a:r>
+          </a:p>
+        </p:txBody>
+      </p:sp>
+      <p:pic>
+        <p:nvPicPr>
+          <p:cNvPr id="13" name="Grafik 12">
+            <a:extLst>
+              <a:ext uri="{FF2B5EF4-FFF2-40B4-BE49-F238E27FC236}">
+                <a16:creationId xmlns:a16="http://schemas.microsoft.com/office/drawing/2014/main" id="{4F4B9796-4FAB-BD6F-CB37-2EC7E8B3A83B}"/>
+              </a:ext>
+            </a:extLst>
+          </p:cNvPr>
+          <p:cNvPicPr>
+            <a:picLocks noChangeAspect="1"/>
+          </p:cNvPicPr>
+          <p:nvPr/>
+        </p:nvPicPr>
+        <p:blipFill>
+          <a:blip r:embed="rId3"/>
+          <a:stretch>
+            <a:fillRect/>
+          </a:stretch>
+        </p:blipFill>
+        <p:spPr>
+          <a:xfrm>
+            <a:off x="540000" y="2558864"/>
+            <a:ext cx="8268754" cy="1142652"/>
+          </a:xfrm>
+          <a:prstGeom prst="rect">
+            <a:avLst/>
+          </a:prstGeom>
+        </p:spPr>
+      </p:pic>
+      <p:pic>
+        <p:nvPicPr>
+          <p:cNvPr id="15" name="Grafik 14">
+            <a:extLst>
+              <a:ext uri="{FF2B5EF4-FFF2-40B4-BE49-F238E27FC236}">
+                <a16:creationId xmlns:a16="http://schemas.microsoft.com/office/drawing/2014/main" id="{32910E2F-92BA-2F96-0749-1326A05BEC34}"/>
+              </a:ext>
+            </a:extLst>
+          </p:cNvPr>
+          <p:cNvPicPr>
+            <a:picLocks noChangeAspect="1"/>
+          </p:cNvPicPr>
+          <p:nvPr/>
+        </p:nvPicPr>
+        <p:blipFill>
+          <a:blip r:embed="rId4"/>
+          <a:stretch>
+            <a:fillRect/>
+          </a:stretch>
+        </p:blipFill>
+        <p:spPr>
+          <a:xfrm>
+            <a:off x="540000" y="3701516"/>
+            <a:ext cx="8208464" cy="897801"/>
+          </a:xfrm>
+          <a:prstGeom prst="rect">
+            <a:avLst/>
+          </a:prstGeom>
+        </p:spPr>
+      </p:pic>
+    </p:spTree>
+    <p:extLst>
+      <p:ext uri="{BB962C8B-B14F-4D97-AF65-F5344CB8AC3E}">
+        <p14:creationId xmlns:p14="http://schemas.microsoft.com/office/powerpoint/2010/main" val="1455095133"/>
+      </p:ext>
+    </p:extLst>
+  </p:cSld>
+  <p:clrMapOvr>
+    <a:masterClrMapping/>
+  </p:clrMapOvr>
+</p:sld>
+</file>
+
+<file path=ppt/slides/slide9.xml><?xml version="1.0" encoding="utf-8"?>
+<p:sld xmlns:a="http://schemas.openxmlformats.org/drawingml/2006/main" xmlns:r="http://schemas.openxmlformats.org/officeDocument/2006/relationships" xmlns:p="http://schemas.openxmlformats.org/presentationml/2006/main">
+  <p:cSld>
+    <p:spTree>
+      <p:nvGrpSpPr>
+        <p:cNvPr id="1" name=""/>
+        <p:cNvGrpSpPr/>
+        <p:nvPr/>
+      </p:nvGrpSpPr>
+      <p:grpSpPr>
+        <a:xfrm>
+          <a:off x="0" y="0"/>
+          <a:ext cx="0" cy="0"/>
+          <a:chOff x="0" y="0"/>
+          <a:chExt cx="0" cy="0"/>
+        </a:xfrm>
+      </p:grpSpPr>
+      <p:sp>
+        <p:nvSpPr>
+          <p:cNvPr id="3" name="Textplatzhalter 2">
+            <a:extLst>
+              <a:ext uri="{FF2B5EF4-FFF2-40B4-BE49-F238E27FC236}">
+                <a16:creationId xmlns:a16="http://schemas.microsoft.com/office/drawing/2014/main" id="{5A5FD406-7D3F-E861-7EFE-AACE8D68986F}"/>
+              </a:ext>
+            </a:extLst>
+          </p:cNvPr>
+          <p:cNvSpPr>
+            <a:spLocks noGrp="1"/>
+          </p:cNvSpPr>
+          <p:nvPr>
+            <p:ph type="body" sz="quarter" idx="12"/>
+          </p:nvPr>
+        </p:nvSpPr>
+        <p:spPr>
+          <a:xfrm>
+            <a:off x="540000" y="2190750"/>
+            <a:ext cx="8208464" cy="2610000"/>
+          </a:xfrm>
+        </p:spPr>
+        <p:txBody>
+          <a:bodyPr numCol="1"/>
+          <a:lstStyle/>
+          <a:p>
+            <a:pPr marL="342900" indent="-342900">
+              <a:buFont typeface="Arial" panose="020B0604020202020204" pitchFamily="34" charset="0"/>
+              <a:buChar char="•"/>
+            </a:pPr>
+            <a:r>
+              <a:rPr lang="en-US" dirty="0"/>
+              <a:t>Manual by comparing NE with ground truth</a:t>
+            </a:r>
+          </a:p>
+          <a:p>
+            <a:pPr marL="342900" indent="-342900">
+              <a:buFont typeface="Arial" panose="020B0604020202020204" pitchFamily="34" charset="0"/>
+              <a:buChar char="•"/>
+            </a:pPr>
+            <a:r>
+              <a:rPr lang="en-US" dirty="0"/>
+              <a:t>Automatic evaluation using precision, recall and F1-score</a:t>
+            </a:r>
+          </a:p>
+          <a:p>
+            <a:pPr marL="1028683" lvl="1" indent="-342900"/>
+            <a:r>
+              <a:rPr lang="en-US" dirty="0"/>
+              <a:t>Precision: 0.37 (+/-) 0.17</a:t>
+            </a:r>
+          </a:p>
+          <a:p>
+            <a:pPr marL="1028683" lvl="1" indent="-342900"/>
+            <a:r>
+              <a:rPr lang="en-US" dirty="0"/>
+              <a:t>Recall: 0.33 (+/-) 0.21</a:t>
+            </a:r>
+          </a:p>
+          <a:p>
+            <a:pPr marL="1028683" lvl="1" indent="-342900"/>
+            <a:r>
+              <a:rPr lang="en-US" dirty="0"/>
+              <a:t>F1-Score: 0.3 (+/-) 0.09</a:t>
+            </a:r>
+          </a:p>
+          <a:p>
+            <a:pPr marL="342900" indent="-342900">
+              <a:buFont typeface="Arial" panose="020B0604020202020204" pitchFamily="34" charset="0"/>
+              <a:buChar char="•"/>
+            </a:pPr>
+            <a:r>
+              <a:rPr lang="en-US" dirty="0"/>
+              <a:t>Conclusion</a:t>
+            </a:r>
+          </a:p>
+          <a:p>
+            <a:pPr marL="1028683" lvl="1" indent="-342900"/>
+            <a:r>
+              <a:rPr lang="en-US" dirty="0"/>
+              <a:t>Training with large annotated corpus</a:t>
+            </a:r>
+          </a:p>
+          <a:p>
+            <a:pPr marL="1028683" lvl="1" indent="-342900"/>
+            <a:r>
+              <a:rPr lang="en-US" dirty="0"/>
+              <a:t>Difficulty with manually annotating data </a:t>
+            </a:r>
+          </a:p>
+          <a:p>
+            <a:pPr marL="342900" indent="-342900">
+              <a:buFont typeface="Arial" panose="020B0604020202020204" pitchFamily="34" charset="0"/>
+              <a:buChar char="•"/>
+            </a:pPr>
+            <a:endParaRPr lang="en-US" dirty="0"/>
+          </a:p>
+          <a:p>
+            <a:pPr marL="1028683" lvl="1" indent="-342900"/>
+            <a:endParaRPr lang="en-US" dirty="0"/>
+          </a:p>
+        </p:txBody>
+      </p:sp>
+      <p:sp>
+        <p:nvSpPr>
+          <p:cNvPr id="5" name="Textplatzhalter 4">
+            <a:extLst>
+              <a:ext uri="{FF2B5EF4-FFF2-40B4-BE49-F238E27FC236}">
+                <a16:creationId xmlns:a16="http://schemas.microsoft.com/office/drawing/2014/main" id="{69996356-855D-BEA7-9042-E31DBB1F84C4}"/>
+              </a:ext>
+            </a:extLst>
+          </p:cNvPr>
+          <p:cNvSpPr>
+            <a:spLocks noGrp="1"/>
+          </p:cNvSpPr>
+          <p:nvPr>
+            <p:ph type="body" sz="quarter" idx="20"/>
+          </p:nvPr>
+        </p:nvSpPr>
+        <p:spPr/>
+        <p:txBody>
+          <a:bodyPr/>
+          <a:lstStyle/>
+          <a:p>
+            <a:r>
+              <a:rPr lang="en-GB" dirty="0"/>
+              <a:t>Task 2</a:t>
+            </a:r>
+            <a:endParaRPr lang="de-CH" dirty="0"/>
+          </a:p>
+        </p:txBody>
+      </p:sp>
+      <p:sp>
+        <p:nvSpPr>
+          <p:cNvPr id="6" name="Titel 5">
+            <a:extLst>
+              <a:ext uri="{FF2B5EF4-FFF2-40B4-BE49-F238E27FC236}">
+                <a16:creationId xmlns:a16="http://schemas.microsoft.com/office/drawing/2014/main" id="{78FFCA5B-4105-6527-22ED-1C63D41F0290}"/>
+              </a:ext>
+            </a:extLst>
+          </p:cNvPr>
+          <p:cNvSpPr>
+            <a:spLocks noGrp="1"/>
+          </p:cNvSpPr>
+          <p:nvPr>
+            <p:ph type="title"/>
+          </p:nvPr>
+        </p:nvSpPr>
+        <p:spPr>
+          <a:xfrm>
+            <a:off x="540000" y="680400"/>
+            <a:ext cx="7020000" cy="410369"/>
+          </a:xfrm>
+        </p:spPr>
+        <p:txBody>
+          <a:bodyPr/>
+          <a:lstStyle/>
+          <a:p>
+            <a:r>
+              <a:rPr lang="de-CH" dirty="0"/>
+              <a:t>Evaluation</a:t>
             </a:r>
           </a:p>
         </p:txBody>
@@ -20871,7 +22295,7 @@
     </p:spTree>
     <p:extLst>
       <p:ext uri="{BB962C8B-B14F-4D97-AF65-F5344CB8AC3E}">
-        <p14:creationId xmlns:p14="http://schemas.microsoft.com/office/powerpoint/2010/main" val="3317007330"/>
+        <p14:creationId xmlns:p14="http://schemas.microsoft.com/office/powerpoint/2010/main" val="3738490548"/>
       </p:ext>
     </p:extLst>
   </p:cSld>

--- a/Interim_Project_Presentation_GroupC.pptx
+++ b/Interim_Project_Presentation_GroupC.pptx
@@ -11,22 +11,23 @@
     <p:sldMasterId id="2147483777" r:id="rId7"/>
   </p:sldMasterIdLst>
   <p:notesMasterIdLst>
-    <p:notesMasterId r:id="rId18"/>
+    <p:notesMasterId r:id="rId19"/>
   </p:notesMasterIdLst>
   <p:handoutMasterIdLst>
-    <p:handoutMasterId r:id="rId19"/>
+    <p:handoutMasterId r:id="rId20"/>
   </p:handoutMasterIdLst>
   <p:sldIdLst>
     <p:sldId id="257" r:id="rId8"/>
     <p:sldId id="351" r:id="rId9"/>
-    <p:sldId id="348" r:id="rId10"/>
-    <p:sldId id="358" r:id="rId11"/>
-    <p:sldId id="350" r:id="rId12"/>
-    <p:sldId id="349" r:id="rId13"/>
-    <p:sldId id="353" r:id="rId14"/>
-    <p:sldId id="354" r:id="rId15"/>
-    <p:sldId id="356" r:id="rId16"/>
-    <p:sldId id="355" r:id="rId17"/>
+    <p:sldId id="359" r:id="rId10"/>
+    <p:sldId id="348" r:id="rId11"/>
+    <p:sldId id="358" r:id="rId12"/>
+    <p:sldId id="350" r:id="rId13"/>
+    <p:sldId id="349" r:id="rId14"/>
+    <p:sldId id="353" r:id="rId15"/>
+    <p:sldId id="354" r:id="rId16"/>
+    <p:sldId id="356" r:id="rId17"/>
+    <p:sldId id="355" r:id="rId18"/>
   </p:sldIdLst>
   <p:sldSz cx="9144000" cy="5143500" type="screen16x9"/>
   <p:notesSz cx="6858000" cy="9144000"/>
@@ -3730,7 +3731,7 @@
           <a:p>
             <a:fld id="{A70AE70C-D509-4E4B-9352-79C3D11520D1}" type="datetimeFigureOut">
               <a:rPr lang="de-DE" smtClean="0"/>
-              <a:t>05.11.2023</a:t>
+              <a:t>06.11.2023</a:t>
             </a:fld>
             <a:endParaRPr lang="de-DE"/>
           </a:p>
@@ -3908,7 +3909,7 @@
           <a:p>
             <a:fld id="{B77602DA-7CEE-4298-AF4B-1C87D65BAB06}" type="datetimeFigureOut">
               <a:rPr lang="de-CH" smtClean="0"/>
-              <a:t>05.11.2023</a:t>
+              <a:t>06.11.2023</a:t>
             </a:fld>
             <a:endParaRPr lang="de-CH" dirty="0"/>
           </a:p>
@@ -4351,157 +4352,6 @@
           <a:bodyPr/>
           <a:lstStyle/>
           <a:p>
-            <a:r>
-              <a:rPr lang="de-CH" dirty="0" err="1"/>
-              <a:t>Filtering</a:t>
-            </a:r>
-            <a:r>
-              <a:rPr lang="de-CH" dirty="0"/>
-              <a:t>: </a:t>
-            </a:r>
-            <a:r>
-              <a:rPr lang="de-CH" dirty="0" err="1"/>
-              <a:t>removes</a:t>
-            </a:r>
-            <a:r>
-              <a:rPr lang="de-CH" dirty="0"/>
-              <a:t> </a:t>
-            </a:r>
-            <a:r>
-              <a:rPr lang="de-CH" dirty="0" err="1"/>
-              <a:t>stopwords</a:t>
-            </a:r>
-            <a:r>
-              <a:rPr lang="de-CH" dirty="0"/>
-              <a:t> -&gt; not </a:t>
-            </a:r>
-            <a:r>
-              <a:rPr lang="de-CH" dirty="0" err="1"/>
-              <a:t>filtered</a:t>
-            </a:r>
-            <a:r>
-              <a:rPr lang="de-CH" dirty="0"/>
-              <a:t>, </a:t>
-            </a:r>
-            <a:r>
-              <a:rPr lang="de-CH" dirty="0" err="1"/>
-              <a:t>some</a:t>
-            </a:r>
-            <a:r>
-              <a:rPr lang="de-CH" dirty="0"/>
-              <a:t> </a:t>
-            </a:r>
-            <a:r>
-              <a:rPr lang="de-CH" dirty="0" err="1"/>
-              <a:t>variants</a:t>
-            </a:r>
-            <a:r>
-              <a:rPr lang="de-CH" dirty="0"/>
-              <a:t> of </a:t>
-            </a:r>
-            <a:r>
-              <a:rPr lang="de-CH" dirty="0" err="1"/>
-              <a:t>stopwords</a:t>
-            </a:r>
-            <a:r>
-              <a:rPr lang="de-CH" dirty="0"/>
-              <a:t> still </a:t>
-            </a:r>
-            <a:r>
-              <a:rPr lang="de-CH" dirty="0" err="1"/>
-              <a:t>there</a:t>
-            </a:r>
-            <a:endParaRPr lang="de-CH" dirty="0"/>
-          </a:p>
-          <a:p>
-            <a:r>
-              <a:rPr lang="de-CH" dirty="0" err="1"/>
-              <a:t>Normalization</a:t>
-            </a:r>
-            <a:r>
-              <a:rPr lang="de-CH" dirty="0"/>
-              <a:t>: all to </a:t>
-            </a:r>
-            <a:r>
-              <a:rPr lang="de-CH" dirty="0" err="1"/>
-              <a:t>lowercase</a:t>
-            </a:r>
-            <a:r>
-              <a:rPr lang="de-CH" dirty="0"/>
-              <a:t>, </a:t>
-            </a:r>
-            <a:r>
-              <a:rPr lang="de-CH" dirty="0" err="1"/>
-              <a:t>lemmatization</a:t>
-            </a:r>
-            <a:r>
-              <a:rPr lang="de-CH" dirty="0"/>
-              <a:t> -&gt; </a:t>
-            </a:r>
-            <a:r>
-              <a:rPr lang="de-CH" dirty="0" err="1"/>
-              <a:t>some</a:t>
-            </a:r>
-            <a:r>
-              <a:rPr lang="de-CH" dirty="0"/>
-              <a:t> </a:t>
-            </a:r>
-            <a:r>
-              <a:rPr lang="de-CH" dirty="0" err="1"/>
-              <a:t>words</a:t>
-            </a:r>
-            <a:r>
-              <a:rPr lang="de-CH" dirty="0"/>
-              <a:t> get </a:t>
-            </a:r>
-            <a:r>
-              <a:rPr lang="de-CH" dirty="0" err="1"/>
-              <a:t>lemmatized</a:t>
-            </a:r>
-            <a:r>
-              <a:rPr lang="de-CH" dirty="0"/>
-              <a:t> to </a:t>
-            </a:r>
-            <a:r>
-              <a:rPr lang="de-CH" dirty="0" err="1"/>
-              <a:t>something</a:t>
-            </a:r>
-            <a:r>
-              <a:rPr lang="de-CH" dirty="0"/>
-              <a:t> non-</a:t>
-            </a:r>
-            <a:r>
-              <a:rPr lang="de-CH" dirty="0" err="1"/>
-              <a:t>meaningful</a:t>
-            </a:r>
-            <a:r>
-              <a:rPr lang="de-CH" dirty="0"/>
-              <a:t> (</a:t>
-            </a:r>
-            <a:r>
-              <a:rPr lang="de-CH" dirty="0" err="1"/>
-              <a:t>eg</a:t>
-            </a:r>
-            <a:r>
-              <a:rPr lang="de-CH" dirty="0"/>
-              <a:t> was -&gt; wa </a:t>
-            </a:r>
-            <a:r>
-              <a:rPr lang="de-CH" dirty="0" err="1"/>
-              <a:t>instead</a:t>
-            </a:r>
-            <a:r>
-              <a:rPr lang="de-CH" dirty="0"/>
-              <a:t> of </a:t>
-            </a:r>
-            <a:r>
-              <a:rPr lang="de-CH" dirty="0" err="1"/>
-              <a:t>be</a:t>
-            </a:r>
-            <a:r>
-              <a:rPr lang="de-CH" dirty="0"/>
-              <a:t>)</a:t>
-            </a:r>
             <a:endParaRPr lang="en-US" dirty="0"/>
           </a:p>
         </p:txBody>
@@ -4551,7 +4401,7 @@
     </p:spTree>
     <p:extLst>
       <p:ext uri="{BB962C8B-B14F-4D97-AF65-F5344CB8AC3E}">
-        <p14:creationId xmlns:p14="http://schemas.microsoft.com/office/powerpoint/2010/main" val="2223489488"/>
+        <p14:creationId xmlns:p14="http://schemas.microsoft.com/office/powerpoint/2010/main" val="1321416183"/>
       </p:ext>
     </p:extLst>
   </p:cSld>
@@ -4606,12 +4456,16 @@
           <a:lstStyle/>
           <a:p>
             <a:r>
+              <a:rPr lang="de-CH" dirty="0" err="1"/>
+              <a:t>Filtering</a:t>
+            </a:r>
+            <a:r>
               <a:rPr lang="de-CH" dirty="0"/>
-              <a:t>Most </a:t>
+              <a:t>: </a:t>
             </a:r>
             <a:r>
               <a:rPr lang="de-CH" dirty="0" err="1"/>
-              <a:t>common</a:t>
+              <a:t>removes</a:t>
             </a:r>
             <a:r>
               <a:rPr lang="de-CH" dirty="0"/>
@@ -4619,7 +4473,23 @@
             </a:r>
             <a:r>
               <a:rPr lang="de-CH" dirty="0" err="1"/>
-              <a:t>words</a:t>
+              <a:t>stopwords</a:t>
+            </a:r>
+            <a:r>
+              <a:rPr lang="de-CH" dirty="0"/>
+              <a:t> -&gt; not </a:t>
+            </a:r>
+            <a:r>
+              <a:rPr lang="de-CH" dirty="0" err="1"/>
+              <a:t>filtered</a:t>
+            </a:r>
+            <a:r>
+              <a:rPr lang="de-CH" dirty="0"/>
+              <a:t>, </a:t>
+            </a:r>
+            <a:r>
+              <a:rPr lang="de-CH" dirty="0" err="1"/>
+              <a:t>some</a:t>
             </a:r>
             <a:r>
               <a:rPr lang="de-CH" dirty="0"/>
@@ -4627,15 +4497,46 @@
             </a:r>
             <a:r>
               <a:rPr lang="de-CH" dirty="0" err="1"/>
-              <a:t>are</a:t>
+              <a:t>variants</a:t>
             </a:r>
             <a:r>
               <a:rPr lang="de-CH" dirty="0"/>
-              <a:t> same in all </a:t>
+              <a:t> of </a:t>
             </a:r>
             <a:r>
               <a:rPr lang="de-CH" dirty="0" err="1"/>
-              <a:t>classes</a:t>
+              <a:t>stopwords</a:t>
+            </a:r>
+            <a:r>
+              <a:rPr lang="de-CH" dirty="0"/>
+              <a:t> still </a:t>
+            </a:r>
+            <a:r>
+              <a:rPr lang="de-CH" dirty="0" err="1"/>
+              <a:t>there</a:t>
+            </a:r>
+            <a:endParaRPr lang="de-CH" dirty="0"/>
+          </a:p>
+          <a:p>
+            <a:r>
+              <a:rPr lang="de-CH" dirty="0" err="1"/>
+              <a:t>Normalization</a:t>
+            </a:r>
+            <a:r>
+              <a:rPr lang="de-CH" dirty="0"/>
+              <a:t>: all to </a:t>
+            </a:r>
+            <a:r>
+              <a:rPr lang="de-CH" dirty="0" err="1"/>
+              <a:t>lowercase</a:t>
+            </a:r>
+            <a:r>
+              <a:rPr lang="de-CH" dirty="0"/>
+              <a:t>, </a:t>
+            </a:r>
+            <a:r>
+              <a:rPr lang="de-CH" dirty="0" err="1"/>
+              <a:t>lemmatization</a:t>
             </a:r>
             <a:r>
               <a:rPr lang="de-CH" dirty="0"/>
@@ -4643,7 +4544,7 @@
             </a:r>
             <a:r>
               <a:rPr lang="de-CH" dirty="0" err="1"/>
-              <a:t>medical</a:t>
+              <a:t>some</a:t>
             </a:r>
             <a:r>
               <a:rPr lang="de-CH" dirty="0"/>
@@ -4651,114 +4552,59 @@
             </a:r>
             <a:r>
               <a:rPr lang="de-CH" dirty="0" err="1"/>
-              <a:t>data</a:t>
+              <a:t>words</a:t>
             </a:r>
             <a:r>
               <a:rPr lang="de-CH" dirty="0"/>
-              <a:t>; </a:t>
+              <a:t> get </a:t>
             </a:r>
             <a:r>
               <a:rPr lang="de-CH" dirty="0" err="1"/>
-              <a:t>patient</a:t>
+              <a:t>lemmatized</a:t>
             </a:r>
             <a:r>
               <a:rPr lang="de-CH" dirty="0"/>
-              <a:t> </a:t>
+              <a:t> to </a:t>
             </a:r>
             <a:r>
               <a:rPr lang="de-CH" dirty="0" err="1"/>
-              <a:t>is</a:t>
+              <a:t>something</a:t>
             </a:r>
             <a:r>
               <a:rPr lang="de-CH" dirty="0"/>
-              <a:t> </a:t>
+              <a:t> non-</a:t>
             </a:r>
             <a:r>
               <a:rPr lang="de-CH" dirty="0" err="1"/>
-              <a:t>second</a:t>
+              <a:t>meaningful</a:t>
             </a:r>
             <a:r>
               <a:rPr lang="de-CH" dirty="0"/>
-              <a:t> </a:t>
+              <a:t> (</a:t>
             </a:r>
             <a:r>
               <a:rPr lang="de-CH" dirty="0" err="1"/>
-              <a:t>most</a:t>
+              <a:t>eg</a:t>
             </a:r>
             <a:r>
               <a:rPr lang="de-CH" dirty="0"/>
-              <a:t> </a:t>
+              <a:t> was -&gt; wa </a:t>
             </a:r>
             <a:r>
               <a:rPr lang="de-CH" dirty="0" err="1"/>
-              <a:t>common</a:t>
+              <a:t>instead</a:t>
             </a:r>
             <a:r>
               <a:rPr lang="de-CH" dirty="0"/>
-              <a:t> </a:t>
+              <a:t> of </a:t>
             </a:r>
             <a:r>
               <a:rPr lang="de-CH" dirty="0" err="1"/>
-              <a:t>word</a:t>
-            </a:r>
-            <a:endParaRPr lang="de-CH" dirty="0"/>
-          </a:p>
-          <a:p>
+              <a:t>be</a:t>
+            </a:r>
             <a:r>
               <a:rPr lang="de-CH" dirty="0"/>
-              <a:t>More </a:t>
-            </a:r>
-            <a:r>
-              <a:rPr lang="de-CH" dirty="0" err="1"/>
-              <a:t>specific</a:t>
-            </a:r>
-            <a:r>
-              <a:rPr lang="de-CH" dirty="0"/>
-              <a:t>, such </a:t>
-            </a:r>
-            <a:r>
-              <a:rPr lang="de-CH" dirty="0" err="1"/>
-              <a:t>as</a:t>
-            </a:r>
-            <a:r>
-              <a:rPr lang="de-CH" dirty="0"/>
-              <a:t> </a:t>
-            </a:r>
-            <a:r>
-              <a:rPr lang="de-CH" dirty="0" err="1"/>
-              <a:t>skin</a:t>
-            </a:r>
-            <a:r>
-              <a:rPr lang="de-CH" dirty="0"/>
-              <a:t>, </a:t>
-            </a:r>
-            <a:r>
-              <a:rPr lang="de-CH" dirty="0" err="1"/>
-              <a:t>abdomen</a:t>
-            </a:r>
-            <a:r>
-              <a:rPr lang="de-CH" dirty="0"/>
-              <a:t> -&gt; not all </a:t>
-            </a:r>
-            <a:r>
-              <a:rPr lang="de-CH" dirty="0" err="1"/>
-              <a:t>texts</a:t>
-            </a:r>
-            <a:r>
-              <a:rPr lang="de-CH" dirty="0"/>
-              <a:t> same </a:t>
-            </a:r>
-            <a:r>
-              <a:rPr lang="de-CH" dirty="0" err="1"/>
-              <a:t>medical</a:t>
-            </a:r>
-            <a:r>
-              <a:rPr lang="de-CH" dirty="0"/>
-              <a:t> </a:t>
-            </a:r>
-            <a:r>
-              <a:rPr lang="de-CH" dirty="0" err="1"/>
-              <a:t>topic</a:t>
+              <a:t>)</a:t>
             </a:r>
             <a:endParaRPr lang="en-US" dirty="0"/>
           </a:p>
@@ -4809,7 +4655,7 @@
     </p:spTree>
     <p:extLst>
       <p:ext uri="{BB962C8B-B14F-4D97-AF65-F5344CB8AC3E}">
-        <p14:creationId xmlns:p14="http://schemas.microsoft.com/office/powerpoint/2010/main" val="2133863303"/>
+        <p14:creationId xmlns:p14="http://schemas.microsoft.com/office/powerpoint/2010/main" val="2223489488"/>
       </p:ext>
     </p:extLst>
   </p:cSld>
@@ -4863,34 +4709,162 @@
           <a:bodyPr/>
           <a:lstStyle/>
           <a:p>
-            <a:pPr marL="0" marR="0" lvl="0" indent="0" algn="l" defTabSz="914400" rtl="0" eaLnBrk="1" fontAlgn="auto" latinLnBrk="0" hangingPunct="1">
-              <a:lnSpc>
-                <a:spcPct val="100000"/>
-              </a:lnSpc>
-              <a:spcBef>
-                <a:spcPts val="0"/>
-              </a:spcBef>
-              <a:spcAft>
-                <a:spcPts val="0"/>
-              </a:spcAft>
-              <a:buClrTx/>
-              <a:buSzTx/>
-              <a:buFontTx/>
-              <a:buNone/>
-              <a:tabLst/>
-              <a:defRPr/>
-            </a:pPr>
-            <a:r>
-              <a:rPr lang="en-US" sz="1200" dirty="0">
-                <a:effectLst/>
-                <a:latin typeface="Arial" panose="020B0604020202020204" pitchFamily="34" charset="0"/>
-                <a:ea typeface="Calibri" panose="020F0502020204030204" pitchFamily="34" charset="0"/>
-              </a:rPr>
-              <a:t>It is a team of 14 people, which have different projects mainly focused on colon cancer. </a:t>
-            </a:r>
-          </a:p>
-          <a:p>
-            <a:endParaRPr lang="en-GB" dirty="0"/>
+            <a:r>
+              <a:rPr lang="de-CH" dirty="0"/>
+              <a:t>Most </a:t>
+            </a:r>
+            <a:r>
+              <a:rPr lang="de-CH" dirty="0" err="1"/>
+              <a:t>common</a:t>
+            </a:r>
+            <a:r>
+              <a:rPr lang="de-CH" dirty="0"/>
+              <a:t> </a:t>
+            </a:r>
+            <a:r>
+              <a:rPr lang="de-CH" dirty="0" err="1"/>
+              <a:t>words</a:t>
+            </a:r>
+            <a:r>
+              <a:rPr lang="de-CH" dirty="0"/>
+              <a:t> </a:t>
+            </a:r>
+            <a:r>
+              <a:rPr lang="de-CH" dirty="0" err="1"/>
+              <a:t>are</a:t>
+            </a:r>
+            <a:r>
+              <a:rPr lang="de-CH" dirty="0"/>
+              <a:t> same in all </a:t>
+            </a:r>
+            <a:r>
+              <a:rPr lang="de-CH" dirty="0" err="1"/>
+              <a:t>classes</a:t>
+            </a:r>
+            <a:r>
+              <a:rPr lang="de-CH" dirty="0"/>
+              <a:t> -&gt; </a:t>
+            </a:r>
+            <a:r>
+              <a:rPr lang="de-CH" dirty="0" err="1"/>
+              <a:t>medical</a:t>
+            </a:r>
+            <a:r>
+              <a:rPr lang="de-CH" dirty="0"/>
+              <a:t> </a:t>
+            </a:r>
+            <a:r>
+              <a:rPr lang="de-CH" dirty="0" err="1"/>
+              <a:t>data</a:t>
+            </a:r>
+            <a:r>
+              <a:rPr lang="de-CH" dirty="0"/>
+              <a:t>; </a:t>
+            </a:r>
+            <a:r>
+              <a:rPr lang="de-CH" dirty="0" err="1"/>
+              <a:t>patient</a:t>
+            </a:r>
+            <a:r>
+              <a:rPr lang="de-CH" dirty="0"/>
+              <a:t> </a:t>
+            </a:r>
+            <a:r>
+              <a:rPr lang="de-CH" dirty="0" err="1"/>
+              <a:t>is</a:t>
+            </a:r>
+            <a:r>
+              <a:rPr lang="de-CH" dirty="0"/>
+              <a:t> </a:t>
+            </a:r>
+            <a:r>
+              <a:rPr lang="de-CH" dirty="0" err="1"/>
+              <a:t>second</a:t>
+            </a:r>
+            <a:r>
+              <a:rPr lang="de-CH" dirty="0"/>
+              <a:t> </a:t>
+            </a:r>
+            <a:r>
+              <a:rPr lang="de-CH" dirty="0" err="1"/>
+              <a:t>most</a:t>
+            </a:r>
+            <a:r>
+              <a:rPr lang="de-CH" dirty="0"/>
+              <a:t> </a:t>
+            </a:r>
+            <a:r>
+              <a:rPr lang="de-CH" dirty="0" err="1"/>
+              <a:t>common</a:t>
+            </a:r>
+            <a:r>
+              <a:rPr lang="de-CH" dirty="0"/>
+              <a:t> </a:t>
+            </a:r>
+            <a:r>
+              <a:rPr lang="de-CH" dirty="0" err="1"/>
+              <a:t>word</a:t>
+            </a:r>
+            <a:endParaRPr lang="de-CH" dirty="0"/>
+          </a:p>
+          <a:p>
+            <a:r>
+              <a:rPr lang="de-CH" dirty="0"/>
+              <a:t>More </a:t>
+            </a:r>
+            <a:r>
+              <a:rPr lang="de-CH" dirty="0" err="1"/>
+              <a:t>specific</a:t>
+            </a:r>
+            <a:r>
+              <a:rPr lang="de-CH" dirty="0"/>
+              <a:t>, such </a:t>
+            </a:r>
+            <a:r>
+              <a:rPr lang="de-CH" dirty="0" err="1"/>
+              <a:t>as</a:t>
+            </a:r>
+            <a:r>
+              <a:rPr lang="de-CH" dirty="0"/>
+              <a:t> </a:t>
+            </a:r>
+            <a:r>
+              <a:rPr lang="de-CH" dirty="0" err="1"/>
+              <a:t>skin</a:t>
+            </a:r>
+            <a:r>
+              <a:rPr lang="de-CH" dirty="0"/>
+              <a:t>, </a:t>
+            </a:r>
+            <a:r>
+              <a:rPr lang="de-CH" dirty="0" err="1"/>
+              <a:t>abdomen</a:t>
+            </a:r>
+            <a:r>
+              <a:rPr lang="de-CH" dirty="0"/>
+              <a:t> -&gt; not all </a:t>
+            </a:r>
+            <a:r>
+              <a:rPr lang="de-CH" dirty="0" err="1"/>
+              <a:t>texts</a:t>
+            </a:r>
+            <a:r>
+              <a:rPr lang="de-CH" dirty="0"/>
+              <a:t> same </a:t>
+            </a:r>
+            <a:r>
+              <a:rPr lang="de-CH" dirty="0" err="1"/>
+              <a:t>medical</a:t>
+            </a:r>
+            <a:r>
+              <a:rPr lang="de-CH" dirty="0"/>
+              <a:t> </a:t>
+            </a:r>
+            <a:r>
+              <a:rPr lang="de-CH" dirty="0" err="1"/>
+              <a:t>topic</a:t>
+            </a:r>
+            <a:endParaRPr lang="en-US" dirty="0"/>
           </a:p>
         </p:txBody>
       </p:sp>
@@ -4939,7 +4913,7 @@
     </p:spTree>
     <p:extLst>
       <p:ext uri="{BB962C8B-B14F-4D97-AF65-F5344CB8AC3E}">
-        <p14:creationId xmlns:p14="http://schemas.microsoft.com/office/powerpoint/2010/main" val="2125875278"/>
+        <p14:creationId xmlns:p14="http://schemas.microsoft.com/office/powerpoint/2010/main" val="2133863303"/>
       </p:ext>
     </p:extLst>
   </p:cSld>
@@ -4993,7 +4967,34 @@
           <a:bodyPr/>
           <a:lstStyle/>
           <a:p>
-            <a:endParaRPr lang="en-US" dirty="0"/>
+            <a:pPr marL="0" marR="0" lvl="0" indent="0" algn="l" defTabSz="914400" rtl="0" eaLnBrk="1" fontAlgn="auto" latinLnBrk="0" hangingPunct="1">
+              <a:lnSpc>
+                <a:spcPct val="100000"/>
+              </a:lnSpc>
+              <a:spcBef>
+                <a:spcPts val="0"/>
+              </a:spcBef>
+              <a:spcAft>
+                <a:spcPts val="0"/>
+              </a:spcAft>
+              <a:buClrTx/>
+              <a:buSzTx/>
+              <a:buFontTx/>
+              <a:buNone/>
+              <a:tabLst/>
+              <a:defRPr/>
+            </a:pPr>
+            <a:r>
+              <a:rPr lang="en-US" sz="1200" dirty="0">
+                <a:effectLst/>
+                <a:latin typeface="Arial" panose="020B0604020202020204" pitchFamily="34" charset="0"/>
+                <a:ea typeface="Calibri" panose="020F0502020204030204" pitchFamily="34" charset="0"/>
+              </a:rPr>
+              <a:t>It is a team of 14 people, which have different projects mainly focused on colon cancer. </a:t>
+            </a:r>
+          </a:p>
+          <a:p>
+            <a:endParaRPr lang="en-GB" dirty="0"/>
           </a:p>
         </p:txBody>
       </p:sp>
@@ -5042,7 +5043,7 @@
     </p:spTree>
     <p:extLst>
       <p:ext uri="{BB962C8B-B14F-4D97-AF65-F5344CB8AC3E}">
-        <p14:creationId xmlns:p14="http://schemas.microsoft.com/office/powerpoint/2010/main" val="2716357668"/>
+        <p14:creationId xmlns:p14="http://schemas.microsoft.com/office/powerpoint/2010/main" val="2125875278"/>
       </p:ext>
     </p:extLst>
   </p:cSld>
@@ -5096,58 +5097,7 @@
           <a:bodyPr/>
           <a:lstStyle/>
           <a:p>
-            <a:pPr marL="0" marR="0" lvl="0" indent="0" algn="l" defTabSz="914400" rtl="0" eaLnBrk="1" fontAlgn="auto" latinLnBrk="0" hangingPunct="1">
-              <a:lnSpc>
-                <a:spcPct val="100000"/>
-              </a:lnSpc>
-              <a:spcBef>
-                <a:spcPts val="0"/>
-              </a:spcBef>
-              <a:spcAft>
-                <a:spcPts val="0"/>
-              </a:spcAft>
-              <a:buClrTx/>
-              <a:buSzTx/>
-              <a:buFontTx/>
-              <a:buNone/>
-              <a:tabLst/>
-              <a:defRPr/>
-            </a:pPr>
-            <a:r>
-              <a:rPr lang="en-US" dirty="0"/>
-              <a:t>Wrong classifications</a:t>
-            </a:r>
-          </a:p>
-          <a:p>
-            <a:pPr marL="0" marR="0" lvl="0" indent="0" algn="l" defTabSz="914400" rtl="0" eaLnBrk="1" fontAlgn="auto" latinLnBrk="0" hangingPunct="1">
-              <a:lnSpc>
-                <a:spcPct val="100000"/>
-              </a:lnSpc>
-              <a:spcBef>
-                <a:spcPts val="0"/>
-              </a:spcBef>
-              <a:spcAft>
-                <a:spcPts val="0"/>
-              </a:spcAft>
-              <a:buClrTx/>
-              <a:buSzTx/>
-              <a:buFontTx/>
-              <a:buNone/>
-              <a:tabLst/>
-              <a:defRPr/>
-            </a:pPr>
-            <a:r>
-              <a:rPr lang="en-US" dirty="0"/>
-              <a:t>Also: concurrent classification between 2 models (</a:t>
-            </a:r>
-            <a:r>
-              <a:rPr lang="en-US" dirty="0" err="1"/>
-              <a:t>eg</a:t>
-            </a:r>
-            <a:r>
-              <a:rPr lang="en-US" dirty="0"/>
-              <a:t> 2 -&gt; cardinal /dosage)</a:t>
-            </a:r>
+            <a:endParaRPr lang="en-US" dirty="0"/>
           </a:p>
         </p:txBody>
       </p:sp>
@@ -5187,7 +5137,7 @@
           <a:p>
             <a:fld id="{B2B24C57-7758-4EF8-8A0E-FE171C8C1817}" type="slidenum">
               <a:rPr lang="de-CH" smtClean="0"/>
-              <a:t>8</a:t>
+              <a:t>7</a:t>
             </a:fld>
             <a:endParaRPr lang="de-CH" dirty="0"/>
           </a:p>
@@ -5196,7 +5146,7 @@
     </p:spTree>
     <p:extLst>
       <p:ext uri="{BB962C8B-B14F-4D97-AF65-F5344CB8AC3E}">
-        <p14:creationId xmlns:p14="http://schemas.microsoft.com/office/powerpoint/2010/main" val="3190851069"/>
+        <p14:creationId xmlns:p14="http://schemas.microsoft.com/office/powerpoint/2010/main" val="2716357668"/>
       </p:ext>
     </p:extLst>
   </p:cSld>
@@ -5250,7 +5200,58 @@
           <a:bodyPr/>
           <a:lstStyle/>
           <a:p>
-            <a:endParaRPr lang="en-US" dirty="0"/>
+            <a:pPr marL="0" marR="0" lvl="0" indent="0" algn="l" defTabSz="914400" rtl="0" eaLnBrk="1" fontAlgn="auto" latinLnBrk="0" hangingPunct="1">
+              <a:lnSpc>
+                <a:spcPct val="100000"/>
+              </a:lnSpc>
+              <a:spcBef>
+                <a:spcPts val="0"/>
+              </a:spcBef>
+              <a:spcAft>
+                <a:spcPts val="0"/>
+              </a:spcAft>
+              <a:buClrTx/>
+              <a:buSzTx/>
+              <a:buFontTx/>
+              <a:buNone/>
+              <a:tabLst/>
+              <a:defRPr/>
+            </a:pPr>
+            <a:r>
+              <a:rPr lang="en-US" dirty="0"/>
+              <a:t>Wrong classifications</a:t>
+            </a:r>
+          </a:p>
+          <a:p>
+            <a:pPr marL="0" marR="0" lvl="0" indent="0" algn="l" defTabSz="914400" rtl="0" eaLnBrk="1" fontAlgn="auto" latinLnBrk="0" hangingPunct="1">
+              <a:lnSpc>
+                <a:spcPct val="100000"/>
+              </a:lnSpc>
+              <a:spcBef>
+                <a:spcPts val="0"/>
+              </a:spcBef>
+              <a:spcAft>
+                <a:spcPts val="0"/>
+              </a:spcAft>
+              <a:buClrTx/>
+              <a:buSzTx/>
+              <a:buFontTx/>
+              <a:buNone/>
+              <a:tabLst/>
+              <a:defRPr/>
+            </a:pPr>
+            <a:r>
+              <a:rPr lang="en-US" dirty="0"/>
+              <a:t>Also: concurrent classification between 2 models (</a:t>
+            </a:r>
+            <a:r>
+              <a:rPr lang="en-US" dirty="0" err="1"/>
+              <a:t>eg</a:t>
+            </a:r>
+            <a:r>
+              <a:rPr lang="en-US" dirty="0"/>
+              <a:t> 2 -&gt; cardinal /dosage)</a:t>
+            </a:r>
           </a:p>
         </p:txBody>
       </p:sp>
@@ -5299,7 +5300,7 @@
     </p:spTree>
     <p:extLst>
       <p:ext uri="{BB962C8B-B14F-4D97-AF65-F5344CB8AC3E}">
-        <p14:creationId xmlns:p14="http://schemas.microsoft.com/office/powerpoint/2010/main" val="2444938660"/>
+        <p14:creationId xmlns:p14="http://schemas.microsoft.com/office/powerpoint/2010/main" val="3190851069"/>
       </p:ext>
     </p:extLst>
   </p:cSld>
@@ -5353,145 +5354,6 @@
           <a:bodyPr/>
           <a:lstStyle/>
           <a:p>
-            <a:r>
-              <a:rPr lang="de-CH" dirty="0"/>
-              <a:t>Skip </a:t>
-            </a:r>
-            <a:r>
-              <a:rPr lang="de-CH" dirty="0" err="1"/>
-              <a:t>if</a:t>
-            </a:r>
-            <a:r>
-              <a:rPr lang="de-CH" dirty="0"/>
-              <a:t> </a:t>
-            </a:r>
-            <a:r>
-              <a:rPr lang="de-CH" dirty="0" err="1"/>
-              <a:t>overtime</a:t>
-            </a:r>
-            <a:endParaRPr lang="de-CH" dirty="0"/>
-          </a:p>
-          <a:p>
-            <a:r>
-              <a:rPr lang="en-US" b="0" dirty="0">
-                <a:solidFill>
-                  <a:srgbClr val="CCCCCC"/>
-                </a:solidFill>
-                <a:effectLst/>
-                <a:latin typeface="Consolas" panose="020B0609020204030204" pitchFamily="49" charset="0"/>
-              </a:rPr>
-              <a:t>improve the understanding of texts </a:t>
-            </a:r>
-          </a:p>
-          <a:p>
-            <a:r>
-              <a:rPr lang="en-US" b="0" dirty="0">
-                <a:solidFill>
-                  <a:srgbClr val="CCCCCC"/>
-                </a:solidFill>
-                <a:effectLst/>
-                <a:latin typeface="Consolas" panose="020B0609020204030204" pitchFamily="49" charset="0"/>
-              </a:rPr>
-              <a:t>enable more advanced processing of text. </a:t>
-            </a:r>
-          </a:p>
-          <a:p>
-            <a:br>
-              <a:rPr lang="en-US" b="0" dirty="0">
-                <a:solidFill>
-                  <a:srgbClr val="CCCCCC"/>
-                </a:solidFill>
-                <a:effectLst/>
-                <a:latin typeface="Consolas" panose="020B0609020204030204" pitchFamily="49" charset="0"/>
-              </a:rPr>
-            </a:br>
-            <a:r>
-              <a:rPr lang="en-US" b="0" dirty="0">
-                <a:solidFill>
-                  <a:srgbClr val="CCCCCC"/>
-                </a:solidFill>
-                <a:effectLst/>
-                <a:latin typeface="Consolas" panose="020B0609020204030204" pitchFamily="49" charset="0"/>
-              </a:rPr>
-              <a:t>1. **Information Extraction**: NER can identify and classify entities, such as people, organizations, locations, dates, and more. This information is crucial for extracting structured data from unstructured text (legal documents, forms, news).</a:t>
-            </a:r>
-          </a:p>
-          <a:p>
-            <a:br>
-              <a:rPr lang="en-US" b="0" dirty="0">
-                <a:solidFill>
-                  <a:srgbClr val="CCCCCC"/>
-                </a:solidFill>
-                <a:effectLst/>
-                <a:latin typeface="Consolas" panose="020B0609020204030204" pitchFamily="49" charset="0"/>
-              </a:rPr>
-            </a:br>
-            <a:r>
-              <a:rPr lang="en-US" b="0" dirty="0">
-                <a:solidFill>
-                  <a:srgbClr val="CCCCCC"/>
-                </a:solidFill>
-                <a:effectLst/>
-                <a:latin typeface="Consolas" panose="020B0609020204030204" pitchFamily="49" charset="0"/>
-              </a:rPr>
-              <a:t>2. **Sentiment Analysis**: identifying that a positive sentiment is expressed towards a particular brand or product in customer reviews can be valuable for businesses.</a:t>
-            </a:r>
-          </a:p>
-          <a:p>
-            <a:br>
-              <a:rPr lang="en-US" b="0" dirty="0">
-                <a:solidFill>
-                  <a:srgbClr val="CCCCCC"/>
-                </a:solidFill>
-                <a:effectLst/>
-                <a:latin typeface="Consolas" panose="020B0609020204030204" pitchFamily="49" charset="0"/>
-              </a:rPr>
-            </a:br>
-            <a:r>
-              <a:rPr lang="en-US" b="0" dirty="0">
-                <a:solidFill>
-                  <a:srgbClr val="CCCCCC"/>
-                </a:solidFill>
-                <a:effectLst/>
-                <a:latin typeface="Consolas" panose="020B0609020204030204" pitchFamily="49" charset="0"/>
-              </a:rPr>
-              <a:t>3. **Question Answering**: NER can assist in locating entities within a text that are relevant to user queries.</a:t>
-            </a:r>
-          </a:p>
-          <a:p>
-            <a:br>
-              <a:rPr lang="en-US" b="0" dirty="0">
-                <a:solidFill>
-                  <a:srgbClr val="CCCCCC"/>
-                </a:solidFill>
-                <a:effectLst/>
-                <a:latin typeface="Consolas" panose="020B0609020204030204" pitchFamily="49" charset="0"/>
-              </a:rPr>
-            </a:br>
-            <a:r>
-              <a:rPr lang="en-US" b="0" dirty="0">
-                <a:solidFill>
-                  <a:srgbClr val="CCCCCC"/>
-                </a:solidFill>
-                <a:effectLst/>
-                <a:latin typeface="Consolas" panose="020B0609020204030204" pitchFamily="49" charset="0"/>
-              </a:rPr>
-              <a:t>4. **Machine Translation**: NER can help identify and preserve the entities during the translation process, ensuring that names, places, and other important entities remain consistent across languages.</a:t>
-            </a:r>
-          </a:p>
-          <a:p>
-            <a:r>
-              <a:rPr lang="en-US" b="0" dirty="0">
-                <a:solidFill>
-                  <a:srgbClr val="CCCCCC"/>
-                </a:solidFill>
-                <a:effectLst/>
-                <a:latin typeface="Consolas" panose="020B0609020204030204" pitchFamily="49" charset="0"/>
-              </a:rPr>
-              <a:t> NER can help identify sensitive information, such as personal names, addresses, or credit card numbers, and facilitate data protection measures.</a:t>
-            </a:r>
-          </a:p>
-          <a:p>
             <a:endParaRPr lang="en-US" dirty="0"/>
           </a:p>
         </p:txBody>
@@ -5533,6 +5395,248 @@
             <a:fld id="{B2B24C57-7758-4EF8-8A0E-FE171C8C1817}" type="slidenum">
               <a:rPr lang="de-CH" smtClean="0"/>
               <a:t>10</a:t>
+            </a:fld>
+            <a:endParaRPr lang="de-CH" dirty="0"/>
+          </a:p>
+        </p:txBody>
+      </p:sp>
+    </p:spTree>
+    <p:extLst>
+      <p:ext uri="{BB962C8B-B14F-4D97-AF65-F5344CB8AC3E}">
+        <p14:creationId xmlns:p14="http://schemas.microsoft.com/office/powerpoint/2010/main" val="2444938660"/>
+      </p:ext>
+    </p:extLst>
+  </p:cSld>
+  <p:clrMapOvr>
+    <a:masterClrMapping/>
+  </p:clrMapOvr>
+</p:notes>
+</file>
+
+<file path=ppt/notesSlides/notesSlide9.xml><?xml version="1.0" encoding="utf-8"?>
+<p:notes xmlns:a="http://schemas.openxmlformats.org/drawingml/2006/main" xmlns:r="http://schemas.openxmlformats.org/officeDocument/2006/relationships" xmlns:p="http://schemas.openxmlformats.org/presentationml/2006/main">
+  <p:cSld>
+    <p:spTree>
+      <p:nvGrpSpPr>
+        <p:cNvPr id="1" name=""/>
+        <p:cNvGrpSpPr/>
+        <p:nvPr/>
+      </p:nvGrpSpPr>
+      <p:grpSpPr>
+        <a:xfrm>
+          <a:off x="0" y="0"/>
+          <a:ext cx="0" cy="0"/>
+          <a:chOff x="0" y="0"/>
+          <a:chExt cx="0" cy="0"/>
+        </a:xfrm>
+      </p:grpSpPr>
+      <p:sp>
+        <p:nvSpPr>
+          <p:cNvPr id="2" name="Folienbildplatzhalter 1"/>
+          <p:cNvSpPr>
+            <a:spLocks noGrp="1" noRot="1" noChangeAspect="1"/>
+          </p:cNvSpPr>
+          <p:nvPr>
+            <p:ph type="sldImg"/>
+          </p:nvPr>
+        </p:nvSpPr>
+        <p:spPr/>
+      </p:sp>
+      <p:sp>
+        <p:nvSpPr>
+          <p:cNvPr id="3" name="Notizenplatzhalter 2"/>
+          <p:cNvSpPr>
+            <a:spLocks noGrp="1"/>
+          </p:cNvSpPr>
+          <p:nvPr>
+            <p:ph type="body" idx="1"/>
+          </p:nvPr>
+        </p:nvSpPr>
+        <p:spPr/>
+        <p:txBody>
+          <a:bodyPr/>
+          <a:lstStyle/>
+          <a:p>
+            <a:r>
+              <a:rPr lang="de-CH" dirty="0"/>
+              <a:t>Skip </a:t>
+            </a:r>
+            <a:r>
+              <a:rPr lang="de-CH" dirty="0" err="1"/>
+              <a:t>if</a:t>
+            </a:r>
+            <a:r>
+              <a:rPr lang="de-CH" dirty="0"/>
+              <a:t> </a:t>
+            </a:r>
+            <a:r>
+              <a:rPr lang="de-CH" dirty="0" err="1"/>
+              <a:t>overtime</a:t>
+            </a:r>
+            <a:endParaRPr lang="de-CH" dirty="0"/>
+          </a:p>
+          <a:p>
+            <a:r>
+              <a:rPr lang="en-US" b="0" dirty="0">
+                <a:solidFill>
+                  <a:srgbClr val="CCCCCC"/>
+                </a:solidFill>
+                <a:effectLst/>
+                <a:latin typeface="Consolas" panose="020B0609020204030204" pitchFamily="49" charset="0"/>
+              </a:rPr>
+              <a:t>improve the understanding of texts </a:t>
+            </a:r>
+          </a:p>
+          <a:p>
+            <a:r>
+              <a:rPr lang="en-US" b="0" dirty="0">
+                <a:solidFill>
+                  <a:srgbClr val="CCCCCC"/>
+                </a:solidFill>
+                <a:effectLst/>
+                <a:latin typeface="Consolas" panose="020B0609020204030204" pitchFamily="49" charset="0"/>
+              </a:rPr>
+              <a:t>enable more advanced processing of text. </a:t>
+            </a:r>
+          </a:p>
+          <a:p>
+            <a:br>
+              <a:rPr lang="en-US" b="0" dirty="0">
+                <a:solidFill>
+                  <a:srgbClr val="CCCCCC"/>
+                </a:solidFill>
+                <a:effectLst/>
+                <a:latin typeface="Consolas" panose="020B0609020204030204" pitchFamily="49" charset="0"/>
+              </a:rPr>
+            </a:br>
+            <a:r>
+              <a:rPr lang="en-US" b="0" dirty="0">
+                <a:solidFill>
+                  <a:srgbClr val="CCCCCC"/>
+                </a:solidFill>
+                <a:effectLst/>
+                <a:latin typeface="Consolas" panose="020B0609020204030204" pitchFamily="49" charset="0"/>
+              </a:rPr>
+              <a:t>1. **Information Extraction**: NER can identify and classify entities, such as people, organizations, locations, dates, and more. This information is crucial for extracting structured data from unstructured text (legal documents, forms, news).</a:t>
+            </a:r>
+          </a:p>
+          <a:p>
+            <a:br>
+              <a:rPr lang="en-US" b="0" dirty="0">
+                <a:solidFill>
+                  <a:srgbClr val="CCCCCC"/>
+                </a:solidFill>
+                <a:effectLst/>
+                <a:latin typeface="Consolas" panose="020B0609020204030204" pitchFamily="49" charset="0"/>
+              </a:rPr>
+            </a:br>
+            <a:r>
+              <a:rPr lang="en-US" b="0" dirty="0">
+                <a:solidFill>
+                  <a:srgbClr val="CCCCCC"/>
+                </a:solidFill>
+                <a:effectLst/>
+                <a:latin typeface="Consolas" panose="020B0609020204030204" pitchFamily="49" charset="0"/>
+              </a:rPr>
+              <a:t>2. **Sentiment Analysis**: identifying that a positive sentiment is expressed towards a particular brand or product in customer reviews can be valuable for businesses.</a:t>
+            </a:r>
+          </a:p>
+          <a:p>
+            <a:br>
+              <a:rPr lang="en-US" b="0" dirty="0">
+                <a:solidFill>
+                  <a:srgbClr val="CCCCCC"/>
+                </a:solidFill>
+                <a:effectLst/>
+                <a:latin typeface="Consolas" panose="020B0609020204030204" pitchFamily="49" charset="0"/>
+              </a:rPr>
+            </a:br>
+            <a:r>
+              <a:rPr lang="en-US" b="0" dirty="0">
+                <a:solidFill>
+                  <a:srgbClr val="CCCCCC"/>
+                </a:solidFill>
+                <a:effectLst/>
+                <a:latin typeface="Consolas" panose="020B0609020204030204" pitchFamily="49" charset="0"/>
+              </a:rPr>
+              <a:t>3. **Question Answering**: NER can assist in locating entities within a text that are relevant to user queries.</a:t>
+            </a:r>
+          </a:p>
+          <a:p>
+            <a:br>
+              <a:rPr lang="en-US" b="0" dirty="0">
+                <a:solidFill>
+                  <a:srgbClr val="CCCCCC"/>
+                </a:solidFill>
+                <a:effectLst/>
+                <a:latin typeface="Consolas" panose="020B0609020204030204" pitchFamily="49" charset="0"/>
+              </a:rPr>
+            </a:br>
+            <a:r>
+              <a:rPr lang="en-US" b="0" dirty="0">
+                <a:solidFill>
+                  <a:srgbClr val="CCCCCC"/>
+                </a:solidFill>
+                <a:effectLst/>
+                <a:latin typeface="Consolas" panose="020B0609020204030204" pitchFamily="49" charset="0"/>
+              </a:rPr>
+              <a:t>4. **Machine Translation**: NER can help identify and preserve the entities during the translation process, ensuring that names, places, and other important entities remain consistent across languages.</a:t>
+            </a:r>
+          </a:p>
+          <a:p>
+            <a:r>
+              <a:rPr lang="en-US" b="0" dirty="0">
+                <a:solidFill>
+                  <a:srgbClr val="CCCCCC"/>
+                </a:solidFill>
+                <a:effectLst/>
+                <a:latin typeface="Consolas" panose="020B0609020204030204" pitchFamily="49" charset="0"/>
+              </a:rPr>
+              <a:t> NER can help identify sensitive information, such as personal names, addresses, or credit card numbers, and facilitate data protection measures.</a:t>
+            </a:r>
+          </a:p>
+          <a:p>
+            <a:endParaRPr lang="en-US" dirty="0"/>
+          </a:p>
+        </p:txBody>
+      </p:sp>
+      <p:sp>
+        <p:nvSpPr>
+          <p:cNvPr id="4" name="Fußzeilenplatzhalter 3"/>
+          <p:cNvSpPr>
+            <a:spLocks noGrp="1"/>
+          </p:cNvSpPr>
+          <p:nvPr>
+            <p:ph type="ftr" sz="quarter" idx="4"/>
+          </p:nvPr>
+        </p:nvSpPr>
+        <p:spPr/>
+        <p:txBody>
+          <a:bodyPr/>
+          <a:lstStyle/>
+          <a:p>
+            <a:endParaRPr lang="de-CH" dirty="0"/>
+          </a:p>
+        </p:txBody>
+      </p:sp>
+      <p:sp>
+        <p:nvSpPr>
+          <p:cNvPr id="5" name="Foliennummernplatzhalter 4"/>
+          <p:cNvSpPr>
+            <a:spLocks noGrp="1"/>
+          </p:cNvSpPr>
+          <p:nvPr>
+            <p:ph type="sldNum" sz="quarter" idx="5"/>
+          </p:nvPr>
+        </p:nvSpPr>
+        <p:spPr/>
+        <p:txBody>
+          <a:bodyPr/>
+          <a:lstStyle/>
+          <a:p>
+            <a:fld id="{B2B24C57-7758-4EF8-8A0E-FE171C8C1817}" type="slidenum">
+              <a:rPr lang="de-CH" smtClean="0"/>
+              <a:t>11</a:t>
             </a:fld>
             <a:endParaRPr lang="de-CH" dirty="0"/>
           </a:p>
@@ -20663,6 +20767,201 @@
               <a:buChar char="•"/>
             </a:pPr>
             <a:r>
+              <a:rPr lang="en-US" dirty="0"/>
+              <a:t>Manual by comparing NE with ground truth</a:t>
+            </a:r>
+          </a:p>
+          <a:p>
+            <a:pPr marL="342900" indent="-342900">
+              <a:buFont typeface="Arial" panose="020B0604020202020204" pitchFamily="34" charset="0"/>
+              <a:buChar char="•"/>
+            </a:pPr>
+            <a:r>
+              <a:rPr lang="en-US" dirty="0"/>
+              <a:t>Automatic evaluation using precision, recall and F1-score</a:t>
+            </a:r>
+          </a:p>
+          <a:p>
+            <a:pPr marL="1028683" lvl="1" indent="-342900"/>
+            <a:r>
+              <a:rPr lang="en-US" dirty="0"/>
+              <a:t>Precision: 0.37 (+/-) 0.17</a:t>
+            </a:r>
+          </a:p>
+          <a:p>
+            <a:pPr marL="1028683" lvl="1" indent="-342900"/>
+            <a:r>
+              <a:rPr lang="en-US" dirty="0"/>
+              <a:t>Recall: 0.33 (+/-) 0.21</a:t>
+            </a:r>
+          </a:p>
+          <a:p>
+            <a:pPr marL="1028683" lvl="1" indent="-342900"/>
+            <a:r>
+              <a:rPr lang="en-US" dirty="0"/>
+              <a:t>F1-Score: 0.3 (+/-) 0.09</a:t>
+            </a:r>
+          </a:p>
+          <a:p>
+            <a:pPr marL="342900" indent="-342900">
+              <a:buFont typeface="Arial" panose="020B0604020202020204" pitchFamily="34" charset="0"/>
+              <a:buChar char="•"/>
+            </a:pPr>
+            <a:r>
+              <a:rPr lang="en-US" dirty="0"/>
+              <a:t>Conclusion</a:t>
+            </a:r>
+          </a:p>
+          <a:p>
+            <a:pPr marL="1028683" lvl="1" indent="-342900"/>
+            <a:r>
+              <a:rPr lang="en-US" dirty="0"/>
+              <a:t>Training with large annotated corpus</a:t>
+            </a:r>
+          </a:p>
+          <a:p>
+            <a:pPr marL="1028683" lvl="1" indent="-342900"/>
+            <a:r>
+              <a:rPr lang="en-US" dirty="0"/>
+              <a:t>Difficulty with manually annotating data </a:t>
+            </a:r>
+          </a:p>
+          <a:p>
+            <a:pPr marL="342900" indent="-342900">
+              <a:buFont typeface="Arial" panose="020B0604020202020204" pitchFamily="34" charset="0"/>
+              <a:buChar char="•"/>
+            </a:pPr>
+            <a:endParaRPr lang="en-US" dirty="0"/>
+          </a:p>
+          <a:p>
+            <a:pPr marL="1028683" lvl="1" indent="-342900"/>
+            <a:endParaRPr lang="en-US" dirty="0"/>
+          </a:p>
+        </p:txBody>
+      </p:sp>
+      <p:sp>
+        <p:nvSpPr>
+          <p:cNvPr id="5" name="Textplatzhalter 4">
+            <a:extLst>
+              <a:ext uri="{FF2B5EF4-FFF2-40B4-BE49-F238E27FC236}">
+                <a16:creationId xmlns:a16="http://schemas.microsoft.com/office/drawing/2014/main" id="{69996356-855D-BEA7-9042-E31DBB1F84C4}"/>
+              </a:ext>
+            </a:extLst>
+          </p:cNvPr>
+          <p:cNvSpPr>
+            <a:spLocks noGrp="1"/>
+          </p:cNvSpPr>
+          <p:nvPr>
+            <p:ph type="body" sz="quarter" idx="20"/>
+          </p:nvPr>
+        </p:nvSpPr>
+        <p:spPr/>
+        <p:txBody>
+          <a:bodyPr/>
+          <a:lstStyle/>
+          <a:p>
+            <a:r>
+              <a:rPr lang="en-GB" dirty="0"/>
+              <a:t>Task 2</a:t>
+            </a:r>
+            <a:endParaRPr lang="de-CH" dirty="0"/>
+          </a:p>
+        </p:txBody>
+      </p:sp>
+      <p:sp>
+        <p:nvSpPr>
+          <p:cNvPr id="6" name="Titel 5">
+            <a:extLst>
+              <a:ext uri="{FF2B5EF4-FFF2-40B4-BE49-F238E27FC236}">
+                <a16:creationId xmlns:a16="http://schemas.microsoft.com/office/drawing/2014/main" id="{78FFCA5B-4105-6527-22ED-1C63D41F0290}"/>
+              </a:ext>
+            </a:extLst>
+          </p:cNvPr>
+          <p:cNvSpPr>
+            <a:spLocks noGrp="1"/>
+          </p:cNvSpPr>
+          <p:nvPr>
+            <p:ph type="title"/>
+          </p:nvPr>
+        </p:nvSpPr>
+        <p:spPr>
+          <a:xfrm>
+            <a:off x="540000" y="680400"/>
+            <a:ext cx="7020000" cy="410369"/>
+          </a:xfrm>
+        </p:spPr>
+        <p:txBody>
+          <a:bodyPr/>
+          <a:lstStyle/>
+          <a:p>
+            <a:r>
+              <a:rPr lang="de-CH" dirty="0"/>
+              <a:t>Evaluation</a:t>
+            </a:r>
+          </a:p>
+        </p:txBody>
+      </p:sp>
+    </p:spTree>
+    <p:extLst>
+      <p:ext uri="{BB962C8B-B14F-4D97-AF65-F5344CB8AC3E}">
+        <p14:creationId xmlns:p14="http://schemas.microsoft.com/office/powerpoint/2010/main" val="3738490548"/>
+      </p:ext>
+    </p:extLst>
+  </p:cSld>
+  <p:clrMapOvr>
+    <a:masterClrMapping/>
+  </p:clrMapOvr>
+</p:sld>
+</file>
+
+<file path=ppt/slides/slide11.xml><?xml version="1.0" encoding="utf-8"?>
+<p:sld xmlns:a="http://schemas.openxmlformats.org/drawingml/2006/main" xmlns:r="http://schemas.openxmlformats.org/officeDocument/2006/relationships" xmlns:p="http://schemas.openxmlformats.org/presentationml/2006/main">
+  <p:cSld>
+    <p:spTree>
+      <p:nvGrpSpPr>
+        <p:cNvPr id="1" name=""/>
+        <p:cNvGrpSpPr/>
+        <p:nvPr/>
+      </p:nvGrpSpPr>
+      <p:grpSpPr>
+        <a:xfrm>
+          <a:off x="0" y="0"/>
+          <a:ext cx="0" cy="0"/>
+          <a:chOff x="0" y="0"/>
+          <a:chExt cx="0" cy="0"/>
+        </a:xfrm>
+      </p:grpSpPr>
+      <p:sp>
+        <p:nvSpPr>
+          <p:cNvPr id="3" name="Textplatzhalter 2">
+            <a:extLst>
+              <a:ext uri="{FF2B5EF4-FFF2-40B4-BE49-F238E27FC236}">
+                <a16:creationId xmlns:a16="http://schemas.microsoft.com/office/drawing/2014/main" id="{5A5FD406-7D3F-E861-7EFE-AACE8D68986F}"/>
+              </a:ext>
+            </a:extLst>
+          </p:cNvPr>
+          <p:cNvSpPr>
+            <a:spLocks noGrp="1"/>
+          </p:cNvSpPr>
+          <p:nvPr>
+            <p:ph type="body" sz="quarter" idx="12"/>
+          </p:nvPr>
+        </p:nvSpPr>
+        <p:spPr>
+          <a:xfrm>
+            <a:off x="540000" y="2190750"/>
+            <a:ext cx="8208464" cy="2610000"/>
+          </a:xfrm>
+        </p:spPr>
+        <p:txBody>
+          <a:bodyPr numCol="1"/>
+          <a:lstStyle/>
+          <a:p>
+            <a:pPr marL="342900" indent="-342900">
+              <a:buFont typeface="Arial" panose="020B0604020202020204" pitchFamily="34" charset="0"/>
+              <a:buChar char="•"/>
+            </a:pPr>
+            <a:r>
               <a:rPr lang="en-GB" dirty="0"/>
               <a:t>Information Extraction </a:t>
             </a:r>
@@ -20813,7 +21112,7 @@
           <a:bodyPr/>
           <a:lstStyle/>
           <a:p>
-            <a:endParaRPr lang="en-GB"/>
+            <a:endParaRPr lang="en-GB" dirty="0"/>
           </a:p>
         </p:txBody>
       </p:sp>
@@ -20884,6 +21183,284 @@
 </file>
 
 <file path=ppt/slides/slide3.xml><?xml version="1.0" encoding="utf-8"?>
+<p:sld xmlns:a="http://schemas.openxmlformats.org/drawingml/2006/main" xmlns:r="http://schemas.openxmlformats.org/officeDocument/2006/relationships" xmlns:p="http://schemas.openxmlformats.org/presentationml/2006/main">
+  <p:cSld>
+    <p:spTree>
+      <p:nvGrpSpPr>
+        <p:cNvPr id="1" name=""/>
+        <p:cNvGrpSpPr/>
+        <p:nvPr/>
+      </p:nvGrpSpPr>
+      <p:grpSpPr>
+        <a:xfrm>
+          <a:off x="0" y="0"/>
+          <a:ext cx="0" cy="0"/>
+          <a:chOff x="0" y="0"/>
+          <a:chExt cx="0" cy="0"/>
+        </a:xfrm>
+      </p:grpSpPr>
+      <p:sp>
+        <p:nvSpPr>
+          <p:cNvPr id="3" name="Textplatzhalter 2">
+            <a:extLst>
+              <a:ext uri="{FF2B5EF4-FFF2-40B4-BE49-F238E27FC236}">
+                <a16:creationId xmlns:a16="http://schemas.microsoft.com/office/drawing/2014/main" id="{581EDBDF-2057-FE45-AC09-C55970B02510}"/>
+              </a:ext>
+            </a:extLst>
+          </p:cNvPr>
+          <p:cNvSpPr>
+            <a:spLocks noGrp="1"/>
+          </p:cNvSpPr>
+          <p:nvPr>
+            <p:ph type="body" sz="quarter" idx="12"/>
+          </p:nvPr>
+        </p:nvSpPr>
+        <p:spPr/>
+        <p:txBody>
+          <a:bodyPr/>
+          <a:lstStyle/>
+          <a:p>
+            <a:r>
+              <a:rPr lang="de-CH" dirty="0"/>
+              <a:t>40 </a:t>
+            </a:r>
+            <a:r>
+              <a:rPr lang="de-CH" dirty="0" err="1"/>
+              <a:t>classes</a:t>
+            </a:r>
+            <a:endParaRPr lang="de-CH" dirty="0"/>
+          </a:p>
+          <a:p>
+            <a:r>
+              <a:rPr lang="en-US" dirty="0"/>
+              <a:t>min: 11</a:t>
+            </a:r>
+          </a:p>
+          <a:p>
+            <a:r>
+              <a:rPr lang="en-US" dirty="0"/>
+              <a:t>avg: 3052</a:t>
+            </a:r>
+          </a:p>
+          <a:p>
+            <a:r>
+              <a:rPr lang="en-US" dirty="0"/>
+              <a:t>max: 18425</a:t>
+            </a:r>
+          </a:p>
+          <a:p>
+            <a:endParaRPr lang="de-CH" dirty="0"/>
+          </a:p>
+          <a:p>
+            <a:endParaRPr lang="en-US" dirty="0"/>
+          </a:p>
+        </p:txBody>
+      </p:sp>
+      <p:sp>
+        <p:nvSpPr>
+          <p:cNvPr id="4" name="Textplatzhalter 3">
+            <a:extLst>
+              <a:ext uri="{FF2B5EF4-FFF2-40B4-BE49-F238E27FC236}">
+                <a16:creationId xmlns:a16="http://schemas.microsoft.com/office/drawing/2014/main" id="{0E8862B1-9460-4BDF-7564-ED5BF08523AB}"/>
+              </a:ext>
+            </a:extLst>
+          </p:cNvPr>
+          <p:cNvSpPr>
+            <a:spLocks noGrp="1"/>
+          </p:cNvSpPr>
+          <p:nvPr>
+            <p:ph type="body" sz="quarter" idx="14"/>
+          </p:nvPr>
+        </p:nvSpPr>
+        <p:spPr/>
+        <p:txBody>
+          <a:bodyPr/>
+          <a:lstStyle/>
+          <a:p>
+            <a:endParaRPr lang="en-US"/>
+          </a:p>
+        </p:txBody>
+      </p:sp>
+      <p:sp>
+        <p:nvSpPr>
+          <p:cNvPr id="5" name="Textplatzhalter 4">
+            <a:extLst>
+              <a:ext uri="{FF2B5EF4-FFF2-40B4-BE49-F238E27FC236}">
+                <a16:creationId xmlns:a16="http://schemas.microsoft.com/office/drawing/2014/main" id="{08EE93FE-E6A2-E290-1690-5E79DDC74E82}"/>
+              </a:ext>
+            </a:extLst>
+          </p:cNvPr>
+          <p:cNvSpPr>
+            <a:spLocks noGrp="1"/>
+          </p:cNvSpPr>
+          <p:nvPr>
+            <p:ph type="body" sz="quarter" idx="20"/>
+          </p:nvPr>
+        </p:nvSpPr>
+        <p:spPr/>
+        <p:txBody>
+          <a:bodyPr/>
+          <a:lstStyle/>
+          <a:p>
+            <a:r>
+              <a:rPr lang="de-CH" dirty="0"/>
+              <a:t>Task 1</a:t>
+            </a:r>
+            <a:endParaRPr lang="en-US" dirty="0"/>
+          </a:p>
+        </p:txBody>
+      </p:sp>
+      <p:sp>
+        <p:nvSpPr>
+          <p:cNvPr id="6" name="Titel 5">
+            <a:extLst>
+              <a:ext uri="{FF2B5EF4-FFF2-40B4-BE49-F238E27FC236}">
+                <a16:creationId xmlns:a16="http://schemas.microsoft.com/office/drawing/2014/main" id="{58098853-6AC9-18D4-A30F-08AC419C068E}"/>
+              </a:ext>
+            </a:extLst>
+          </p:cNvPr>
+          <p:cNvSpPr>
+            <a:spLocks noGrp="1"/>
+          </p:cNvSpPr>
+          <p:nvPr>
+            <p:ph type="title"/>
+          </p:nvPr>
+        </p:nvSpPr>
+        <p:spPr/>
+        <p:txBody>
+          <a:bodyPr/>
+          <a:lstStyle/>
+          <a:p>
+            <a:r>
+              <a:rPr lang="de-CH" dirty="0"/>
+              <a:t>Dataset</a:t>
+            </a:r>
+            <a:endParaRPr lang="en-US" dirty="0"/>
+          </a:p>
+        </p:txBody>
+      </p:sp>
+      <p:sp>
+        <p:nvSpPr>
+          <p:cNvPr id="7" name="Foliennummernplatzhalter 6">
+            <a:extLst>
+              <a:ext uri="{FF2B5EF4-FFF2-40B4-BE49-F238E27FC236}">
+                <a16:creationId xmlns:a16="http://schemas.microsoft.com/office/drawing/2014/main" id="{000DE2A8-555C-D528-5012-0468850766C2}"/>
+              </a:ext>
+            </a:extLst>
+          </p:cNvPr>
+          <p:cNvSpPr>
+            <a:spLocks noGrp="1"/>
+          </p:cNvSpPr>
+          <p:nvPr>
+            <p:ph type="sldNum" sz="quarter" idx="21"/>
+          </p:nvPr>
+        </p:nvSpPr>
+        <p:spPr/>
+        <p:txBody>
+          <a:bodyPr/>
+          <a:lstStyle/>
+          <a:p>
+            <a:fld id="{16AB2C14-F465-F643-BD65-D6125390A9E0}" type="slidenum">
+              <a:rPr lang="de-DE" smtClean="0"/>
+              <a:t>3</a:t>
+            </a:fld>
+            <a:endParaRPr lang="de-DE"/>
+          </a:p>
+        </p:txBody>
+      </p:sp>
+      <p:grpSp>
+        <p:nvGrpSpPr>
+          <p:cNvPr id="12" name="Gruppieren 11">
+            <a:extLst>
+              <a:ext uri="{FF2B5EF4-FFF2-40B4-BE49-F238E27FC236}">
+                <a16:creationId xmlns:a16="http://schemas.microsoft.com/office/drawing/2014/main" id="{0557ED85-EC1F-2C17-3FEA-C3DEAB458F3D}"/>
+              </a:ext>
+            </a:extLst>
+          </p:cNvPr>
+          <p:cNvGrpSpPr/>
+          <p:nvPr/>
+        </p:nvGrpSpPr>
+        <p:grpSpPr>
+          <a:xfrm>
+            <a:off x="3491880" y="1867122"/>
+            <a:ext cx="5148701" cy="2995578"/>
+            <a:chOff x="2123728" y="1952436"/>
+            <a:chExt cx="5148701" cy="2995578"/>
+          </a:xfrm>
+        </p:grpSpPr>
+        <p:pic>
+          <p:nvPicPr>
+            <p:cNvPr id="9" name="Grafik 8">
+              <a:extLst>
+                <a:ext uri="{FF2B5EF4-FFF2-40B4-BE49-F238E27FC236}">
+                  <a16:creationId xmlns:a16="http://schemas.microsoft.com/office/drawing/2014/main" id="{98E5ADF3-0D7D-EC2C-586D-7FC1CA1D59EB}"/>
+                </a:ext>
+              </a:extLst>
+            </p:cNvPr>
+            <p:cNvPicPr>
+              <a:picLocks noChangeAspect="1"/>
+            </p:cNvPicPr>
+            <p:nvPr/>
+          </p:nvPicPr>
+          <p:blipFill rotWithShape="1">
+            <a:blip r:embed="rId3"/>
+            <a:srcRect t="-1001" b="48201"/>
+            <a:stretch/>
+          </p:blipFill>
+          <p:spPr>
+            <a:xfrm>
+              <a:off x="2123728" y="1952436"/>
+              <a:ext cx="5148701" cy="2715766"/>
+            </a:xfrm>
+            <a:prstGeom prst="rect">
+              <a:avLst/>
+            </a:prstGeom>
+          </p:spPr>
+        </p:pic>
+        <p:pic>
+          <p:nvPicPr>
+            <p:cNvPr id="11" name="Grafik 10">
+              <a:extLst>
+                <a:ext uri="{FF2B5EF4-FFF2-40B4-BE49-F238E27FC236}">
+                  <a16:creationId xmlns:a16="http://schemas.microsoft.com/office/drawing/2014/main" id="{A5263AB5-D46B-B048-6EB8-5ABFEEDB1A69}"/>
+                </a:ext>
+              </a:extLst>
+            </p:cNvPr>
+            <p:cNvPicPr>
+              <a:picLocks noChangeAspect="1"/>
+            </p:cNvPicPr>
+            <p:nvPr/>
+          </p:nvPicPr>
+          <p:blipFill rotWithShape="1">
+            <a:blip r:embed="rId3"/>
+            <a:srcRect t="93336"/>
+            <a:stretch/>
+          </p:blipFill>
+          <p:spPr>
+            <a:xfrm>
+              <a:off x="2123728" y="4605264"/>
+              <a:ext cx="5148700" cy="342750"/>
+            </a:xfrm>
+            <a:prstGeom prst="rect">
+              <a:avLst/>
+            </a:prstGeom>
+          </p:spPr>
+        </p:pic>
+      </p:grpSp>
+    </p:spTree>
+    <p:extLst>
+      <p:ext uri="{BB962C8B-B14F-4D97-AF65-F5344CB8AC3E}">
+        <p14:creationId xmlns:p14="http://schemas.microsoft.com/office/powerpoint/2010/main" val="1016395822"/>
+      </p:ext>
+    </p:extLst>
+  </p:cSld>
+  <p:clrMapOvr>
+    <a:masterClrMapping/>
+  </p:clrMapOvr>
+</p:sld>
+</file>
+
+<file path=ppt/slides/slide4.xml><?xml version="1.0" encoding="utf-8"?>
 <p:sld xmlns:a="http://schemas.openxmlformats.org/drawingml/2006/main" xmlns:r="http://schemas.openxmlformats.org/officeDocument/2006/relationships" xmlns:p="http://schemas.openxmlformats.org/presentationml/2006/main">
   <p:cSld>
     <p:spTree>
@@ -21060,7 +21637,7 @@
 </p:sld>
 </file>
 
-<file path=ppt/slides/slide4.xml><?xml version="1.0" encoding="utf-8"?>
+<file path=ppt/slides/slide5.xml><?xml version="1.0" encoding="utf-8"?>
 <p:sld xmlns:a="http://schemas.openxmlformats.org/drawingml/2006/main" xmlns:r="http://schemas.openxmlformats.org/officeDocument/2006/relationships" xmlns:p="http://schemas.openxmlformats.org/presentationml/2006/main">
   <p:cSld>
     <p:spTree>
@@ -21186,7 +21763,7 @@
 </p:sld>
 </file>
 
-<file path=ppt/slides/slide5.xml><?xml version="1.0" encoding="utf-8"?>
+<file path=ppt/slides/slide6.xml><?xml version="1.0" encoding="utf-8"?>
 <p:sld xmlns:a="http://schemas.openxmlformats.org/drawingml/2006/main" xmlns:r="http://schemas.openxmlformats.org/officeDocument/2006/relationships" xmlns:p="http://schemas.openxmlformats.org/presentationml/2006/main">
   <p:cSld>
     <p:spTree>
@@ -21285,368 +21862,6 @@
     <p:extLst>
       <p:ext uri="{BB962C8B-B14F-4D97-AF65-F5344CB8AC3E}">
         <p14:creationId xmlns:p14="http://schemas.microsoft.com/office/powerpoint/2010/main" val="3710458073"/>
-      </p:ext>
-    </p:extLst>
-  </p:cSld>
-  <p:clrMapOvr>
-    <a:masterClrMapping/>
-  </p:clrMapOvr>
-</p:sld>
-</file>
-
-<file path=ppt/slides/slide6.xml><?xml version="1.0" encoding="utf-8"?>
-<p:sld xmlns:a="http://schemas.openxmlformats.org/drawingml/2006/main" xmlns:r="http://schemas.openxmlformats.org/officeDocument/2006/relationships" xmlns:p="http://schemas.openxmlformats.org/presentationml/2006/main">
-  <p:cSld>
-    <p:spTree>
-      <p:nvGrpSpPr>
-        <p:cNvPr id="1" name=""/>
-        <p:cNvGrpSpPr/>
-        <p:nvPr/>
-      </p:nvGrpSpPr>
-      <p:grpSpPr>
-        <a:xfrm>
-          <a:off x="0" y="0"/>
-          <a:ext cx="0" cy="0"/>
-          <a:chOff x="0" y="0"/>
-          <a:chExt cx="0" cy="0"/>
-        </a:xfrm>
-      </p:grpSpPr>
-      <p:sp>
-        <p:nvSpPr>
-          <p:cNvPr id="3" name="Textplatzhalter 2">
-            <a:extLst>
-              <a:ext uri="{FF2B5EF4-FFF2-40B4-BE49-F238E27FC236}">
-                <a16:creationId xmlns:a16="http://schemas.microsoft.com/office/drawing/2014/main" id="{5A5FD406-7D3F-E861-7EFE-AACE8D68986F}"/>
-              </a:ext>
-            </a:extLst>
-          </p:cNvPr>
-          <p:cNvSpPr>
-            <a:spLocks noGrp="1"/>
-          </p:cNvSpPr>
-          <p:nvPr>
-            <p:ph type="body" sz="quarter" idx="12"/>
-          </p:nvPr>
-        </p:nvSpPr>
-        <p:spPr>
-          <a:xfrm>
-            <a:off x="540000" y="2190750"/>
-            <a:ext cx="8208464" cy="2610000"/>
-          </a:xfrm>
-        </p:spPr>
-        <p:txBody>
-          <a:bodyPr numCol="2"/>
-          <a:lstStyle/>
-          <a:p>
-            <a:pPr marL="342900" indent="-342900">
-              <a:buFont typeface="Arial" panose="020B0604020202020204" pitchFamily="34" charset="0"/>
-              <a:buChar char="•"/>
-            </a:pPr>
-            <a:r>
-              <a:rPr lang="en-US" dirty="0"/>
-              <a:t>Healthcare profession</a:t>
-            </a:r>
-          </a:p>
-          <a:p>
-            <a:pPr marL="342900" indent="-342900">
-              <a:buFont typeface="Arial" panose="020B0604020202020204" pitchFamily="34" charset="0"/>
-              <a:buChar char="•"/>
-            </a:pPr>
-            <a:r>
-              <a:rPr lang="en-US" dirty="0"/>
-              <a:t>Administrative event </a:t>
-            </a:r>
-          </a:p>
-          <a:p>
-            <a:pPr marL="342900" indent="-342900">
-              <a:buFont typeface="Arial" panose="020B0604020202020204" pitchFamily="34" charset="0"/>
-              <a:buChar char="•"/>
-            </a:pPr>
-            <a:r>
-              <a:rPr lang="en-US" dirty="0"/>
-              <a:t>Care environment</a:t>
-            </a:r>
-          </a:p>
-          <a:p>
-            <a:pPr marL="342900" indent="-342900">
-              <a:buFont typeface="Arial" panose="020B0604020202020204" pitchFamily="34" charset="0"/>
-              <a:buChar char="•"/>
-            </a:pPr>
-            <a:r>
-              <a:rPr lang="en-US" dirty="0"/>
-              <a:t>Demographic</a:t>
-            </a:r>
-          </a:p>
-          <a:p>
-            <a:pPr marL="342900" indent="-342900">
-              <a:buFont typeface="Arial" panose="020B0604020202020204" pitchFamily="34" charset="0"/>
-              <a:buChar char="•"/>
-            </a:pPr>
-            <a:r>
-              <a:rPr lang="en-US" dirty="0"/>
-              <a:t>Anatomy</a:t>
-            </a:r>
-          </a:p>
-          <a:p>
-            <a:pPr marL="342900" indent="-342900">
-              <a:buFont typeface="Arial" panose="020B0604020202020204" pitchFamily="34" charset="0"/>
-              <a:buChar char="•"/>
-            </a:pPr>
-            <a:r>
-              <a:rPr lang="en-US" dirty="0"/>
-              <a:t>Diseases</a:t>
-            </a:r>
-          </a:p>
-          <a:p>
-            <a:pPr marL="342900" indent="-342900">
-              <a:buFont typeface="Arial" panose="020B0604020202020204" pitchFamily="34" charset="0"/>
-              <a:buChar char="•"/>
-            </a:pPr>
-            <a:r>
-              <a:rPr lang="en-US" dirty="0"/>
-              <a:t>Symptom</a:t>
-            </a:r>
-          </a:p>
-          <a:p>
-            <a:pPr marL="342900" indent="-342900">
-              <a:buFont typeface="Arial" panose="020B0604020202020204" pitchFamily="34" charset="0"/>
-              <a:buChar char="•"/>
-            </a:pPr>
-            <a:r>
-              <a:rPr lang="en-US" dirty="0"/>
-              <a:t>Examination</a:t>
-            </a:r>
-          </a:p>
-          <a:p>
-            <a:pPr marL="342900" indent="-342900">
-              <a:buFont typeface="Arial" panose="020B0604020202020204" pitchFamily="34" charset="0"/>
-              <a:buChar char="•"/>
-            </a:pPr>
-            <a:endParaRPr lang="en-US" dirty="0"/>
-          </a:p>
-          <a:p>
-            <a:pPr marL="342900" indent="-342900">
-              <a:buFont typeface="Arial" panose="020B0604020202020204" pitchFamily="34" charset="0"/>
-              <a:buChar char="•"/>
-            </a:pPr>
-            <a:endParaRPr lang="en-US" dirty="0"/>
-          </a:p>
-          <a:p>
-            <a:pPr marL="342900" indent="-342900">
-              <a:buFont typeface="Arial" panose="020B0604020202020204" pitchFamily="34" charset="0"/>
-              <a:buChar char="•"/>
-            </a:pPr>
-            <a:endParaRPr lang="en-US" dirty="0"/>
-          </a:p>
-          <a:p>
-            <a:pPr marL="342900" indent="-342900">
-              <a:buFont typeface="Arial" panose="020B0604020202020204" pitchFamily="34" charset="0"/>
-              <a:buChar char="•"/>
-            </a:pPr>
-            <a:r>
-              <a:rPr lang="en-US" dirty="0"/>
-              <a:t>Measurement unit</a:t>
-            </a:r>
-          </a:p>
-          <a:p>
-            <a:pPr marL="342900" indent="-342900">
-              <a:buFont typeface="Arial" panose="020B0604020202020204" pitchFamily="34" charset="0"/>
-              <a:buChar char="•"/>
-            </a:pPr>
-            <a:r>
-              <a:rPr lang="en-US" dirty="0"/>
-              <a:t>Measurement value</a:t>
-            </a:r>
-          </a:p>
-          <a:p>
-            <a:pPr marL="342900" indent="-342900">
-              <a:buFont typeface="Arial" panose="020B0604020202020204" pitchFamily="34" charset="0"/>
-              <a:buChar char="•"/>
-            </a:pPr>
-            <a:r>
-              <a:rPr lang="en-US" dirty="0"/>
-              <a:t>Treatment</a:t>
-            </a:r>
-          </a:p>
-          <a:p>
-            <a:pPr marL="342900" indent="-342900">
-              <a:buFont typeface="Arial" panose="020B0604020202020204" pitchFamily="34" charset="0"/>
-              <a:buChar char="•"/>
-            </a:pPr>
-            <a:r>
-              <a:rPr lang="en-US" dirty="0"/>
-              <a:t>Medication</a:t>
-            </a:r>
-          </a:p>
-          <a:p>
-            <a:pPr marL="342900" indent="-342900">
-              <a:buFont typeface="Arial" panose="020B0604020202020204" pitchFamily="34" charset="0"/>
-              <a:buChar char="•"/>
-            </a:pPr>
-            <a:r>
-              <a:rPr lang="en-US" dirty="0"/>
-              <a:t>Medication Dosage</a:t>
-            </a:r>
-          </a:p>
-          <a:p>
-            <a:pPr marL="342900" indent="-342900">
-              <a:buFont typeface="Arial" panose="020B0604020202020204" pitchFamily="34" charset="0"/>
-              <a:buChar char="•"/>
-            </a:pPr>
-            <a:r>
-              <a:rPr lang="en-US" dirty="0"/>
-              <a:t>Medication form (e.g. tablet)</a:t>
-            </a:r>
-          </a:p>
-          <a:p>
-            <a:pPr marL="342900" indent="-342900">
-              <a:buFont typeface="Arial" panose="020B0604020202020204" pitchFamily="34" charset="0"/>
-              <a:buChar char="•"/>
-            </a:pPr>
-            <a:r>
-              <a:rPr lang="en-US" dirty="0"/>
-              <a:t>Medication route</a:t>
-            </a:r>
-          </a:p>
-          <a:p>
-            <a:pPr marL="342900" indent="-342900">
-              <a:buFont typeface="Arial" panose="020B0604020202020204" pitchFamily="34" charset="0"/>
-              <a:buChar char="•"/>
-            </a:pPr>
-            <a:endParaRPr lang="en-US" dirty="0"/>
-          </a:p>
-          <a:p>
-            <a:pPr marL="342900" indent="-342900">
-              <a:buFont typeface="Arial" panose="020B0604020202020204" pitchFamily="34" charset="0"/>
-              <a:buChar char="•"/>
-            </a:pPr>
-            <a:endParaRPr lang="en-US" dirty="0"/>
-          </a:p>
-          <a:p>
-            <a:pPr marL="342900" indent="-342900">
-              <a:buFont typeface="Arial" panose="020B0604020202020204" pitchFamily="34" charset="0"/>
-              <a:buChar char="•"/>
-            </a:pPr>
-            <a:endParaRPr lang="en-US" dirty="0"/>
-          </a:p>
-          <a:p>
-            <a:pPr marL="342900" indent="-342900">
-              <a:buFont typeface="Arial" panose="020B0604020202020204" pitchFamily="34" charset="0"/>
-              <a:buChar char="•"/>
-            </a:pPr>
-            <a:endParaRPr lang="en-US" dirty="0"/>
-          </a:p>
-        </p:txBody>
-      </p:sp>
-      <p:sp>
-        <p:nvSpPr>
-          <p:cNvPr id="4" name="Textplatzhalter 3">
-            <a:extLst>
-              <a:ext uri="{FF2B5EF4-FFF2-40B4-BE49-F238E27FC236}">
-                <a16:creationId xmlns:a16="http://schemas.microsoft.com/office/drawing/2014/main" id="{4C317A2C-B579-4B3C-4F12-768999CBF274}"/>
-              </a:ext>
-            </a:extLst>
-          </p:cNvPr>
-          <p:cNvSpPr>
-            <a:spLocks noGrp="1"/>
-          </p:cNvSpPr>
-          <p:nvPr>
-            <p:ph type="body" sz="quarter" idx="14"/>
-          </p:nvPr>
-        </p:nvSpPr>
-        <p:spPr/>
-        <p:txBody>
-          <a:bodyPr/>
-          <a:lstStyle/>
-          <a:p>
-            <a:pPr marL="342900" indent="-342900">
-              <a:buFont typeface="Arial" panose="020B0604020202020204" pitchFamily="34" charset="0"/>
-              <a:buChar char="•"/>
-            </a:pPr>
-            <a:endParaRPr lang="de-CH" dirty="0"/>
-          </a:p>
-          <a:p>
-            <a:pPr marL="342900" indent="-342900">
-              <a:buFont typeface="Arial" panose="020B0604020202020204" pitchFamily="34" charset="0"/>
-              <a:buChar char="•"/>
-            </a:pPr>
-            <a:endParaRPr lang="de-CH" dirty="0"/>
-          </a:p>
-        </p:txBody>
-      </p:sp>
-      <p:sp>
-        <p:nvSpPr>
-          <p:cNvPr id="5" name="Textplatzhalter 4">
-            <a:extLst>
-              <a:ext uri="{FF2B5EF4-FFF2-40B4-BE49-F238E27FC236}">
-                <a16:creationId xmlns:a16="http://schemas.microsoft.com/office/drawing/2014/main" id="{69996356-855D-BEA7-9042-E31DBB1F84C4}"/>
-              </a:ext>
-            </a:extLst>
-          </p:cNvPr>
-          <p:cNvSpPr>
-            <a:spLocks noGrp="1"/>
-          </p:cNvSpPr>
-          <p:nvPr>
-            <p:ph type="body" sz="quarter" idx="20"/>
-          </p:nvPr>
-        </p:nvSpPr>
-        <p:spPr/>
-        <p:txBody>
-          <a:bodyPr/>
-          <a:lstStyle/>
-          <a:p>
-            <a:r>
-              <a:rPr lang="en-GB" dirty="0"/>
-              <a:t>Task 2</a:t>
-            </a:r>
-            <a:endParaRPr lang="de-CH" dirty="0"/>
-          </a:p>
-        </p:txBody>
-      </p:sp>
-      <p:sp>
-        <p:nvSpPr>
-          <p:cNvPr id="6" name="Titel 5">
-            <a:extLst>
-              <a:ext uri="{FF2B5EF4-FFF2-40B4-BE49-F238E27FC236}">
-                <a16:creationId xmlns:a16="http://schemas.microsoft.com/office/drawing/2014/main" id="{78FFCA5B-4105-6527-22ED-1C63D41F0290}"/>
-              </a:ext>
-            </a:extLst>
-          </p:cNvPr>
-          <p:cNvSpPr>
-            <a:spLocks noGrp="1"/>
-          </p:cNvSpPr>
-          <p:nvPr>
-            <p:ph type="title"/>
-          </p:nvPr>
-        </p:nvSpPr>
-        <p:spPr/>
-        <p:txBody>
-          <a:bodyPr/>
-          <a:lstStyle/>
-          <a:p>
-            <a:r>
-              <a:rPr lang="de-CH" dirty="0"/>
-              <a:t>Potential </a:t>
-            </a:r>
-            <a:r>
-              <a:rPr lang="de-CH" dirty="0" err="1"/>
-              <a:t>new</a:t>
-            </a:r>
-            <a:r>
-              <a:rPr lang="de-CH" dirty="0"/>
-              <a:t> NER </a:t>
-            </a:r>
-            <a:r>
-              <a:rPr lang="de-CH" dirty="0" err="1"/>
-              <a:t>Types</a:t>
-            </a:r>
-            <a:endParaRPr lang="de-CH" dirty="0"/>
-          </a:p>
-        </p:txBody>
-      </p:sp>
-    </p:spTree>
-    <p:extLst>
-      <p:ext uri="{BB962C8B-B14F-4D97-AF65-F5344CB8AC3E}">
-        <p14:creationId xmlns:p14="http://schemas.microsoft.com/office/powerpoint/2010/main" val="388255730"/>
       </p:ext>
     </p:extLst>
   </p:cSld>
@@ -21705,6 +21920,368 @@
             </a:pPr>
             <a:r>
               <a:rPr lang="en-US" dirty="0"/>
+              <a:t>Healthcare profession</a:t>
+            </a:r>
+          </a:p>
+          <a:p>
+            <a:pPr marL="342900" indent="-342900">
+              <a:buFont typeface="Arial" panose="020B0604020202020204" pitchFamily="34" charset="0"/>
+              <a:buChar char="•"/>
+            </a:pPr>
+            <a:r>
+              <a:rPr lang="en-US" dirty="0"/>
+              <a:t>Administrative event </a:t>
+            </a:r>
+          </a:p>
+          <a:p>
+            <a:pPr marL="342900" indent="-342900">
+              <a:buFont typeface="Arial" panose="020B0604020202020204" pitchFamily="34" charset="0"/>
+              <a:buChar char="•"/>
+            </a:pPr>
+            <a:r>
+              <a:rPr lang="en-US" dirty="0"/>
+              <a:t>Care environment</a:t>
+            </a:r>
+          </a:p>
+          <a:p>
+            <a:pPr marL="342900" indent="-342900">
+              <a:buFont typeface="Arial" panose="020B0604020202020204" pitchFamily="34" charset="0"/>
+              <a:buChar char="•"/>
+            </a:pPr>
+            <a:r>
+              <a:rPr lang="en-US" dirty="0"/>
+              <a:t>Demographic</a:t>
+            </a:r>
+          </a:p>
+          <a:p>
+            <a:pPr marL="342900" indent="-342900">
+              <a:buFont typeface="Arial" panose="020B0604020202020204" pitchFamily="34" charset="0"/>
+              <a:buChar char="•"/>
+            </a:pPr>
+            <a:r>
+              <a:rPr lang="en-US" dirty="0"/>
+              <a:t>Anatomy</a:t>
+            </a:r>
+          </a:p>
+          <a:p>
+            <a:pPr marL="342900" indent="-342900">
+              <a:buFont typeface="Arial" panose="020B0604020202020204" pitchFamily="34" charset="0"/>
+              <a:buChar char="•"/>
+            </a:pPr>
+            <a:r>
+              <a:rPr lang="en-US" dirty="0"/>
+              <a:t>Diseases</a:t>
+            </a:r>
+          </a:p>
+          <a:p>
+            <a:pPr marL="342900" indent="-342900">
+              <a:buFont typeface="Arial" panose="020B0604020202020204" pitchFamily="34" charset="0"/>
+              <a:buChar char="•"/>
+            </a:pPr>
+            <a:r>
+              <a:rPr lang="en-US" dirty="0"/>
+              <a:t>Symptom</a:t>
+            </a:r>
+          </a:p>
+          <a:p>
+            <a:pPr marL="342900" indent="-342900">
+              <a:buFont typeface="Arial" panose="020B0604020202020204" pitchFamily="34" charset="0"/>
+              <a:buChar char="•"/>
+            </a:pPr>
+            <a:r>
+              <a:rPr lang="en-US" dirty="0"/>
+              <a:t>Examination</a:t>
+            </a:r>
+          </a:p>
+          <a:p>
+            <a:pPr marL="342900" indent="-342900">
+              <a:buFont typeface="Arial" panose="020B0604020202020204" pitchFamily="34" charset="0"/>
+              <a:buChar char="•"/>
+            </a:pPr>
+            <a:endParaRPr lang="en-US" dirty="0"/>
+          </a:p>
+          <a:p>
+            <a:pPr marL="342900" indent="-342900">
+              <a:buFont typeface="Arial" panose="020B0604020202020204" pitchFamily="34" charset="0"/>
+              <a:buChar char="•"/>
+            </a:pPr>
+            <a:endParaRPr lang="en-US" dirty="0"/>
+          </a:p>
+          <a:p>
+            <a:pPr marL="342900" indent="-342900">
+              <a:buFont typeface="Arial" panose="020B0604020202020204" pitchFamily="34" charset="0"/>
+              <a:buChar char="•"/>
+            </a:pPr>
+            <a:endParaRPr lang="en-US" dirty="0"/>
+          </a:p>
+          <a:p>
+            <a:pPr marL="342900" indent="-342900">
+              <a:buFont typeface="Arial" panose="020B0604020202020204" pitchFamily="34" charset="0"/>
+              <a:buChar char="•"/>
+            </a:pPr>
+            <a:r>
+              <a:rPr lang="en-US" dirty="0"/>
+              <a:t>Measurement unit</a:t>
+            </a:r>
+          </a:p>
+          <a:p>
+            <a:pPr marL="342900" indent="-342900">
+              <a:buFont typeface="Arial" panose="020B0604020202020204" pitchFamily="34" charset="0"/>
+              <a:buChar char="•"/>
+            </a:pPr>
+            <a:r>
+              <a:rPr lang="en-US" dirty="0"/>
+              <a:t>Measurement value</a:t>
+            </a:r>
+          </a:p>
+          <a:p>
+            <a:pPr marL="342900" indent="-342900">
+              <a:buFont typeface="Arial" panose="020B0604020202020204" pitchFamily="34" charset="0"/>
+              <a:buChar char="•"/>
+            </a:pPr>
+            <a:r>
+              <a:rPr lang="en-US" dirty="0"/>
+              <a:t>Treatment</a:t>
+            </a:r>
+          </a:p>
+          <a:p>
+            <a:pPr marL="342900" indent="-342900">
+              <a:buFont typeface="Arial" panose="020B0604020202020204" pitchFamily="34" charset="0"/>
+              <a:buChar char="•"/>
+            </a:pPr>
+            <a:r>
+              <a:rPr lang="en-US" dirty="0"/>
+              <a:t>Medication</a:t>
+            </a:r>
+          </a:p>
+          <a:p>
+            <a:pPr marL="342900" indent="-342900">
+              <a:buFont typeface="Arial" panose="020B0604020202020204" pitchFamily="34" charset="0"/>
+              <a:buChar char="•"/>
+            </a:pPr>
+            <a:r>
+              <a:rPr lang="en-US" dirty="0"/>
+              <a:t>Medication Dosage</a:t>
+            </a:r>
+          </a:p>
+          <a:p>
+            <a:pPr marL="342900" indent="-342900">
+              <a:buFont typeface="Arial" panose="020B0604020202020204" pitchFamily="34" charset="0"/>
+              <a:buChar char="•"/>
+            </a:pPr>
+            <a:r>
+              <a:rPr lang="en-US" dirty="0"/>
+              <a:t>Medication form (e.g. tablet)</a:t>
+            </a:r>
+          </a:p>
+          <a:p>
+            <a:pPr marL="342900" indent="-342900">
+              <a:buFont typeface="Arial" panose="020B0604020202020204" pitchFamily="34" charset="0"/>
+              <a:buChar char="•"/>
+            </a:pPr>
+            <a:r>
+              <a:rPr lang="en-US" dirty="0"/>
+              <a:t>Medication route</a:t>
+            </a:r>
+          </a:p>
+          <a:p>
+            <a:pPr marL="342900" indent="-342900">
+              <a:buFont typeface="Arial" panose="020B0604020202020204" pitchFamily="34" charset="0"/>
+              <a:buChar char="•"/>
+            </a:pPr>
+            <a:endParaRPr lang="en-US" dirty="0"/>
+          </a:p>
+          <a:p>
+            <a:pPr marL="342900" indent="-342900">
+              <a:buFont typeface="Arial" panose="020B0604020202020204" pitchFamily="34" charset="0"/>
+              <a:buChar char="•"/>
+            </a:pPr>
+            <a:endParaRPr lang="en-US" dirty="0"/>
+          </a:p>
+          <a:p>
+            <a:pPr marL="342900" indent="-342900">
+              <a:buFont typeface="Arial" panose="020B0604020202020204" pitchFamily="34" charset="0"/>
+              <a:buChar char="•"/>
+            </a:pPr>
+            <a:endParaRPr lang="en-US" dirty="0"/>
+          </a:p>
+          <a:p>
+            <a:pPr marL="342900" indent="-342900">
+              <a:buFont typeface="Arial" panose="020B0604020202020204" pitchFamily="34" charset="0"/>
+              <a:buChar char="•"/>
+            </a:pPr>
+            <a:endParaRPr lang="en-US" dirty="0"/>
+          </a:p>
+        </p:txBody>
+      </p:sp>
+      <p:sp>
+        <p:nvSpPr>
+          <p:cNvPr id="4" name="Textplatzhalter 3">
+            <a:extLst>
+              <a:ext uri="{FF2B5EF4-FFF2-40B4-BE49-F238E27FC236}">
+                <a16:creationId xmlns:a16="http://schemas.microsoft.com/office/drawing/2014/main" id="{4C317A2C-B579-4B3C-4F12-768999CBF274}"/>
+              </a:ext>
+            </a:extLst>
+          </p:cNvPr>
+          <p:cNvSpPr>
+            <a:spLocks noGrp="1"/>
+          </p:cNvSpPr>
+          <p:nvPr>
+            <p:ph type="body" sz="quarter" idx="14"/>
+          </p:nvPr>
+        </p:nvSpPr>
+        <p:spPr/>
+        <p:txBody>
+          <a:bodyPr/>
+          <a:lstStyle/>
+          <a:p>
+            <a:pPr marL="342900" indent="-342900">
+              <a:buFont typeface="Arial" panose="020B0604020202020204" pitchFamily="34" charset="0"/>
+              <a:buChar char="•"/>
+            </a:pPr>
+            <a:endParaRPr lang="de-CH" dirty="0"/>
+          </a:p>
+          <a:p>
+            <a:pPr marL="342900" indent="-342900">
+              <a:buFont typeface="Arial" panose="020B0604020202020204" pitchFamily="34" charset="0"/>
+              <a:buChar char="•"/>
+            </a:pPr>
+            <a:endParaRPr lang="de-CH" dirty="0"/>
+          </a:p>
+        </p:txBody>
+      </p:sp>
+      <p:sp>
+        <p:nvSpPr>
+          <p:cNvPr id="5" name="Textplatzhalter 4">
+            <a:extLst>
+              <a:ext uri="{FF2B5EF4-FFF2-40B4-BE49-F238E27FC236}">
+                <a16:creationId xmlns:a16="http://schemas.microsoft.com/office/drawing/2014/main" id="{69996356-855D-BEA7-9042-E31DBB1F84C4}"/>
+              </a:ext>
+            </a:extLst>
+          </p:cNvPr>
+          <p:cNvSpPr>
+            <a:spLocks noGrp="1"/>
+          </p:cNvSpPr>
+          <p:nvPr>
+            <p:ph type="body" sz="quarter" idx="20"/>
+          </p:nvPr>
+        </p:nvSpPr>
+        <p:spPr/>
+        <p:txBody>
+          <a:bodyPr/>
+          <a:lstStyle/>
+          <a:p>
+            <a:r>
+              <a:rPr lang="en-GB" dirty="0"/>
+              <a:t>Task 2</a:t>
+            </a:r>
+            <a:endParaRPr lang="de-CH" dirty="0"/>
+          </a:p>
+        </p:txBody>
+      </p:sp>
+      <p:sp>
+        <p:nvSpPr>
+          <p:cNvPr id="6" name="Titel 5">
+            <a:extLst>
+              <a:ext uri="{FF2B5EF4-FFF2-40B4-BE49-F238E27FC236}">
+                <a16:creationId xmlns:a16="http://schemas.microsoft.com/office/drawing/2014/main" id="{78FFCA5B-4105-6527-22ED-1C63D41F0290}"/>
+              </a:ext>
+            </a:extLst>
+          </p:cNvPr>
+          <p:cNvSpPr>
+            <a:spLocks noGrp="1"/>
+          </p:cNvSpPr>
+          <p:nvPr>
+            <p:ph type="title"/>
+          </p:nvPr>
+        </p:nvSpPr>
+        <p:spPr/>
+        <p:txBody>
+          <a:bodyPr/>
+          <a:lstStyle/>
+          <a:p>
+            <a:r>
+              <a:rPr lang="de-CH" dirty="0"/>
+              <a:t>Potential </a:t>
+            </a:r>
+            <a:r>
+              <a:rPr lang="de-CH" dirty="0" err="1"/>
+              <a:t>new</a:t>
+            </a:r>
+            <a:r>
+              <a:rPr lang="de-CH" dirty="0"/>
+              <a:t> NER </a:t>
+            </a:r>
+            <a:r>
+              <a:rPr lang="de-CH" dirty="0" err="1"/>
+              <a:t>Types</a:t>
+            </a:r>
+            <a:endParaRPr lang="de-CH" dirty="0"/>
+          </a:p>
+        </p:txBody>
+      </p:sp>
+    </p:spTree>
+    <p:extLst>
+      <p:ext uri="{BB962C8B-B14F-4D97-AF65-F5344CB8AC3E}">
+        <p14:creationId xmlns:p14="http://schemas.microsoft.com/office/powerpoint/2010/main" val="388255730"/>
+      </p:ext>
+    </p:extLst>
+  </p:cSld>
+  <p:clrMapOvr>
+    <a:masterClrMapping/>
+  </p:clrMapOvr>
+</p:sld>
+</file>
+
+<file path=ppt/slides/slide8.xml><?xml version="1.0" encoding="utf-8"?>
+<p:sld xmlns:a="http://schemas.openxmlformats.org/drawingml/2006/main" xmlns:r="http://schemas.openxmlformats.org/officeDocument/2006/relationships" xmlns:p="http://schemas.openxmlformats.org/presentationml/2006/main">
+  <p:cSld>
+    <p:spTree>
+      <p:nvGrpSpPr>
+        <p:cNvPr id="1" name=""/>
+        <p:cNvGrpSpPr/>
+        <p:nvPr/>
+      </p:nvGrpSpPr>
+      <p:grpSpPr>
+        <a:xfrm>
+          <a:off x="0" y="0"/>
+          <a:ext cx="0" cy="0"/>
+          <a:chOff x="0" y="0"/>
+          <a:chExt cx="0" cy="0"/>
+        </a:xfrm>
+      </p:grpSpPr>
+      <p:sp>
+        <p:nvSpPr>
+          <p:cNvPr id="3" name="Textplatzhalter 2">
+            <a:extLst>
+              <a:ext uri="{FF2B5EF4-FFF2-40B4-BE49-F238E27FC236}">
+                <a16:creationId xmlns:a16="http://schemas.microsoft.com/office/drawing/2014/main" id="{5A5FD406-7D3F-E861-7EFE-AACE8D68986F}"/>
+              </a:ext>
+            </a:extLst>
+          </p:cNvPr>
+          <p:cNvSpPr>
+            <a:spLocks noGrp="1"/>
+          </p:cNvSpPr>
+          <p:nvPr>
+            <p:ph type="body" sz="quarter" idx="12"/>
+          </p:nvPr>
+        </p:nvSpPr>
+        <p:spPr>
+          <a:xfrm>
+            <a:off x="540000" y="2190750"/>
+            <a:ext cx="8208464" cy="2610000"/>
+          </a:xfrm>
+        </p:spPr>
+        <p:txBody>
+          <a:bodyPr numCol="2"/>
+          <a:lstStyle/>
+          <a:p>
+            <a:pPr marL="342900" indent="-342900">
+              <a:buFont typeface="Arial" panose="020B0604020202020204" pitchFamily="34" charset="0"/>
+              <a:buChar char="•"/>
+            </a:pPr>
+            <a:r>
+              <a:rPr lang="en-US" dirty="0"/>
               <a:t>DOSAGE</a:t>
             </a:r>
           </a:p>
@@ -21910,7 +22487,7 @@
 </p:sld>
 </file>
 
-<file path=ppt/slides/slide8.xml><?xml version="1.0" encoding="utf-8"?>
+<file path=ppt/slides/slide9.xml><?xml version="1.0" encoding="utf-8"?>
 <p:sld xmlns:a="http://schemas.openxmlformats.org/drawingml/2006/main" xmlns:r="http://schemas.openxmlformats.org/officeDocument/2006/relationships" xmlns:p="http://schemas.openxmlformats.org/presentationml/2006/main">
   <p:cSld>
     <p:spTree>
@@ -22101,201 +22678,6 @@
     <p:extLst>
       <p:ext uri="{BB962C8B-B14F-4D97-AF65-F5344CB8AC3E}">
         <p14:creationId xmlns:p14="http://schemas.microsoft.com/office/powerpoint/2010/main" val="1455095133"/>
-      </p:ext>
-    </p:extLst>
-  </p:cSld>
-  <p:clrMapOvr>
-    <a:masterClrMapping/>
-  </p:clrMapOvr>
-</p:sld>
-</file>
-
-<file path=ppt/slides/slide9.xml><?xml version="1.0" encoding="utf-8"?>
-<p:sld xmlns:a="http://schemas.openxmlformats.org/drawingml/2006/main" xmlns:r="http://schemas.openxmlformats.org/officeDocument/2006/relationships" xmlns:p="http://schemas.openxmlformats.org/presentationml/2006/main">
-  <p:cSld>
-    <p:spTree>
-      <p:nvGrpSpPr>
-        <p:cNvPr id="1" name=""/>
-        <p:cNvGrpSpPr/>
-        <p:nvPr/>
-      </p:nvGrpSpPr>
-      <p:grpSpPr>
-        <a:xfrm>
-          <a:off x="0" y="0"/>
-          <a:ext cx="0" cy="0"/>
-          <a:chOff x="0" y="0"/>
-          <a:chExt cx="0" cy="0"/>
-        </a:xfrm>
-      </p:grpSpPr>
-      <p:sp>
-        <p:nvSpPr>
-          <p:cNvPr id="3" name="Textplatzhalter 2">
-            <a:extLst>
-              <a:ext uri="{FF2B5EF4-FFF2-40B4-BE49-F238E27FC236}">
-                <a16:creationId xmlns:a16="http://schemas.microsoft.com/office/drawing/2014/main" id="{5A5FD406-7D3F-E861-7EFE-AACE8D68986F}"/>
-              </a:ext>
-            </a:extLst>
-          </p:cNvPr>
-          <p:cNvSpPr>
-            <a:spLocks noGrp="1"/>
-          </p:cNvSpPr>
-          <p:nvPr>
-            <p:ph type="body" sz="quarter" idx="12"/>
-          </p:nvPr>
-        </p:nvSpPr>
-        <p:spPr>
-          <a:xfrm>
-            <a:off x="540000" y="2190750"/>
-            <a:ext cx="8208464" cy="2610000"/>
-          </a:xfrm>
-        </p:spPr>
-        <p:txBody>
-          <a:bodyPr numCol="1"/>
-          <a:lstStyle/>
-          <a:p>
-            <a:pPr marL="342900" indent="-342900">
-              <a:buFont typeface="Arial" panose="020B0604020202020204" pitchFamily="34" charset="0"/>
-              <a:buChar char="•"/>
-            </a:pPr>
-            <a:r>
-              <a:rPr lang="en-US" dirty="0"/>
-              <a:t>Manual by comparing NE with ground truth</a:t>
-            </a:r>
-          </a:p>
-          <a:p>
-            <a:pPr marL="342900" indent="-342900">
-              <a:buFont typeface="Arial" panose="020B0604020202020204" pitchFamily="34" charset="0"/>
-              <a:buChar char="•"/>
-            </a:pPr>
-            <a:r>
-              <a:rPr lang="en-US" dirty="0"/>
-              <a:t>Automatic evaluation using precision, recall and F1-score</a:t>
-            </a:r>
-          </a:p>
-          <a:p>
-            <a:pPr marL="1028683" lvl="1" indent="-342900"/>
-            <a:r>
-              <a:rPr lang="en-US" dirty="0"/>
-              <a:t>Precision: 0.37 (+/-) 0.17</a:t>
-            </a:r>
-          </a:p>
-          <a:p>
-            <a:pPr marL="1028683" lvl="1" indent="-342900"/>
-            <a:r>
-              <a:rPr lang="en-US" dirty="0"/>
-              <a:t>Recall: 0.33 (+/-) 0.21</a:t>
-            </a:r>
-          </a:p>
-          <a:p>
-            <a:pPr marL="1028683" lvl="1" indent="-342900"/>
-            <a:r>
-              <a:rPr lang="en-US" dirty="0"/>
-              <a:t>F1-Score: 0.3 (+/-) 0.09</a:t>
-            </a:r>
-          </a:p>
-          <a:p>
-            <a:pPr marL="342900" indent="-342900">
-              <a:buFont typeface="Arial" panose="020B0604020202020204" pitchFamily="34" charset="0"/>
-              <a:buChar char="•"/>
-            </a:pPr>
-            <a:r>
-              <a:rPr lang="en-US" dirty="0"/>
-              <a:t>Conclusion</a:t>
-            </a:r>
-          </a:p>
-          <a:p>
-            <a:pPr marL="1028683" lvl="1" indent="-342900"/>
-            <a:r>
-              <a:rPr lang="en-US" dirty="0"/>
-              <a:t>Training with large annotated corpus</a:t>
-            </a:r>
-          </a:p>
-          <a:p>
-            <a:pPr marL="1028683" lvl="1" indent="-342900"/>
-            <a:r>
-              <a:rPr lang="en-US" dirty="0"/>
-              <a:t>Difficulty with manually annotating data </a:t>
-            </a:r>
-          </a:p>
-          <a:p>
-            <a:pPr marL="342900" indent="-342900">
-              <a:buFont typeface="Arial" panose="020B0604020202020204" pitchFamily="34" charset="0"/>
-              <a:buChar char="•"/>
-            </a:pPr>
-            <a:endParaRPr lang="en-US" dirty="0"/>
-          </a:p>
-          <a:p>
-            <a:pPr marL="1028683" lvl="1" indent="-342900"/>
-            <a:endParaRPr lang="en-US" dirty="0"/>
-          </a:p>
-        </p:txBody>
-      </p:sp>
-      <p:sp>
-        <p:nvSpPr>
-          <p:cNvPr id="5" name="Textplatzhalter 4">
-            <a:extLst>
-              <a:ext uri="{FF2B5EF4-FFF2-40B4-BE49-F238E27FC236}">
-                <a16:creationId xmlns:a16="http://schemas.microsoft.com/office/drawing/2014/main" id="{69996356-855D-BEA7-9042-E31DBB1F84C4}"/>
-              </a:ext>
-            </a:extLst>
-          </p:cNvPr>
-          <p:cNvSpPr>
-            <a:spLocks noGrp="1"/>
-          </p:cNvSpPr>
-          <p:nvPr>
-            <p:ph type="body" sz="quarter" idx="20"/>
-          </p:nvPr>
-        </p:nvSpPr>
-        <p:spPr/>
-        <p:txBody>
-          <a:bodyPr/>
-          <a:lstStyle/>
-          <a:p>
-            <a:r>
-              <a:rPr lang="en-GB" dirty="0"/>
-              <a:t>Task 2</a:t>
-            </a:r>
-            <a:endParaRPr lang="de-CH" dirty="0"/>
-          </a:p>
-        </p:txBody>
-      </p:sp>
-      <p:sp>
-        <p:nvSpPr>
-          <p:cNvPr id="6" name="Titel 5">
-            <a:extLst>
-              <a:ext uri="{FF2B5EF4-FFF2-40B4-BE49-F238E27FC236}">
-                <a16:creationId xmlns:a16="http://schemas.microsoft.com/office/drawing/2014/main" id="{78FFCA5B-4105-6527-22ED-1C63D41F0290}"/>
-              </a:ext>
-            </a:extLst>
-          </p:cNvPr>
-          <p:cNvSpPr>
-            <a:spLocks noGrp="1"/>
-          </p:cNvSpPr>
-          <p:nvPr>
-            <p:ph type="title"/>
-          </p:nvPr>
-        </p:nvSpPr>
-        <p:spPr>
-          <a:xfrm>
-            <a:off x="540000" y="680400"/>
-            <a:ext cx="7020000" cy="410369"/>
-          </a:xfrm>
-        </p:spPr>
-        <p:txBody>
-          <a:bodyPr/>
-          <a:lstStyle/>
-          <a:p>
-            <a:r>
-              <a:rPr lang="de-CH" dirty="0"/>
-              <a:t>Evaluation</a:t>
-            </a:r>
-          </a:p>
-        </p:txBody>
-      </p:sp>
-    </p:spTree>
-    <p:extLst>
-      <p:ext uri="{BB962C8B-B14F-4D97-AF65-F5344CB8AC3E}">
-        <p14:creationId xmlns:p14="http://schemas.microsoft.com/office/powerpoint/2010/main" val="3738490548"/>
       </p:ext>
     </p:extLst>
   </p:cSld>
